--- a/Final_Offer/Performance_Presentation.pptx
+++ b/Final_Offer/Performance_Presentation.pptx
@@ -14,8 +14,8 @@
     <p:sldId id="262" r:id="rId11"/>
     <p:sldId id="264" r:id="rId12"/>
     <p:sldId id="263" r:id="rId13"/>
-    <p:sldId id="266" r:id="rId14"/>
-    <p:sldId id="269" r:id="rId15"/>
+    <p:sldId id="269" r:id="rId14"/>
+    <p:sldId id="266" r:id="rId15"/>
   </p:sldIdLst>
   <p:sldSz cx="12192000" cy="6858000"/>
   <p:notesSz cx="6858000" cy="9144000"/>
@@ -1580,6 +1580,30 @@
     </pc:docChg>
   </pc:docChgLst>
   <pc:docChgLst>
+    <pc:chgData name="Edoardo Passarino" userId="S::edoardo.passarino@itstechtalentfactory.it::07fba810-4bbe-430b-bfe8-f8d54a9e1a4c" providerId="AD" clId="Web-{F5A70C3D-A4F9-492C-9B26-5F6BF2159C4F}"/>
+    <pc:docChg chg="modSld">
+      <pc:chgData name="Edoardo Passarino" userId="S::edoardo.passarino@itstechtalentfactory.it::07fba810-4bbe-430b-bfe8-f8d54a9e1a4c" providerId="AD" clId="Web-{F5A70C3D-A4F9-492C-9B26-5F6BF2159C4F}" dt="2022-12-12T13:04:18.320" v="13" actId="20577"/>
+      <pc:docMkLst>
+        <pc:docMk/>
+      </pc:docMkLst>
+      <pc:sldChg chg="modSp">
+        <pc:chgData name="Edoardo Passarino" userId="S::edoardo.passarino@itstechtalentfactory.it::07fba810-4bbe-430b-bfe8-f8d54a9e1a4c" providerId="AD" clId="Web-{F5A70C3D-A4F9-492C-9B26-5F6BF2159C4F}" dt="2022-12-12T13:04:18.320" v="13" actId="20577"/>
+        <pc:sldMkLst>
+          <pc:docMk/>
+          <pc:sldMk cId="1511362492" sldId="257"/>
+        </pc:sldMkLst>
+        <pc:spChg chg="mod">
+          <ac:chgData name="Edoardo Passarino" userId="S::edoardo.passarino@itstechtalentfactory.it::07fba810-4bbe-430b-bfe8-f8d54a9e1a4c" providerId="AD" clId="Web-{F5A70C3D-A4F9-492C-9B26-5F6BF2159C4F}" dt="2022-12-12T13:04:18.320" v="13" actId="20577"/>
+          <ac:spMkLst>
+            <pc:docMk/>
+            <pc:sldMk cId="1511362492" sldId="257"/>
+            <ac:spMk id="3" creationId="{03804A59-0C9F-36FA-5259-EC5D6FD4DFAB}"/>
+          </ac:spMkLst>
+        </pc:spChg>
+      </pc:sldChg>
+    </pc:docChg>
+  </pc:docChgLst>
+  <pc:docChgLst>
     <pc:chgData name="Mattia Micheli" userId="9230a64d-4596-4adf-a715-5ed28f577a01" providerId="ADAL" clId="{7028311B-C411-4A5B-978F-CDAEBBA96ABB}"/>
     <pc:docChg chg="undo custSel addSld delSld modSld addMainMaster delMainMaster">
       <pc:chgData name="Mattia Micheli" userId="9230a64d-4596-4adf-a715-5ed28f577a01" providerId="ADAL" clId="{7028311B-C411-4A5B-978F-CDAEBBA96ABB}" dt="2022-12-11T15:26:21.043" v="179" actId="27636"/>
@@ -2720,30 +2744,6 @@
           </pc:sldLayoutMkLst>
         </pc:sldLayoutChg>
       </pc:sldMasterChg>
-    </pc:docChg>
-  </pc:docChgLst>
-  <pc:docChgLst>
-    <pc:chgData name="Edoardo Passarino" userId="S::edoardo.passarino@itstechtalentfactory.it::07fba810-4bbe-430b-bfe8-f8d54a9e1a4c" providerId="AD" clId="Web-{F5A70C3D-A4F9-492C-9B26-5F6BF2159C4F}"/>
-    <pc:docChg chg="modSld">
-      <pc:chgData name="Edoardo Passarino" userId="S::edoardo.passarino@itstechtalentfactory.it::07fba810-4bbe-430b-bfe8-f8d54a9e1a4c" providerId="AD" clId="Web-{F5A70C3D-A4F9-492C-9B26-5F6BF2159C4F}" dt="2022-12-12T13:04:18.320" v="13" actId="20577"/>
-      <pc:docMkLst>
-        <pc:docMk/>
-      </pc:docMkLst>
-      <pc:sldChg chg="modSp">
-        <pc:chgData name="Edoardo Passarino" userId="S::edoardo.passarino@itstechtalentfactory.it::07fba810-4bbe-430b-bfe8-f8d54a9e1a4c" providerId="AD" clId="Web-{F5A70C3D-A4F9-492C-9B26-5F6BF2159C4F}" dt="2022-12-12T13:04:18.320" v="13" actId="20577"/>
-        <pc:sldMkLst>
-          <pc:docMk/>
-          <pc:sldMk cId="1511362492" sldId="257"/>
-        </pc:sldMkLst>
-        <pc:spChg chg="mod">
-          <ac:chgData name="Edoardo Passarino" userId="S::edoardo.passarino@itstechtalentfactory.it::07fba810-4bbe-430b-bfe8-f8d54a9e1a4c" providerId="AD" clId="Web-{F5A70C3D-A4F9-492C-9B26-5F6BF2159C4F}" dt="2022-12-12T13:04:18.320" v="13" actId="20577"/>
-          <ac:spMkLst>
-            <pc:docMk/>
-            <pc:sldMk cId="1511362492" sldId="257"/>
-            <ac:spMk id="3" creationId="{03804A59-0C9F-36FA-5259-EC5D6FD4DFAB}"/>
-          </ac:spMkLst>
-        </pc:spChg>
-      </pc:sldChg>
     </pc:docChg>
   </pc:docChgLst>
   <pc:docChgLst>
@@ -8106,7 +8106,7 @@
       </dsp:nvSpPr>
       <dsp:spPr>
         <a:xfrm>
-          <a:off x="755614" y="547475"/>
+          <a:off x="755614" y="403188"/>
           <a:ext cx="1164375" cy="1164375"/>
         </a:xfrm>
         <a:prstGeom prst="rect">
@@ -8167,8 +8167,8 @@
       </dsp:nvSpPr>
       <dsp:spPr>
         <a:xfrm>
-          <a:off x="44052" y="2134741"/>
-          <a:ext cx="2587500" cy="1231845"/>
+          <a:off x="44052" y="2033720"/>
+          <a:ext cx="2587500" cy="1477153"/>
         </a:xfrm>
         <a:prstGeom prst="rect">
           <a:avLst/>
@@ -8223,8 +8223,8 @@
         </a:p>
       </dsp:txBody>
       <dsp:txXfrm>
-        <a:off x="44052" y="2134741"/>
-        <a:ext cx="2587500" cy="1231845"/>
+        <a:off x="44052" y="2033720"/>
+        <a:ext cx="2587500" cy="1477153"/>
       </dsp:txXfrm>
     </dsp:sp>
     <dsp:sp modelId="{5316044A-9B5E-4147-9C64-02C4134D2739}">
@@ -8234,7 +8234,7 @@
       </dsp:nvSpPr>
       <dsp:spPr>
         <a:xfrm>
-          <a:off x="3795927" y="547475"/>
+          <a:off x="3795927" y="403188"/>
           <a:ext cx="1164375" cy="1164375"/>
         </a:xfrm>
         <a:prstGeom prst="rect">
@@ -8297,8 +8297,8 @@
       </dsp:nvSpPr>
       <dsp:spPr>
         <a:xfrm>
-          <a:off x="3084364" y="2134741"/>
-          <a:ext cx="2587500" cy="1231845"/>
+          <a:off x="3084364" y="2033720"/>
+          <a:ext cx="2587500" cy="1477153"/>
         </a:xfrm>
         <a:prstGeom prst="rect">
           <a:avLst/>
@@ -8349,8 +8349,8 @@
         </a:p>
       </dsp:txBody>
       <dsp:txXfrm>
-        <a:off x="3084364" y="2134741"/>
-        <a:ext cx="2587500" cy="1231845"/>
+        <a:off x="3084364" y="2033720"/>
+        <a:ext cx="2587500" cy="1477153"/>
       </dsp:txXfrm>
     </dsp:sp>
   </dsp:spTree>
@@ -8372,7 +8372,7 @@
       </dsp:nvSpPr>
       <dsp:spPr>
         <a:xfrm>
-          <a:off x="755614" y="463165"/>
+          <a:off x="755614" y="436652"/>
           <a:ext cx="1164375" cy="1164375"/>
         </a:xfrm>
         <a:prstGeom prst="rect">
@@ -8433,8 +8433,8 @@
       </dsp:nvSpPr>
       <dsp:spPr>
         <a:xfrm>
-          <a:off x="44052" y="2095405"/>
-          <a:ext cx="2587500" cy="1327500"/>
+          <a:off x="44052" y="2076919"/>
+          <a:ext cx="2587500" cy="1372500"/>
         </a:xfrm>
         <a:prstGeom prst="rect">
           <a:avLst/>
@@ -8503,8 +8503,8 @@
         </a:p>
       </dsp:txBody>
       <dsp:txXfrm>
-        <a:off x="44052" y="2095405"/>
-        <a:ext cx="2587500" cy="1327500"/>
+        <a:off x="44052" y="2076919"/>
+        <a:ext cx="2587500" cy="1372500"/>
       </dsp:txXfrm>
     </dsp:sp>
     <dsp:sp modelId="{5316044A-9B5E-4147-9C64-02C4134D2739}">
@@ -8514,7 +8514,7 @@
       </dsp:nvSpPr>
       <dsp:spPr>
         <a:xfrm>
-          <a:off x="3795927" y="491157"/>
+          <a:off x="3795927" y="464643"/>
           <a:ext cx="1164375" cy="1164375"/>
         </a:xfrm>
         <a:prstGeom prst="rect">
@@ -8578,8 +8578,8 @@
       </dsp:nvSpPr>
       <dsp:spPr>
         <a:xfrm>
-          <a:off x="3084364" y="2095405"/>
-          <a:ext cx="2587500" cy="1327500"/>
+          <a:off x="3084364" y="2076919"/>
+          <a:ext cx="2587500" cy="1372500"/>
         </a:xfrm>
         <a:prstGeom prst="rect">
           <a:avLst/>
@@ -8637,8 +8637,8 @@
         </a:p>
       </dsp:txBody>
       <dsp:txXfrm>
-        <a:off x="3084364" y="2095405"/>
-        <a:ext cx="2587500" cy="1327500"/>
+        <a:off x="3084364" y="2076919"/>
+        <a:ext cx="2587500" cy="1372500"/>
       </dsp:txXfrm>
     </dsp:sp>
   </dsp:spTree>
@@ -8660,7 +8660,7 @@
       </dsp:nvSpPr>
       <dsp:spPr>
         <a:xfrm>
-          <a:off x="755614" y="469822"/>
+          <a:off x="755614" y="436652"/>
           <a:ext cx="1164375" cy="1164375"/>
         </a:xfrm>
         <a:prstGeom prst="rect">
@@ -8721,8 +8721,8 @@
       </dsp:nvSpPr>
       <dsp:spPr>
         <a:xfrm>
-          <a:off x="44052" y="2099998"/>
-          <a:ext cx="2587500" cy="1316250"/>
+          <a:off x="44052" y="2076919"/>
+          <a:ext cx="2587500" cy="1372500"/>
         </a:xfrm>
         <a:prstGeom prst="rect">
           <a:avLst/>
@@ -8784,8 +8784,8 @@
         </a:p>
       </dsp:txBody>
       <dsp:txXfrm>
-        <a:off x="44052" y="2099998"/>
-        <a:ext cx="2587500" cy="1316250"/>
+        <a:off x="44052" y="2076919"/>
+        <a:ext cx="2587500" cy="1372500"/>
       </dsp:txXfrm>
     </dsp:sp>
     <dsp:sp modelId="{5316044A-9B5E-4147-9C64-02C4134D2739}">
@@ -8795,7 +8795,7 @@
       </dsp:nvSpPr>
       <dsp:spPr>
         <a:xfrm>
-          <a:off x="3795927" y="497814"/>
+          <a:off x="3795927" y="464643"/>
           <a:ext cx="1164375" cy="1164375"/>
         </a:xfrm>
         <a:prstGeom prst="rect">
@@ -8859,8 +8859,8 @@
       </dsp:nvSpPr>
       <dsp:spPr>
         <a:xfrm>
-          <a:off x="3084364" y="2099998"/>
-          <a:ext cx="2587500" cy="1316250"/>
+          <a:off x="3084364" y="2076919"/>
+          <a:ext cx="2587500" cy="1372500"/>
         </a:xfrm>
         <a:prstGeom prst="rect">
           <a:avLst/>
@@ -8911,8 +8911,8 @@
         </a:p>
       </dsp:txBody>
       <dsp:txXfrm>
-        <a:off x="3084364" y="2099998"/>
-        <a:ext cx="2587500" cy="1316250"/>
+        <a:off x="3084364" y="2076919"/>
+        <a:ext cx="2587500" cy="1372500"/>
       </dsp:txXfrm>
     </dsp:sp>
   </dsp:spTree>
@@ -14001,7 +14001,7 @@
             <a:fld id="{DBA1B0FB-D917-4C8C-928F-313BD683BF39}" type="slidenum">
               <a:rPr lang="en-US" smtClean="0"/>
               <a:pPr/>
-              <a:t>‹#›</a:t>
+              <a:t>‹N›</a:t>
             </a:fld>
             <a:endParaRPr lang="en-US"/>
           </a:p>
@@ -14176,7 +14176,7 @@
             <a:fld id="{DBA1B0FB-D917-4C8C-928F-313BD683BF39}" type="slidenum">
               <a:rPr lang="en-US" smtClean="0"/>
               <a:pPr/>
-              <a:t>‹#›</a:t>
+              <a:t>‹N›</a:t>
             </a:fld>
             <a:endParaRPr lang="en-US"/>
           </a:p>
@@ -14361,7 +14361,7 @@
             <a:fld id="{DBA1B0FB-D917-4C8C-928F-313BD683BF39}" type="slidenum">
               <a:rPr lang="en-US" smtClean="0"/>
               <a:pPr/>
-              <a:t>‹#›</a:t>
+              <a:t>‹N›</a:t>
             </a:fld>
             <a:endParaRPr lang="en-US"/>
           </a:p>
@@ -14536,7 +14536,7 @@
             <a:fld id="{DBA1B0FB-D917-4C8C-928F-313BD683BF39}" type="slidenum">
               <a:rPr lang="en-US" smtClean="0"/>
               <a:pPr/>
-              <a:t>‹#›</a:t>
+              <a:t>‹N›</a:t>
             </a:fld>
             <a:endParaRPr lang="en-US"/>
           </a:p>
@@ -14809,7 +14809,7 @@
             <a:fld id="{DBA1B0FB-D917-4C8C-928F-313BD683BF39}" type="slidenum">
               <a:rPr lang="en-US" smtClean="0"/>
               <a:pPr/>
-              <a:t>‹#›</a:t>
+              <a:t>‹N›</a:t>
             </a:fld>
             <a:endParaRPr lang="en-US"/>
           </a:p>
@@ -15046,7 +15046,7 @@
             <a:fld id="{DBA1B0FB-D917-4C8C-928F-313BD683BF39}" type="slidenum">
               <a:rPr lang="en-US" smtClean="0"/>
               <a:pPr/>
-              <a:t>‹#›</a:t>
+              <a:t>‹N›</a:t>
             </a:fld>
             <a:endParaRPr lang="en-US"/>
           </a:p>
@@ -15410,7 +15410,7 @@
             <a:fld id="{DBA1B0FB-D917-4C8C-928F-313BD683BF39}" type="slidenum">
               <a:rPr lang="en-US" smtClean="0"/>
               <a:pPr/>
-              <a:t>‹#›</a:t>
+              <a:t>‹N›</a:t>
             </a:fld>
             <a:endParaRPr lang="en-US"/>
           </a:p>
@@ -15556,7 +15556,7 @@
             <a:fld id="{DBA1B0FB-D917-4C8C-928F-313BD683BF39}" type="slidenum">
               <a:rPr lang="en-US" smtClean="0"/>
               <a:pPr/>
-              <a:t>‹#›</a:t>
+              <a:t>‹N›</a:t>
             </a:fld>
             <a:endParaRPr lang="en-US"/>
           </a:p>
@@ -15656,7 +15656,7 @@
             <a:fld id="{DBA1B0FB-D917-4C8C-928F-313BD683BF39}" type="slidenum">
               <a:rPr lang="en-US" smtClean="0"/>
               <a:pPr/>
-              <a:t>‹#›</a:t>
+              <a:t>‹N›</a:t>
             </a:fld>
             <a:endParaRPr lang="en-US"/>
           </a:p>
@@ -16033,7 +16033,7 @@
             <a:fld id="{DBA1B0FB-D917-4C8C-928F-313BD683BF39}" type="slidenum">
               <a:rPr lang="en-US" smtClean="0"/>
               <a:pPr/>
-              <a:t>‹#›</a:t>
+              <a:t>‹N›</a:t>
             </a:fld>
             <a:endParaRPr lang="en-US"/>
           </a:p>
@@ -16395,7 +16395,7 @@
             <a:fld id="{DBA1B0FB-D917-4C8C-928F-313BD683BF39}" type="slidenum">
               <a:rPr lang="en-US" smtClean="0"/>
               <a:pPr/>
-              <a:t>‹#›</a:t>
+              <a:t>‹N›</a:t>
             </a:fld>
             <a:endParaRPr lang="en-US"/>
           </a:p>
@@ -16668,7 +16668,7 @@
             <a:fld id="{DBA1B0FB-D917-4C8C-928F-313BD683BF39}" type="slidenum">
               <a:rPr lang="en-US" smtClean="0"/>
               <a:pPr/>
-              <a:t>‹#›</a:t>
+              <a:t>‹N›</a:t>
             </a:fld>
             <a:endParaRPr lang="en-US"/>
           </a:p>
@@ -17121,8 +17121,8 @@
         </p:nvSpPr>
         <p:spPr>
           <a:xfrm>
-            <a:off x="10315754" y="5366171"/>
-            <a:ext cx="1744663" cy="1371059"/>
+            <a:off x="9976104" y="5366171"/>
+            <a:ext cx="2084313" cy="1371059"/>
           </a:xfrm>
         </p:spPr>
         <p:txBody>
@@ -17133,7 +17133,7 @@
           <a:p>
             <a:pPr algn="r"/>
             <a:r>
-              <a:rPr lang="en-US" sz="1400">
+              <a:rPr lang="en-US" sz="1400" dirty="0">
                 <a:solidFill>
                   <a:schemeClr val="tx1">
                     <a:alpha val="60000"/>
@@ -17148,7 +17148,7 @@
           <a:p>
             <a:pPr algn="r"/>
             <a:r>
-              <a:rPr lang="en-US" sz="1400">
+              <a:rPr lang="en-US" sz="1400" dirty="0">
                 <a:solidFill>
                   <a:schemeClr val="tx1">
                     <a:alpha val="60000"/>
@@ -17157,10 +17157,13 @@
                 <a:latin typeface="Rubik Medium" pitchFamily="2" charset="-79"/>
                 <a:cs typeface="Rubik Medium" pitchFamily="2" charset="-79"/>
               </a:rPr>
-              <a:t>Mattia </a:t>
+              <a:t>Mattia Micheli</a:t>
             </a:r>
+          </a:p>
+          <a:p>
+            <a:pPr algn="r"/>
             <a:r>
-              <a:rPr lang="en-US" sz="1400" err="1">
+              <a:rPr lang="en-US" sz="1400" dirty="0">
                 <a:solidFill>
                   <a:schemeClr val="tx1">
                     <a:alpha val="60000"/>
@@ -17169,9 +17172,21 @@
                 <a:latin typeface="Rubik Medium" pitchFamily="2" charset="-79"/>
                 <a:cs typeface="Rubik Medium" pitchFamily="2" charset="-79"/>
               </a:rPr>
-              <a:t>Micheli</a:t>
+              <a:t>Pietro </a:t>
             </a:r>
-            <a:endParaRPr lang="en-US" sz="1400">
+            <a:r>
+              <a:rPr lang="en-US" sz="1400" dirty="0" err="1">
+                <a:solidFill>
+                  <a:schemeClr val="tx1">
+                    <a:alpha val="60000"/>
+                  </a:schemeClr>
+                </a:solidFill>
+                <a:latin typeface="Rubik Medium" pitchFamily="2" charset="-79"/>
+                <a:cs typeface="Rubik Medium" pitchFamily="2" charset="-79"/>
+              </a:rPr>
+              <a:t>Folletti</a:t>
+            </a:r>
+            <a:endParaRPr lang="en-US" sz="1400" dirty="0">
               <a:solidFill>
                 <a:schemeClr val="tx1">
                   <a:alpha val="60000"/>
@@ -17184,7 +17199,7 @@
           <a:p>
             <a:pPr algn="r"/>
             <a:r>
-              <a:rPr lang="en-US" sz="1400">
+              <a:rPr lang="en-US" sz="1400" dirty="0">
                 <a:solidFill>
                   <a:schemeClr val="tx1">
                     <a:alpha val="60000"/>
@@ -17193,10 +17208,10 @@
                 <a:latin typeface="Rubik Medium" pitchFamily="2" charset="-79"/>
                 <a:cs typeface="Rubik Medium" pitchFamily="2" charset="-79"/>
               </a:rPr>
-              <a:t>Pietro </a:t>
+              <a:t> </a:t>
             </a:r>
             <a:r>
-              <a:rPr lang="en-US" sz="1400" err="1">
+              <a:rPr lang="en-US" sz="1400" dirty="0" err="1">
                 <a:solidFill>
                   <a:schemeClr val="tx1">
                     <a:alpha val="60000"/>
@@ -17205,22 +17220,10 @@
                 <a:latin typeface="Rubik Medium" pitchFamily="2" charset="-79"/>
                 <a:cs typeface="Rubik Medium" pitchFamily="2" charset="-79"/>
               </a:rPr>
-              <a:t>Folletti</a:t>
+              <a:t>Edoardo</a:t>
             </a:r>
-            <a:endParaRPr lang="en-US" sz="1400">
-              <a:solidFill>
-                <a:schemeClr val="tx1">
-                  <a:alpha val="60000"/>
-                </a:schemeClr>
-              </a:solidFill>
-              <a:latin typeface="Rubik Medium" pitchFamily="2" charset="-79"/>
-              <a:cs typeface="Rubik Medium" pitchFamily="2" charset="-79"/>
-            </a:endParaRPr>
-          </a:p>
-          <a:p>
-            <a:pPr algn="r"/>
             <a:r>
-              <a:rPr lang="en-US" sz="1400">
+              <a:rPr lang="en-US" sz="1400" dirty="0">
                 <a:solidFill>
                   <a:schemeClr val="tx1">
                     <a:alpha val="60000"/>
@@ -17229,9 +17232,21 @@
                 <a:latin typeface="Rubik Medium" pitchFamily="2" charset="-79"/>
                 <a:cs typeface="Rubik Medium" pitchFamily="2" charset="-79"/>
               </a:rPr>
-              <a:t>Edoardo Passarino</a:t>
+              <a:t> </a:t>
             </a:r>
-            <a:endParaRPr lang="it-IT" sz="1400">
+            <a:r>
+              <a:rPr lang="en-US" sz="1400" dirty="0" err="1">
+                <a:solidFill>
+                  <a:schemeClr val="tx1">
+                    <a:alpha val="60000"/>
+                  </a:schemeClr>
+                </a:solidFill>
+                <a:latin typeface="Rubik Medium" pitchFamily="2" charset="-79"/>
+                <a:cs typeface="Rubik Medium" pitchFamily="2" charset="-79"/>
+              </a:rPr>
+              <a:t>Passarino</a:t>
+            </a:r>
+            <a:endParaRPr lang="it-IT" sz="1400" dirty="0">
               <a:solidFill>
                 <a:schemeClr val="tx1">
                   <a:alpha val="60000"/>
@@ -17253,13 +17268,13 @@
   <p:clrMapOvr>
     <a:masterClrMapping/>
   </p:clrMapOvr>
-  <mc:AlternateContent xmlns:mc="http://schemas.openxmlformats.org/markup-compatibility/2006">
-    <mc:Choice xmlns:p14="http://schemas.microsoft.com/office/powerpoint/2010/main" Requires="p14">
+  <mc:AlternateContent xmlns:mc="http://schemas.openxmlformats.org/markup-compatibility/2006" xmlns:p14="http://schemas.microsoft.com/office/powerpoint/2010/main">
+    <mc:Choice Requires="p14">
       <p:transition spd="med" p14:dur="700">
         <p:fade/>
       </p:transition>
     </mc:Choice>
-    <mc:Fallback>
+    <mc:Fallback xmlns="">
       <p:transition spd="med">
         <p:fade/>
       </p:transition>
@@ -17269,1595 +17284,6 @@
 </file>
 
 <file path=ppt/slides/slide10.xml><?xml version="1.0" encoding="utf-8"?>
-<p:sld xmlns:a="http://schemas.openxmlformats.org/drawingml/2006/main" xmlns:r="http://schemas.openxmlformats.org/officeDocument/2006/relationships" xmlns:p="http://schemas.openxmlformats.org/presentationml/2006/main">
-  <p:cSld>
-    <p:bg>
-      <p:bgPr>
-        <a:solidFill>
-          <a:schemeClr val="bg1"/>
-        </a:solidFill>
-        <a:effectLst/>
-      </p:bgPr>
-    </p:bg>
-    <p:spTree>
-      <p:nvGrpSpPr>
-        <p:cNvPr id="1" name=""/>
-        <p:cNvGrpSpPr/>
-        <p:nvPr/>
-      </p:nvGrpSpPr>
-      <p:grpSpPr>
-        <a:xfrm>
-          <a:off x="0" y="0"/>
-          <a:ext cx="0" cy="0"/>
-          <a:chOff x="0" y="0"/>
-          <a:chExt cx="0" cy="0"/>
-        </a:xfrm>
-      </p:grpSpPr>
-      <p:sp>
-        <p:nvSpPr>
-          <p:cNvPr id="29" name="Rectangle 23">
-            <a:extLst>
-              <a:ext uri="{FF2B5EF4-FFF2-40B4-BE49-F238E27FC236}">
-                <a16:creationId xmlns:a16="http://schemas.microsoft.com/office/drawing/2014/main" id="{25F64367-9171-455F-9283-AC21BC55AE65}"/>
-              </a:ext>
-              <a:ext uri="{C183D7F6-B498-43B3-948B-1728B52AA6E4}">
-                <adec:decorative xmlns:adec="http://schemas.microsoft.com/office/drawing/2017/decorative" val="1"/>
-              </a:ext>
-            </a:extLst>
-          </p:cNvPr>
-          <p:cNvSpPr>
-            <a:spLocks noGrp="1" noRot="1" noChangeAspect="1" noMove="1" noResize="1" noEditPoints="1" noAdjustHandles="1" noChangeArrowheads="1" noChangeShapeType="1" noTextEdit="1"/>
-          </p:cNvSpPr>
-          <p:nvPr>
-            <p:extLst>
-              <p:ext uri="{386F3935-93C4-4BCD-93E2-E3B085C9AB24}">
-                <p16:designElem xmlns:p16="http://schemas.microsoft.com/office/powerpoint/2015/main" val="1"/>
-              </p:ext>
-            </p:extLst>
-          </p:nvPr>
-        </p:nvSpPr>
-        <p:spPr>
-          <a:xfrm>
-            <a:off x="0" y="0"/>
-            <a:ext cx="12192000" cy="6858000"/>
-          </a:xfrm>
-          <a:prstGeom prst="rect">
-            <a:avLst/>
-          </a:prstGeom>
-          <a:solidFill>
-            <a:schemeClr val="bg1">
-              <a:lumMod val="95000"/>
-            </a:schemeClr>
-          </a:solidFill>
-          <a:ln>
-            <a:noFill/>
-          </a:ln>
-        </p:spPr>
-        <p:style>
-          <a:lnRef idx="2">
-            <a:schemeClr val="accent1">
-              <a:shade val="50000"/>
-            </a:schemeClr>
-          </a:lnRef>
-          <a:fillRef idx="1">
-            <a:schemeClr val="accent1"/>
-          </a:fillRef>
-          <a:effectRef idx="0">
-            <a:schemeClr val="accent1"/>
-          </a:effectRef>
-          <a:fontRef idx="minor">
-            <a:schemeClr val="lt1"/>
-          </a:fontRef>
-        </p:style>
-        <p:txBody>
-          <a:bodyPr rtlCol="0" anchor="ctr"/>
-          <a:lstStyle/>
-          <a:p>
-            <a:pPr algn="ctr"/>
-            <a:endParaRPr lang="en-US"/>
-          </a:p>
-        </p:txBody>
-      </p:sp>
-      <p:sp useBgFill="1">
-        <p:nvSpPr>
-          <p:cNvPr id="30" name="Rectangle 25">
-            <a:extLst>
-              <a:ext uri="{FF2B5EF4-FFF2-40B4-BE49-F238E27FC236}">
-                <a16:creationId xmlns:a16="http://schemas.microsoft.com/office/drawing/2014/main" id="{EC603A95-5798-4F9F-80E4-CF53F302AA42}"/>
-              </a:ext>
-              <a:ext uri="{C183D7F6-B498-43B3-948B-1728B52AA6E4}">
-                <adec:decorative xmlns:adec="http://schemas.microsoft.com/office/drawing/2017/decorative" val="1"/>
-              </a:ext>
-            </a:extLst>
-          </p:cNvPr>
-          <p:cNvSpPr>
-            <a:spLocks noGrp="1" noRot="1" noChangeAspect="1" noMove="1" noResize="1" noEditPoints="1" noAdjustHandles="1" noChangeArrowheads="1" noChangeShapeType="1" noTextEdit="1"/>
-          </p:cNvSpPr>
-          <p:nvPr>
-            <p:extLst>
-              <p:ext uri="{386F3935-93C4-4BCD-93E2-E3B085C9AB24}">
-                <p16:designElem xmlns:p16="http://schemas.microsoft.com/office/powerpoint/2015/main" val="1"/>
-              </p:ext>
-            </p:extLst>
-          </p:nvPr>
-        </p:nvSpPr>
-        <p:spPr>
-          <a:xfrm>
-            <a:off x="1129877" y="1121561"/>
-            <a:ext cx="9930384" cy="4608576"/>
-          </a:xfrm>
-          <a:prstGeom prst="rect">
-            <a:avLst/>
-          </a:prstGeom>
-          <a:ln>
-            <a:noFill/>
-          </a:ln>
-        </p:spPr>
-        <p:style>
-          <a:lnRef idx="2">
-            <a:schemeClr val="accent1">
-              <a:shade val="50000"/>
-            </a:schemeClr>
-          </a:lnRef>
-          <a:fillRef idx="1">
-            <a:schemeClr val="accent1"/>
-          </a:fillRef>
-          <a:effectRef idx="0">
-            <a:schemeClr val="accent1"/>
-          </a:effectRef>
-          <a:fontRef idx="minor">
-            <a:schemeClr val="lt1"/>
-          </a:fontRef>
-        </p:style>
-        <p:txBody>
-          <a:bodyPr rtlCol="0" anchor="ctr"/>
-          <a:lstStyle/>
-          <a:p>
-            <a:pPr algn="ctr"/>
-            <a:endParaRPr lang="en-US"/>
-          </a:p>
-        </p:txBody>
-      </p:sp>
-      <p:sp>
-        <p:nvSpPr>
-          <p:cNvPr id="28" name="Rectangle 27">
-            <a:extLst>
-              <a:ext uri="{FF2B5EF4-FFF2-40B4-BE49-F238E27FC236}">
-                <a16:creationId xmlns:a16="http://schemas.microsoft.com/office/drawing/2014/main" id="{884F012D-6CD6-46AF-A834-6B0CA93008D6}"/>
-              </a:ext>
-              <a:ext uri="{C183D7F6-B498-43B3-948B-1728B52AA6E4}">
-                <adec:decorative xmlns:adec="http://schemas.microsoft.com/office/drawing/2017/decorative" val="1"/>
-              </a:ext>
-            </a:extLst>
-          </p:cNvPr>
-          <p:cNvSpPr>
-            <a:spLocks noGrp="1" noRot="1" noChangeAspect="1" noMove="1" noResize="1" noEditPoints="1" noAdjustHandles="1" noChangeArrowheads="1" noChangeShapeType="1" noTextEdit="1"/>
-          </p:cNvSpPr>
-          <p:nvPr>
-            <p:extLst>
-              <p:ext uri="{386F3935-93C4-4BCD-93E2-E3B085C9AB24}">
-                <p16:designElem xmlns:p16="http://schemas.microsoft.com/office/powerpoint/2015/main" val="1"/>
-              </p:ext>
-            </p:extLst>
-          </p:nvPr>
-        </p:nvSpPr>
-        <p:spPr>
-          <a:xfrm>
-            <a:off x="965200" y="958898"/>
-            <a:ext cx="10259738" cy="4933902"/>
-          </a:xfrm>
-          <a:prstGeom prst="rect">
-            <a:avLst/>
-          </a:prstGeom>
-          <a:noFill/>
-          <a:ln w="31750" cap="sq">
-            <a:solidFill>
-              <a:srgbClr val="FFFFFF"/>
-            </a:solidFill>
-            <a:miter lim="800000"/>
-          </a:ln>
-        </p:spPr>
-        <p:style>
-          <a:lnRef idx="2">
-            <a:schemeClr val="accent1">
-              <a:shade val="50000"/>
-            </a:schemeClr>
-          </a:lnRef>
-          <a:fillRef idx="1">
-            <a:schemeClr val="accent1"/>
-          </a:fillRef>
-          <a:effectRef idx="0">
-            <a:schemeClr val="accent1"/>
-          </a:effectRef>
-          <a:fontRef idx="minor">
-            <a:schemeClr val="lt1"/>
-          </a:fontRef>
-        </p:style>
-        <p:txBody>
-          <a:bodyPr rtlCol="0" anchor="ctr"/>
-          <a:lstStyle/>
-          <a:p>
-            <a:pPr algn="ctr"/>
-            <a:endParaRPr lang="en-US"/>
-          </a:p>
-        </p:txBody>
-      </p:sp>
-      <p:graphicFrame>
-        <p:nvGraphicFramePr>
-          <p:cNvPr id="4" name="Segnaposto contenuto 3">
-            <a:extLst>
-              <a:ext uri="{FF2B5EF4-FFF2-40B4-BE49-F238E27FC236}">
-                <a16:creationId xmlns:a16="http://schemas.microsoft.com/office/drawing/2014/main" id="{6A292107-220E-AB07-E2C3-1AFE7353A6B2}"/>
-              </a:ext>
-            </a:extLst>
-          </p:cNvPr>
-          <p:cNvGraphicFramePr>
-            <a:graphicFrameLocks noGrp="1"/>
-          </p:cNvGraphicFramePr>
-          <p:nvPr>
-            <p:ph idx="1"/>
-            <p:extLst>
-              <p:ext uri="{D42A27DB-BD31-4B8C-83A1-F6EECF244321}">
-                <p14:modId xmlns:p14="http://schemas.microsoft.com/office/powerpoint/2010/main" val="3055289953"/>
-              </p:ext>
-            </p:extLst>
-          </p:nvPr>
-        </p:nvGraphicFramePr>
-        <p:xfrm>
-          <a:off x="1792289" y="1700985"/>
-          <a:ext cx="8624886" cy="4029152"/>
-        </p:xfrm>
-        <a:graphic>
-          <a:graphicData uri="http://schemas.openxmlformats.org/drawingml/2006/table">
-            <a:tbl>
-              <a:tblPr firstRow="1" bandRow="1"/>
-              <a:tblGrid>
-                <a:gridCol w="4921400">
-                  <a:extLst>
-                    <a:ext uri="{9D8B030D-6E8A-4147-A177-3AD203B41FA5}">
-                      <a16:colId xmlns:a16="http://schemas.microsoft.com/office/drawing/2014/main" val="85338784"/>
-                    </a:ext>
-                  </a:extLst>
-                </a:gridCol>
-                <a:gridCol w="3703486">
-                  <a:extLst>
-                    <a:ext uri="{9D8B030D-6E8A-4147-A177-3AD203B41FA5}">
-                      <a16:colId xmlns:a16="http://schemas.microsoft.com/office/drawing/2014/main" val="2228539443"/>
-                    </a:ext>
-                  </a:extLst>
-                </a:gridCol>
-              </a:tblGrid>
-              <a:tr h="471941">
-                <a:tc>
-                  <a:txBody>
-                    <a:bodyPr/>
-                    <a:lstStyle/>
-                    <a:p>
-                      <a:pPr fontAlgn="t"/>
-                      <a:endParaRPr lang="it-IT" sz="1800">
-                        <a:effectLst/>
-                        <a:latin typeface="Rubik Medium" pitchFamily="2" charset="-79"/>
-                        <a:cs typeface="Rubik Medium" pitchFamily="2" charset="-79"/>
-                      </a:endParaRPr>
-                    </a:p>
-                    <a:p>
-                      <a:pPr algn="l" rtl="0" fontAlgn="base"/>
-                      <a:r>
-                        <a:rPr lang="it-IT" sz="1200" b="1" i="0">
-                          <a:effectLst/>
-                          <a:latin typeface="Rubik Medium" pitchFamily="2" charset="-79"/>
-                          <a:cs typeface="Rubik Medium" pitchFamily="2" charset="-79"/>
-                        </a:rPr>
-                        <a:t>Planning</a:t>
-                      </a:r>
-                      <a:r>
-                        <a:rPr lang="it-IT" sz="1000" b="0" i="0">
-                          <a:effectLst/>
-                          <a:latin typeface="Rubik Medium" pitchFamily="2" charset="-79"/>
-                          <a:cs typeface="Rubik Medium" pitchFamily="2" charset="-79"/>
-                        </a:rPr>
-                        <a:t> </a:t>
-                      </a:r>
-                      <a:endParaRPr lang="it-IT" sz="1800" b="0" i="0">
-                        <a:effectLst/>
-                        <a:latin typeface="Rubik Medium" pitchFamily="2" charset="-79"/>
-                        <a:cs typeface="Rubik Medium" pitchFamily="2" charset="-79"/>
-                      </a:endParaRPr>
-                    </a:p>
-                  </a:txBody>
-                  <a:tcPr marL="31204" marR="31204" marT="15602" marB="15602">
-                    <a:lnL w="7620" cap="flat" cmpd="sng" algn="ctr">
-                      <a:solidFill>
-                        <a:schemeClr val="bg1"/>
-                      </a:solidFill>
-                      <a:prstDash val="solid"/>
-                      <a:round/>
-                      <a:headEnd type="none" w="med" len="med"/>
-                      <a:tailEnd type="none" w="med" len="med"/>
-                    </a:lnL>
-                    <a:lnR w="7620" cap="flat" cmpd="sng" algn="ctr">
-                      <a:noFill/>
-                      <a:prstDash val="solid"/>
-                      <a:round/>
-                      <a:headEnd type="none" w="med" len="med"/>
-                      <a:tailEnd type="none" w="med" len="med"/>
-                    </a:lnR>
-                    <a:lnT w="7620" cap="flat" cmpd="sng" algn="ctr">
-                      <a:solidFill>
-                        <a:schemeClr val="bg1"/>
-                      </a:solidFill>
-                      <a:prstDash val="solid"/>
-                      <a:round/>
-                      <a:headEnd type="none" w="med" len="med"/>
-                      <a:tailEnd type="none" w="med" len="med"/>
-                    </a:lnT>
-                    <a:lnB w="7620" cap="flat" cmpd="sng" algn="ctr">
-                      <a:solidFill>
-                        <a:schemeClr val="bg1"/>
-                      </a:solidFill>
-                      <a:prstDash val="solid"/>
-                      <a:round/>
-                      <a:headEnd type="none" w="med" len="med"/>
-                      <a:tailEnd type="none" w="med" len="med"/>
-                    </a:lnB>
-                    <a:noFill/>
-                  </a:tcPr>
-                </a:tc>
-                <a:tc>
-                  <a:txBody>
-                    <a:bodyPr/>
-                    <a:lstStyle/>
-                    <a:p>
-                      <a:pPr algn="ctr" fontAlgn="t"/>
-                      <a:endParaRPr lang="it-IT" sz="1800">
-                        <a:effectLst/>
-                        <a:latin typeface="Rubik Medium" pitchFamily="2" charset="-79"/>
-                        <a:cs typeface="Rubik Medium" pitchFamily="2" charset="-79"/>
-                      </a:endParaRPr>
-                    </a:p>
-                    <a:p>
-                      <a:pPr algn="r" rtl="0" fontAlgn="base"/>
-                      <a:r>
-                        <a:rPr lang="it-IT" sz="1200" b="1" i="0">
-                          <a:effectLst/>
-                          <a:latin typeface="Rubik Medium" pitchFamily="2" charset="-79"/>
-                          <a:cs typeface="Rubik Medium" pitchFamily="2" charset="-79"/>
-                        </a:rPr>
-                        <a:t>12.000$</a:t>
-                      </a:r>
-                      <a:r>
-                        <a:rPr lang="it-IT" sz="1000" b="0" i="0">
-                          <a:effectLst/>
-                          <a:latin typeface="Rubik Medium" pitchFamily="2" charset="-79"/>
-                          <a:cs typeface="Rubik Medium" pitchFamily="2" charset="-79"/>
-                        </a:rPr>
-                        <a:t> </a:t>
-                      </a:r>
-                      <a:endParaRPr lang="it-IT" sz="1800" b="0" i="0">
-                        <a:effectLst/>
-                        <a:latin typeface="Rubik Medium" pitchFamily="2" charset="-79"/>
-                        <a:cs typeface="Rubik Medium" pitchFamily="2" charset="-79"/>
-                      </a:endParaRPr>
-                    </a:p>
-                  </a:txBody>
-                  <a:tcPr marL="31204" marR="31204" marT="15602" marB="15602">
-                    <a:lnL w="7620" cap="flat" cmpd="sng" algn="ctr">
-                      <a:noFill/>
-                      <a:prstDash val="solid"/>
-                      <a:round/>
-                      <a:headEnd type="none" w="med" len="med"/>
-                      <a:tailEnd type="none" w="med" len="med"/>
-                    </a:lnL>
-                    <a:lnR w="7620" cap="flat" cmpd="sng" algn="ctr">
-                      <a:noFill/>
-                      <a:prstDash val="solid"/>
-                      <a:round/>
-                      <a:headEnd type="none" w="med" len="med"/>
-                      <a:tailEnd type="none" w="med" len="med"/>
-                    </a:lnR>
-                    <a:lnT w="7620" cap="flat" cmpd="sng" algn="ctr">
-                      <a:noFill/>
-                      <a:prstDash val="solid"/>
-                      <a:round/>
-                      <a:headEnd type="none" w="med" len="med"/>
-                      <a:tailEnd type="none" w="med" len="med"/>
-                    </a:lnT>
-                    <a:lnB w="7620" cap="flat" cmpd="sng" algn="ctr">
-                      <a:noFill/>
-                      <a:prstDash val="solid"/>
-                      <a:round/>
-                      <a:headEnd type="none" w="med" len="med"/>
-                      <a:tailEnd type="none" w="med" len="med"/>
-                    </a:lnB>
-                    <a:lnTlToBr w="12700" cmpd="sng">
-                      <a:noFill/>
-                      <a:prstDash val="solid"/>
-                    </a:lnTlToBr>
-                    <a:lnBlToTr w="12700" cmpd="sng">
-                      <a:noFill/>
-                      <a:prstDash val="solid"/>
-                    </a:lnBlToTr>
-                    <a:noFill/>
-                  </a:tcPr>
-                </a:tc>
-                <a:extLst>
-                  <a:ext uri="{0D108BD9-81ED-4DB2-BD59-A6C34878D82A}">
-                    <a16:rowId xmlns:a16="http://schemas.microsoft.com/office/drawing/2014/main" val="2678967198"/>
-                  </a:ext>
-                </a:extLst>
-              </a:tr>
-              <a:tr h="471941">
-                <a:tc>
-                  <a:txBody>
-                    <a:bodyPr/>
-                    <a:lstStyle/>
-                    <a:p>
-                      <a:pPr fontAlgn="t"/>
-                      <a:endParaRPr lang="it-IT" sz="1800">
-                        <a:effectLst/>
-                        <a:latin typeface="Rubik Medium" pitchFamily="2" charset="-79"/>
-                        <a:cs typeface="Rubik Medium" pitchFamily="2" charset="-79"/>
-                      </a:endParaRPr>
-                    </a:p>
-                    <a:p>
-                      <a:pPr algn="l" rtl="0" fontAlgn="base"/>
-                      <a:r>
-                        <a:rPr lang="it-IT" sz="1200" b="1" i="0">
-                          <a:effectLst/>
-                          <a:latin typeface="Rubik Medium" pitchFamily="2" charset="-79"/>
-                          <a:cs typeface="Rubik Medium" pitchFamily="2" charset="-79"/>
-                        </a:rPr>
-                        <a:t>Implementation</a:t>
-                      </a:r>
-                      <a:r>
-                        <a:rPr lang="it-IT" sz="1000" b="0" i="0">
-                          <a:effectLst/>
-                          <a:latin typeface="Rubik Medium" pitchFamily="2" charset="-79"/>
-                          <a:cs typeface="Rubik Medium" pitchFamily="2" charset="-79"/>
-                        </a:rPr>
-                        <a:t> </a:t>
-                      </a:r>
-                      <a:endParaRPr lang="it-IT" sz="1800" b="0" i="0">
-                        <a:effectLst/>
-                        <a:latin typeface="Rubik Medium" pitchFamily="2" charset="-79"/>
-                        <a:cs typeface="Rubik Medium" pitchFamily="2" charset="-79"/>
-                      </a:endParaRPr>
-                    </a:p>
-                  </a:txBody>
-                  <a:tcPr marL="31204" marR="31204" marT="15602" marB="15602">
-                    <a:lnL w="7620" cap="flat" cmpd="sng" algn="ctr">
-                      <a:solidFill>
-                        <a:schemeClr val="bg1"/>
-                      </a:solidFill>
-                      <a:prstDash val="solid"/>
-                      <a:round/>
-                      <a:headEnd type="none" w="med" len="med"/>
-                      <a:tailEnd type="none" w="med" len="med"/>
-                    </a:lnL>
-                    <a:lnR w="7620" cap="flat" cmpd="sng" algn="ctr">
-                      <a:solidFill>
-                        <a:schemeClr val="bg1"/>
-                      </a:solidFill>
-                      <a:prstDash val="solid"/>
-                      <a:round/>
-                      <a:headEnd type="none" w="med" len="med"/>
-                      <a:tailEnd type="none" w="med" len="med"/>
-                    </a:lnR>
-                    <a:lnT w="7620" cap="flat" cmpd="sng" algn="ctr">
-                      <a:solidFill>
-                        <a:schemeClr val="bg1"/>
-                      </a:solidFill>
-                      <a:prstDash val="solid"/>
-                      <a:round/>
-                      <a:headEnd type="none" w="med" len="med"/>
-                      <a:tailEnd type="none" w="med" len="med"/>
-                    </a:lnT>
-                    <a:lnB w="7620" cap="flat" cmpd="sng" algn="ctr">
-                      <a:solidFill>
-                        <a:schemeClr val="bg1"/>
-                      </a:solidFill>
-                      <a:prstDash val="solid"/>
-                      <a:round/>
-                      <a:headEnd type="none" w="med" len="med"/>
-                      <a:tailEnd type="none" w="med" len="med"/>
-                    </a:lnB>
-                    <a:noFill/>
-                  </a:tcPr>
-                </a:tc>
-                <a:tc>
-                  <a:txBody>
-                    <a:bodyPr/>
-                    <a:lstStyle/>
-                    <a:p>
-                      <a:pPr fontAlgn="t"/>
-                      <a:endParaRPr lang="it-IT" sz="1800">
-                        <a:effectLst/>
-                        <a:latin typeface="Rubik Medium" pitchFamily="2" charset="-79"/>
-                        <a:cs typeface="Rubik Medium" pitchFamily="2" charset="-79"/>
-                      </a:endParaRPr>
-                    </a:p>
-                    <a:p>
-                      <a:pPr algn="r" rtl="0" fontAlgn="base"/>
-                      <a:r>
-                        <a:rPr lang="it-IT" sz="1000" b="0" i="0">
-                          <a:effectLst/>
-                          <a:latin typeface="Rubik Medium" pitchFamily="2" charset="-79"/>
-                          <a:cs typeface="Rubik Medium" pitchFamily="2" charset="-79"/>
-                        </a:rPr>
-                        <a:t> </a:t>
-                      </a:r>
-                      <a:endParaRPr lang="it-IT" sz="1800" b="0" i="0">
-                        <a:effectLst/>
-                        <a:latin typeface="Rubik Medium" pitchFamily="2" charset="-79"/>
-                        <a:cs typeface="Rubik Medium" pitchFamily="2" charset="-79"/>
-                      </a:endParaRPr>
-                    </a:p>
-                  </a:txBody>
-                  <a:tcPr marL="31204" marR="31204" marT="15602" marB="15602">
-                    <a:lnL w="7620" cap="flat" cmpd="sng" algn="ctr">
-                      <a:solidFill>
-                        <a:schemeClr val="bg1"/>
-                      </a:solidFill>
-                      <a:prstDash val="solid"/>
-                      <a:round/>
-                      <a:headEnd type="none" w="med" len="med"/>
-                      <a:tailEnd type="none" w="med" len="med"/>
-                    </a:lnL>
-                    <a:lnR w="7620" cap="flat" cmpd="sng" algn="ctr">
-                      <a:solidFill>
-                        <a:schemeClr val="bg1"/>
-                      </a:solidFill>
-                      <a:prstDash val="solid"/>
-                      <a:round/>
-                      <a:headEnd type="none" w="med" len="med"/>
-                      <a:tailEnd type="none" w="med" len="med"/>
-                    </a:lnR>
-                    <a:lnT w="7620" cap="flat" cmpd="sng" algn="ctr">
-                      <a:noFill/>
-                      <a:prstDash val="solid"/>
-                      <a:round/>
-                      <a:headEnd type="none" w="med" len="med"/>
-                      <a:tailEnd type="none" w="med" len="med"/>
-                    </a:lnT>
-                    <a:lnB w="7620" cap="flat" cmpd="sng" algn="ctr">
-                      <a:noFill/>
-                      <a:prstDash val="solid"/>
-                      <a:round/>
-                      <a:headEnd type="none" w="med" len="med"/>
-                      <a:tailEnd type="none" w="med" len="med"/>
-                    </a:lnB>
-                    <a:noFill/>
-                  </a:tcPr>
-                </a:tc>
-                <a:extLst>
-                  <a:ext uri="{0D108BD9-81ED-4DB2-BD59-A6C34878D82A}">
-                    <a16:rowId xmlns:a16="http://schemas.microsoft.com/office/drawing/2014/main" val="3488534891"/>
-                  </a:ext>
-                </a:extLst>
-              </a:tr>
-              <a:tr h="471941">
-                <a:tc>
-                  <a:txBody>
-                    <a:bodyPr/>
-                    <a:lstStyle/>
-                    <a:p>
-                      <a:pPr fontAlgn="t"/>
-                      <a:endParaRPr lang="it-IT" sz="1800">
-                        <a:effectLst/>
-                        <a:latin typeface="Rubik Medium" pitchFamily="2" charset="-79"/>
-                        <a:cs typeface="Rubik Medium" pitchFamily="2" charset="-79"/>
-                      </a:endParaRPr>
-                    </a:p>
-                    <a:p>
-                      <a:pPr algn="l" rtl="0" fontAlgn="base">
-                        <a:buFont typeface="Arial" panose="020B0604020202020204" pitchFamily="34" charset="0"/>
-                        <a:buChar char="•"/>
-                      </a:pPr>
-                      <a:r>
-                        <a:rPr lang="it-IT" sz="1200" b="1" i="0">
-                          <a:effectLst/>
-                          <a:latin typeface="Rubik Medium" pitchFamily="2" charset="-79"/>
-                          <a:cs typeface="Rubik Medium" pitchFamily="2" charset="-79"/>
-                        </a:rPr>
-                        <a:t>AWS</a:t>
-                      </a:r>
-                      <a:r>
-                        <a:rPr lang="it-IT" sz="1000" b="0" i="0">
-                          <a:effectLst/>
-                          <a:latin typeface="Rubik Medium" pitchFamily="2" charset="-79"/>
-                          <a:cs typeface="Rubik Medium" pitchFamily="2" charset="-79"/>
-                        </a:rPr>
-                        <a:t> </a:t>
-                      </a:r>
-                    </a:p>
-                  </a:txBody>
-                  <a:tcPr marL="31204" marR="31204" marT="15602" marB="15602">
-                    <a:lnL w="7620" cap="flat" cmpd="sng" algn="ctr">
-                      <a:solidFill>
-                        <a:schemeClr val="bg1"/>
-                      </a:solidFill>
-                      <a:prstDash val="solid"/>
-                      <a:round/>
-                      <a:headEnd type="none" w="med" len="med"/>
-                      <a:tailEnd type="none" w="med" len="med"/>
-                    </a:lnL>
-                    <a:lnR w="7620" cap="flat" cmpd="sng" algn="ctr">
-                      <a:noFill/>
-                      <a:prstDash val="solid"/>
-                      <a:round/>
-                      <a:headEnd type="none" w="med" len="med"/>
-                      <a:tailEnd type="none" w="med" len="med"/>
-                    </a:lnR>
-                    <a:lnT w="7620" cap="flat" cmpd="sng" algn="ctr">
-                      <a:solidFill>
-                        <a:schemeClr val="bg1"/>
-                      </a:solidFill>
-                      <a:prstDash val="solid"/>
-                      <a:round/>
-                      <a:headEnd type="none" w="med" len="med"/>
-                      <a:tailEnd type="none" w="med" len="med"/>
-                    </a:lnT>
-                    <a:lnB w="7620" cap="flat" cmpd="sng" algn="ctr">
-                      <a:solidFill>
-                        <a:schemeClr val="bg1"/>
-                      </a:solidFill>
-                      <a:prstDash val="solid"/>
-                      <a:round/>
-                      <a:headEnd type="none" w="med" len="med"/>
-                      <a:tailEnd type="none" w="med" len="med"/>
-                    </a:lnB>
-                    <a:noFill/>
-                  </a:tcPr>
-                </a:tc>
-                <a:tc>
-                  <a:txBody>
-                    <a:bodyPr/>
-                    <a:lstStyle/>
-                    <a:p>
-                      <a:pPr fontAlgn="t"/>
-                      <a:endParaRPr lang="it-IT" sz="1800">
-                        <a:effectLst/>
-                        <a:latin typeface="Rubik Medium" pitchFamily="2" charset="-79"/>
-                        <a:cs typeface="Rubik Medium" pitchFamily="2" charset="-79"/>
-                      </a:endParaRPr>
-                    </a:p>
-                    <a:p>
-                      <a:pPr algn="r" rtl="0" fontAlgn="base"/>
-                      <a:r>
-                        <a:rPr lang="it-IT" sz="1200" b="1" i="0">
-                          <a:effectLst/>
-                          <a:latin typeface="Rubik Medium" pitchFamily="2" charset="-79"/>
-                          <a:cs typeface="Rubik Medium" pitchFamily="2" charset="-79"/>
-                        </a:rPr>
-                        <a:t>0.298$/hour</a:t>
-                      </a:r>
-                      <a:r>
-                        <a:rPr lang="it-IT" sz="1200" b="0" i="0">
-                          <a:effectLst/>
-                          <a:latin typeface="Rubik Medium" pitchFamily="2" charset="-79"/>
-                          <a:cs typeface="Rubik Medium" pitchFamily="2" charset="-79"/>
-                        </a:rPr>
-                        <a:t> </a:t>
-                      </a:r>
-                      <a:endParaRPr lang="it-IT" sz="2800" b="0" i="0">
-                        <a:effectLst/>
-                        <a:latin typeface="Rubik Medium" pitchFamily="2" charset="-79"/>
-                        <a:cs typeface="Rubik Medium" pitchFamily="2" charset="-79"/>
-                      </a:endParaRPr>
-                    </a:p>
-                  </a:txBody>
-                  <a:tcPr marL="31204" marR="31204" marT="15602" marB="15602">
-                    <a:lnL w="7620" cap="flat" cmpd="sng" algn="ctr">
-                      <a:noFill/>
-                      <a:prstDash val="solid"/>
-                      <a:round/>
-                      <a:headEnd type="none" w="med" len="med"/>
-                      <a:tailEnd type="none" w="med" len="med"/>
-                    </a:lnL>
-                    <a:lnR w="7620" cap="flat" cmpd="sng" algn="ctr">
-                      <a:noFill/>
-                      <a:prstDash val="solid"/>
-                      <a:round/>
-                      <a:headEnd type="none" w="med" len="med"/>
-                      <a:tailEnd type="none" w="med" len="med"/>
-                    </a:lnR>
-                    <a:lnT w="7620" cap="flat" cmpd="sng" algn="ctr">
-                      <a:noFill/>
-                      <a:prstDash val="solid"/>
-                      <a:round/>
-                      <a:headEnd type="none" w="med" len="med"/>
-                      <a:tailEnd type="none" w="med" len="med"/>
-                    </a:lnT>
-                    <a:lnB w="7620" cap="flat" cmpd="sng" algn="ctr">
-                      <a:noFill/>
-                      <a:prstDash val="solid"/>
-                      <a:round/>
-                      <a:headEnd type="none" w="med" len="med"/>
-                      <a:tailEnd type="none" w="med" len="med"/>
-                    </a:lnB>
-                    <a:lnTlToBr w="12700" cmpd="sng">
-                      <a:noFill/>
-                      <a:prstDash val="solid"/>
-                    </a:lnTlToBr>
-                    <a:lnBlToTr w="12700" cmpd="sng">
-                      <a:noFill/>
-                      <a:prstDash val="solid"/>
-                    </a:lnBlToTr>
-                    <a:noFill/>
-                  </a:tcPr>
-                </a:tc>
-                <a:extLst>
-                  <a:ext uri="{0D108BD9-81ED-4DB2-BD59-A6C34878D82A}">
-                    <a16:rowId xmlns:a16="http://schemas.microsoft.com/office/drawing/2014/main" val="4030467723"/>
-                  </a:ext>
-                </a:extLst>
-              </a:tr>
-              <a:tr h="471941">
-                <a:tc>
-                  <a:txBody>
-                    <a:bodyPr/>
-                    <a:lstStyle/>
-                    <a:p>
-                      <a:pPr fontAlgn="t"/>
-                      <a:endParaRPr lang="it-IT" sz="1800">
-                        <a:effectLst/>
-                        <a:latin typeface="Rubik Medium" pitchFamily="2" charset="-79"/>
-                        <a:cs typeface="Rubik Medium" pitchFamily="2" charset="-79"/>
-                      </a:endParaRPr>
-                    </a:p>
-                    <a:p>
-                      <a:pPr algn="l" rtl="0" fontAlgn="base">
-                        <a:buFont typeface="Arial" panose="020B0604020202020204" pitchFamily="34" charset="0"/>
-                        <a:buChar char="•"/>
-                      </a:pPr>
-                      <a:r>
-                        <a:rPr lang="it-IT" sz="1200" b="1" i="0">
-                          <a:effectLst/>
-                          <a:latin typeface="Rubik Medium" pitchFamily="2" charset="-79"/>
-                          <a:cs typeface="Rubik Medium" pitchFamily="2" charset="-79"/>
-                        </a:rPr>
-                        <a:t>mySQL</a:t>
-                      </a:r>
-                      <a:r>
-                        <a:rPr lang="it-IT" sz="1000" b="0" i="0">
-                          <a:effectLst/>
-                          <a:latin typeface="Rubik Medium" pitchFamily="2" charset="-79"/>
-                          <a:cs typeface="Rubik Medium" pitchFamily="2" charset="-79"/>
-                        </a:rPr>
-                        <a:t> </a:t>
-                      </a:r>
-                    </a:p>
-                  </a:txBody>
-                  <a:tcPr marL="31204" marR="31204" marT="15602" marB="15602">
-                    <a:lnL w="7620" cap="flat" cmpd="sng" algn="ctr">
-                      <a:solidFill>
-                        <a:schemeClr val="bg1"/>
-                      </a:solidFill>
-                      <a:prstDash val="solid"/>
-                      <a:round/>
-                      <a:headEnd type="none" w="med" len="med"/>
-                      <a:tailEnd type="none" w="med" len="med"/>
-                    </a:lnL>
-                    <a:lnR w="7620" cap="flat" cmpd="sng" algn="ctr">
-                      <a:solidFill>
-                        <a:schemeClr val="bg1"/>
-                      </a:solidFill>
-                      <a:prstDash val="solid"/>
-                      <a:round/>
-                      <a:headEnd type="none" w="med" len="med"/>
-                      <a:tailEnd type="none" w="med" len="med"/>
-                    </a:lnR>
-                    <a:lnT w="7620" cap="flat" cmpd="sng" algn="ctr">
-                      <a:solidFill>
-                        <a:schemeClr val="bg1"/>
-                      </a:solidFill>
-                      <a:prstDash val="solid"/>
-                      <a:round/>
-                      <a:headEnd type="none" w="med" len="med"/>
-                      <a:tailEnd type="none" w="med" len="med"/>
-                    </a:lnT>
-                    <a:lnB w="7620" cap="flat" cmpd="sng" algn="ctr">
-                      <a:solidFill>
-                        <a:schemeClr val="bg1"/>
-                      </a:solidFill>
-                      <a:prstDash val="solid"/>
-                      <a:round/>
-                      <a:headEnd type="none" w="med" len="med"/>
-                      <a:tailEnd type="none" w="med" len="med"/>
-                    </a:lnB>
-                    <a:noFill/>
-                  </a:tcPr>
-                </a:tc>
-                <a:tc>
-                  <a:txBody>
-                    <a:bodyPr/>
-                    <a:lstStyle/>
-                    <a:p>
-                      <a:pPr fontAlgn="t"/>
-                      <a:endParaRPr lang="it-IT" sz="1800">
-                        <a:effectLst/>
-                        <a:latin typeface="Rubik Medium" pitchFamily="2" charset="-79"/>
-                        <a:cs typeface="Rubik Medium" pitchFamily="2" charset="-79"/>
-                      </a:endParaRPr>
-                    </a:p>
-                    <a:p>
-                      <a:pPr algn="r" rtl="0" fontAlgn="base"/>
-                      <a:r>
-                        <a:rPr lang="it-IT" sz="1200" b="1" i="0">
-                          <a:effectLst/>
-                          <a:latin typeface="Rubik Medium" pitchFamily="2" charset="-79"/>
-                          <a:cs typeface="Rubik Medium" pitchFamily="2" charset="-79"/>
-                        </a:rPr>
-                        <a:t>5,000$/year</a:t>
-                      </a:r>
-                      <a:r>
-                        <a:rPr lang="it-IT" sz="1200" b="0" i="0">
-                          <a:effectLst/>
-                          <a:latin typeface="Rubik Medium" pitchFamily="2" charset="-79"/>
-                          <a:cs typeface="Rubik Medium" pitchFamily="2" charset="-79"/>
-                        </a:rPr>
-                        <a:t> </a:t>
-                      </a:r>
-                      <a:endParaRPr lang="it-IT" sz="2800" b="0" i="0">
-                        <a:effectLst/>
-                        <a:latin typeface="Rubik Medium" pitchFamily="2" charset="-79"/>
-                        <a:cs typeface="Rubik Medium" pitchFamily="2" charset="-79"/>
-                      </a:endParaRPr>
-                    </a:p>
-                  </a:txBody>
-                  <a:tcPr marL="31204" marR="31204" marT="15602" marB="15602">
-                    <a:lnL w="7620" cap="flat" cmpd="sng" algn="ctr">
-                      <a:solidFill>
-                        <a:schemeClr val="bg1"/>
-                      </a:solidFill>
-                      <a:prstDash val="solid"/>
-                      <a:round/>
-                      <a:headEnd type="none" w="med" len="med"/>
-                      <a:tailEnd type="none" w="med" len="med"/>
-                    </a:lnL>
-                    <a:lnR w="7620" cap="flat" cmpd="sng" algn="ctr">
-                      <a:solidFill>
-                        <a:schemeClr val="bg1"/>
-                      </a:solidFill>
-                      <a:prstDash val="solid"/>
-                      <a:round/>
-                      <a:headEnd type="none" w="med" len="med"/>
-                      <a:tailEnd type="none" w="med" len="med"/>
-                    </a:lnR>
-                    <a:lnT w="7620" cap="flat" cmpd="sng" algn="ctr">
-                      <a:noFill/>
-                      <a:prstDash val="solid"/>
-                      <a:round/>
-                      <a:headEnd type="none" w="med" len="med"/>
-                      <a:tailEnd type="none" w="med" len="med"/>
-                    </a:lnT>
-                    <a:lnB w="7620" cap="flat" cmpd="sng" algn="ctr">
-                      <a:solidFill>
-                        <a:schemeClr val="bg1"/>
-                      </a:solidFill>
-                      <a:prstDash val="solid"/>
-                      <a:round/>
-                      <a:headEnd type="none" w="med" len="med"/>
-                      <a:tailEnd type="none" w="med" len="med"/>
-                    </a:lnB>
-                    <a:noFill/>
-                  </a:tcPr>
-                </a:tc>
-                <a:extLst>
-                  <a:ext uri="{0D108BD9-81ED-4DB2-BD59-A6C34878D82A}">
-                    <a16:rowId xmlns:a16="http://schemas.microsoft.com/office/drawing/2014/main" val="921572664"/>
-                  </a:ext>
-                </a:extLst>
-              </a:tr>
-              <a:tr h="471941">
-                <a:tc>
-                  <a:txBody>
-                    <a:bodyPr/>
-                    <a:lstStyle/>
-                    <a:p>
-                      <a:pPr fontAlgn="t"/>
-                      <a:endParaRPr lang="it-IT" sz="1800">
-                        <a:effectLst/>
-                        <a:latin typeface="Rubik Medium" pitchFamily="2" charset="-79"/>
-                        <a:cs typeface="Rubik Medium" pitchFamily="2" charset="-79"/>
-                      </a:endParaRPr>
-                    </a:p>
-                    <a:p>
-                      <a:pPr algn="l" rtl="0" fontAlgn="base">
-                        <a:buFont typeface="Arial" panose="020B0604020202020204" pitchFamily="34" charset="0"/>
-                        <a:buChar char="•"/>
-                      </a:pPr>
-                      <a:r>
-                        <a:rPr lang="it-IT" sz="1200" b="1" i="0">
-                          <a:effectLst/>
-                          <a:latin typeface="Rubik Medium" pitchFamily="2" charset="-79"/>
-                          <a:cs typeface="Rubik Medium" pitchFamily="2" charset="-79"/>
-                        </a:rPr>
-                        <a:t>Talend</a:t>
-                      </a:r>
-                      <a:r>
-                        <a:rPr lang="it-IT" sz="1000" b="0" i="0">
-                          <a:effectLst/>
-                          <a:latin typeface="Rubik Medium" pitchFamily="2" charset="-79"/>
-                          <a:cs typeface="Rubik Medium" pitchFamily="2" charset="-79"/>
-                        </a:rPr>
-                        <a:t> </a:t>
-                      </a:r>
-                    </a:p>
-                  </a:txBody>
-                  <a:tcPr marL="31204" marR="31204" marT="15602" marB="15602">
-                    <a:lnL w="7620" cap="flat" cmpd="sng" algn="ctr">
-                      <a:solidFill>
-                        <a:schemeClr val="bg1"/>
-                      </a:solidFill>
-                      <a:prstDash val="solid"/>
-                      <a:round/>
-                      <a:headEnd type="none" w="med" len="med"/>
-                      <a:tailEnd type="none" w="med" len="med"/>
-                    </a:lnL>
-                    <a:lnR w="7620" cap="flat" cmpd="sng" algn="ctr">
-                      <a:solidFill>
-                        <a:schemeClr val="bg1"/>
-                      </a:solidFill>
-                      <a:prstDash val="solid"/>
-                      <a:round/>
-                      <a:headEnd type="none" w="med" len="med"/>
-                      <a:tailEnd type="none" w="med" len="med"/>
-                    </a:lnR>
-                    <a:lnT w="7620" cap="flat" cmpd="sng" algn="ctr">
-                      <a:solidFill>
-                        <a:schemeClr val="bg1"/>
-                      </a:solidFill>
-                      <a:prstDash val="solid"/>
-                      <a:round/>
-                      <a:headEnd type="none" w="med" len="med"/>
-                      <a:tailEnd type="none" w="med" len="med"/>
-                    </a:lnT>
-                    <a:lnB w="7620" cap="flat" cmpd="sng" algn="ctr">
-                      <a:solidFill>
-                        <a:schemeClr val="bg1"/>
-                      </a:solidFill>
-                      <a:prstDash val="solid"/>
-                      <a:round/>
-                      <a:headEnd type="none" w="med" len="med"/>
-                      <a:tailEnd type="none" w="med" len="med"/>
-                    </a:lnB>
-                    <a:noFill/>
-                  </a:tcPr>
-                </a:tc>
-                <a:tc>
-                  <a:txBody>
-                    <a:bodyPr/>
-                    <a:lstStyle/>
-                    <a:p>
-                      <a:pPr fontAlgn="t"/>
-                      <a:endParaRPr lang="it-IT" sz="1800">
-                        <a:effectLst/>
-                        <a:latin typeface="Rubik Medium" pitchFamily="2" charset="-79"/>
-                        <a:cs typeface="Rubik Medium" pitchFamily="2" charset="-79"/>
-                      </a:endParaRPr>
-                    </a:p>
-                    <a:p>
-                      <a:pPr algn="r" rtl="0" fontAlgn="base"/>
-                      <a:r>
-                        <a:rPr lang="it-IT" sz="1200" b="1" i="0">
-                          <a:effectLst/>
-                          <a:latin typeface="Rubik Medium" pitchFamily="2" charset="-79"/>
-                          <a:cs typeface="Rubik Medium" pitchFamily="2" charset="-79"/>
-                        </a:rPr>
-                        <a:t>1,170$/month</a:t>
-                      </a:r>
-                      <a:r>
-                        <a:rPr lang="it-IT" sz="1200" b="0" i="0">
-                          <a:effectLst/>
-                          <a:latin typeface="Rubik Medium" pitchFamily="2" charset="-79"/>
-                          <a:cs typeface="Rubik Medium" pitchFamily="2" charset="-79"/>
-                        </a:rPr>
-                        <a:t> </a:t>
-                      </a:r>
-                      <a:endParaRPr lang="it-IT" sz="2800" b="0" i="0">
-                        <a:effectLst/>
-                        <a:latin typeface="Rubik Medium" pitchFamily="2" charset="-79"/>
-                        <a:cs typeface="Rubik Medium" pitchFamily="2" charset="-79"/>
-                      </a:endParaRPr>
-                    </a:p>
-                  </a:txBody>
-                  <a:tcPr marL="31204" marR="31204" marT="15602" marB="15602">
-                    <a:lnL w="7620" cap="flat" cmpd="sng" algn="ctr">
-                      <a:solidFill>
-                        <a:schemeClr val="bg1"/>
-                      </a:solidFill>
-                      <a:prstDash val="solid"/>
-                      <a:round/>
-                      <a:headEnd type="none" w="med" len="med"/>
-                      <a:tailEnd type="none" w="med" len="med"/>
-                    </a:lnL>
-                    <a:lnR w="7620" cap="flat" cmpd="sng" algn="ctr">
-                      <a:solidFill>
-                        <a:schemeClr val="bg1"/>
-                      </a:solidFill>
-                      <a:prstDash val="solid"/>
-                      <a:round/>
-                      <a:headEnd type="none" w="med" len="med"/>
-                      <a:tailEnd type="none" w="med" len="med"/>
-                    </a:lnR>
-                    <a:lnT w="7620" cap="flat" cmpd="sng" algn="ctr">
-                      <a:solidFill>
-                        <a:schemeClr val="bg1"/>
-                      </a:solidFill>
-                      <a:prstDash val="solid"/>
-                      <a:round/>
-                      <a:headEnd type="none" w="med" len="med"/>
-                      <a:tailEnd type="none" w="med" len="med"/>
-                    </a:lnT>
-                    <a:lnB w="7620" cap="flat" cmpd="sng" algn="ctr">
-                      <a:solidFill>
-                        <a:schemeClr val="bg1"/>
-                      </a:solidFill>
-                      <a:prstDash val="solid"/>
-                      <a:round/>
-                      <a:headEnd type="none" w="med" len="med"/>
-                      <a:tailEnd type="none" w="med" len="med"/>
-                    </a:lnB>
-                    <a:noFill/>
-                  </a:tcPr>
-                </a:tc>
-                <a:extLst>
-                  <a:ext uri="{0D108BD9-81ED-4DB2-BD59-A6C34878D82A}">
-                    <a16:rowId xmlns:a16="http://schemas.microsoft.com/office/drawing/2014/main" val="4133430292"/>
-                  </a:ext>
-                </a:extLst>
-              </a:tr>
-              <a:tr h="471941">
-                <a:tc>
-                  <a:txBody>
-                    <a:bodyPr/>
-                    <a:lstStyle/>
-                    <a:p>
-                      <a:pPr fontAlgn="t"/>
-                      <a:endParaRPr lang="it-IT" sz="1800">
-                        <a:effectLst/>
-                        <a:latin typeface="Rubik Medium" pitchFamily="2" charset="-79"/>
-                        <a:cs typeface="Rubik Medium" pitchFamily="2" charset="-79"/>
-                      </a:endParaRPr>
-                    </a:p>
-                    <a:p>
-                      <a:pPr algn="l" rtl="0" fontAlgn="base">
-                        <a:buFont typeface="Arial" panose="020B0604020202020204" pitchFamily="34" charset="0"/>
-                        <a:buChar char="•"/>
-                      </a:pPr>
-                      <a:r>
-                        <a:rPr lang="it-IT" sz="1200" b="1" i="0">
-                          <a:effectLst/>
-                          <a:latin typeface="Rubik Medium" pitchFamily="2" charset="-79"/>
-                          <a:cs typeface="Rubik Medium" pitchFamily="2" charset="-79"/>
-                        </a:rPr>
-                        <a:t>PowerBI</a:t>
-                      </a:r>
-                      <a:r>
-                        <a:rPr lang="it-IT" sz="1000" b="0" i="0">
-                          <a:effectLst/>
-                          <a:latin typeface="Rubik Medium" pitchFamily="2" charset="-79"/>
-                          <a:cs typeface="Rubik Medium" pitchFamily="2" charset="-79"/>
-                        </a:rPr>
-                        <a:t> </a:t>
-                      </a:r>
-                    </a:p>
-                  </a:txBody>
-                  <a:tcPr marL="31204" marR="31204" marT="15602" marB="15602">
-                    <a:lnL w="7620" cap="flat" cmpd="sng" algn="ctr">
-                      <a:solidFill>
-                        <a:schemeClr val="bg1"/>
-                      </a:solidFill>
-                      <a:prstDash val="solid"/>
-                      <a:round/>
-                      <a:headEnd type="none" w="med" len="med"/>
-                      <a:tailEnd type="none" w="med" len="med"/>
-                    </a:lnL>
-                    <a:lnR w="7620" cap="flat" cmpd="sng" algn="ctr">
-                      <a:solidFill>
-                        <a:schemeClr val="bg1"/>
-                      </a:solidFill>
-                      <a:prstDash val="solid"/>
-                      <a:round/>
-                      <a:headEnd type="none" w="med" len="med"/>
-                      <a:tailEnd type="none" w="med" len="med"/>
-                    </a:lnR>
-                    <a:lnT w="7620" cap="flat" cmpd="sng" algn="ctr">
-                      <a:solidFill>
-                        <a:schemeClr val="bg1"/>
-                      </a:solidFill>
-                      <a:prstDash val="solid"/>
-                      <a:round/>
-                      <a:headEnd type="none" w="med" len="med"/>
-                      <a:tailEnd type="none" w="med" len="med"/>
-                    </a:lnT>
-                    <a:lnB w="7620" cap="flat" cmpd="sng" algn="ctr">
-                      <a:solidFill>
-                        <a:schemeClr val="bg1"/>
-                      </a:solidFill>
-                      <a:prstDash val="solid"/>
-                      <a:round/>
-                      <a:headEnd type="none" w="med" len="med"/>
-                      <a:tailEnd type="none" w="med" len="med"/>
-                    </a:lnB>
-                    <a:noFill/>
-                  </a:tcPr>
-                </a:tc>
-                <a:tc>
-                  <a:txBody>
-                    <a:bodyPr/>
-                    <a:lstStyle/>
-                    <a:p>
-                      <a:pPr fontAlgn="t"/>
-                      <a:endParaRPr lang="it-IT" sz="1800">
-                        <a:effectLst/>
-                        <a:latin typeface="Rubik Medium" pitchFamily="2" charset="-79"/>
-                        <a:cs typeface="Rubik Medium" pitchFamily="2" charset="-79"/>
-                      </a:endParaRPr>
-                    </a:p>
-                    <a:p>
-                      <a:pPr algn="r" rtl="0" fontAlgn="base"/>
-                      <a:r>
-                        <a:rPr lang="it-IT" sz="1200" b="1" i="0">
-                          <a:effectLst/>
-                          <a:latin typeface="Rubik Medium" pitchFamily="2" charset="-79"/>
-                          <a:cs typeface="Rubik Medium" pitchFamily="2" charset="-79"/>
-                        </a:rPr>
-                        <a:t>5,000$/month</a:t>
-                      </a:r>
-                      <a:r>
-                        <a:rPr lang="it-IT" sz="1200" b="0" i="0">
-                          <a:effectLst/>
-                          <a:latin typeface="Rubik Medium" pitchFamily="2" charset="-79"/>
-                          <a:cs typeface="Rubik Medium" pitchFamily="2" charset="-79"/>
-                        </a:rPr>
-                        <a:t> </a:t>
-                      </a:r>
-                      <a:endParaRPr lang="it-IT" sz="2800" b="0" i="0">
-                        <a:effectLst/>
-                        <a:latin typeface="Rubik Medium" pitchFamily="2" charset="-79"/>
-                        <a:cs typeface="Rubik Medium" pitchFamily="2" charset="-79"/>
-                      </a:endParaRPr>
-                    </a:p>
-                  </a:txBody>
-                  <a:tcPr marL="31204" marR="31204" marT="15602" marB="15602">
-                    <a:lnL w="7620" cap="flat" cmpd="sng" algn="ctr">
-                      <a:solidFill>
-                        <a:schemeClr val="bg1"/>
-                      </a:solidFill>
-                      <a:prstDash val="solid"/>
-                      <a:round/>
-                      <a:headEnd type="none" w="med" len="med"/>
-                      <a:tailEnd type="none" w="med" len="med"/>
-                    </a:lnL>
-                    <a:lnR w="7620" cap="flat" cmpd="sng" algn="ctr">
-                      <a:solidFill>
-                        <a:schemeClr val="bg1"/>
-                      </a:solidFill>
-                      <a:prstDash val="solid"/>
-                      <a:round/>
-                      <a:headEnd type="none" w="med" len="med"/>
-                      <a:tailEnd type="none" w="med" len="med"/>
-                    </a:lnR>
-                    <a:lnT w="7620" cap="flat" cmpd="sng" algn="ctr">
-                      <a:solidFill>
-                        <a:schemeClr val="bg1"/>
-                      </a:solidFill>
-                      <a:prstDash val="solid"/>
-                      <a:round/>
-                      <a:headEnd type="none" w="med" len="med"/>
-                      <a:tailEnd type="none" w="med" len="med"/>
-                    </a:lnT>
-                    <a:lnB w="7620" cap="flat" cmpd="sng" algn="ctr">
-                      <a:solidFill>
-                        <a:schemeClr val="bg1"/>
-                      </a:solidFill>
-                      <a:prstDash val="solid"/>
-                      <a:round/>
-                      <a:headEnd type="none" w="med" len="med"/>
-                      <a:tailEnd type="none" w="med" len="med"/>
-                    </a:lnB>
-                    <a:noFill/>
-                  </a:tcPr>
-                </a:tc>
-                <a:extLst>
-                  <a:ext uri="{0D108BD9-81ED-4DB2-BD59-A6C34878D82A}">
-                    <a16:rowId xmlns:a16="http://schemas.microsoft.com/office/drawing/2014/main" val="545964190"/>
-                  </a:ext>
-                </a:extLst>
-              </a:tr>
-              <a:tr h="471941">
-                <a:tc>
-                  <a:txBody>
-                    <a:bodyPr/>
-                    <a:lstStyle/>
-                    <a:p>
-                      <a:pPr fontAlgn="t"/>
-                      <a:endParaRPr lang="it-IT" sz="1800">
-                        <a:effectLst/>
-                        <a:latin typeface="Rubik Medium" pitchFamily="2" charset="-79"/>
-                        <a:cs typeface="Rubik Medium" pitchFamily="2" charset="-79"/>
-                      </a:endParaRPr>
-                    </a:p>
-                    <a:p>
-                      <a:pPr algn="l" rtl="0" fontAlgn="base">
-                        <a:buFont typeface="Arial" panose="020B0604020202020204" pitchFamily="34" charset="0"/>
-                        <a:buChar char="•"/>
-                      </a:pPr>
-                      <a:r>
-                        <a:rPr lang="it-IT" sz="1200" b="1" i="0">
-                          <a:effectLst/>
-                          <a:latin typeface="Rubik Medium" pitchFamily="2" charset="-79"/>
-                          <a:cs typeface="Rubik Medium" pitchFamily="2" charset="-79"/>
-                        </a:rPr>
-                        <a:t>Additional Dataset</a:t>
-                      </a:r>
-                      <a:r>
-                        <a:rPr lang="it-IT" sz="1200" b="0" i="0">
-                          <a:effectLst/>
-                          <a:latin typeface="Rubik Medium" pitchFamily="2" charset="-79"/>
-                          <a:cs typeface="Rubik Medium" pitchFamily="2" charset="-79"/>
-                        </a:rPr>
-                        <a:t> </a:t>
-                      </a:r>
-                    </a:p>
-                  </a:txBody>
-                  <a:tcPr marL="31204" marR="31204" marT="15602" marB="15602">
-                    <a:lnL w="7620" cap="flat" cmpd="sng" algn="ctr">
-                      <a:solidFill>
-                        <a:schemeClr val="bg1"/>
-                      </a:solidFill>
-                      <a:prstDash val="solid"/>
-                      <a:round/>
-                      <a:headEnd type="none" w="med" len="med"/>
-                      <a:tailEnd type="none" w="med" len="med"/>
-                    </a:lnL>
-                    <a:lnR w="7620" cap="flat" cmpd="sng" algn="ctr">
-                      <a:solidFill>
-                        <a:schemeClr val="bg1"/>
-                      </a:solidFill>
-                      <a:prstDash val="solid"/>
-                      <a:round/>
-                      <a:headEnd type="none" w="med" len="med"/>
-                      <a:tailEnd type="none" w="med" len="med"/>
-                    </a:lnR>
-                    <a:lnT w="7620" cap="flat" cmpd="sng" algn="ctr">
-                      <a:solidFill>
-                        <a:schemeClr val="bg1"/>
-                      </a:solidFill>
-                      <a:prstDash val="solid"/>
-                      <a:round/>
-                      <a:headEnd type="none" w="med" len="med"/>
-                      <a:tailEnd type="none" w="med" len="med"/>
-                    </a:lnT>
-                    <a:lnB w="7620" cap="flat" cmpd="sng" algn="ctr">
-                      <a:solidFill>
-                        <a:schemeClr val="bg1"/>
-                      </a:solidFill>
-                      <a:prstDash val="solid"/>
-                      <a:round/>
-                      <a:headEnd type="none" w="med" len="med"/>
-                      <a:tailEnd type="none" w="med" len="med"/>
-                    </a:lnB>
-                    <a:noFill/>
-                  </a:tcPr>
-                </a:tc>
-                <a:tc>
-                  <a:txBody>
-                    <a:bodyPr/>
-                    <a:lstStyle/>
-                    <a:p>
-                      <a:pPr fontAlgn="t"/>
-                      <a:endParaRPr lang="it-IT" sz="1800">
-                        <a:effectLst/>
-                        <a:latin typeface="Rubik Medium" pitchFamily="2" charset="-79"/>
-                        <a:cs typeface="Rubik Medium" pitchFamily="2" charset="-79"/>
-                      </a:endParaRPr>
-                    </a:p>
-                    <a:p>
-                      <a:pPr algn="r" rtl="0" fontAlgn="base"/>
-                      <a:r>
-                        <a:rPr lang="it-IT" sz="1200" b="1" i="0">
-                          <a:effectLst/>
-                          <a:latin typeface="Rubik Medium" pitchFamily="2" charset="-79"/>
-                          <a:cs typeface="Rubik Medium" pitchFamily="2" charset="-79"/>
-                        </a:rPr>
-                        <a:t>2,000$</a:t>
-                      </a:r>
-                      <a:r>
-                        <a:rPr lang="it-IT" sz="1200" b="0" i="0">
-                          <a:effectLst/>
-                          <a:latin typeface="Rubik Medium" pitchFamily="2" charset="-79"/>
-                          <a:cs typeface="Rubik Medium" pitchFamily="2" charset="-79"/>
-                        </a:rPr>
-                        <a:t> </a:t>
-                      </a:r>
-                      <a:endParaRPr lang="it-IT" sz="2800" b="0" i="0">
-                        <a:effectLst/>
-                        <a:latin typeface="Rubik Medium" pitchFamily="2" charset="-79"/>
-                        <a:cs typeface="Rubik Medium" pitchFamily="2" charset="-79"/>
-                      </a:endParaRPr>
-                    </a:p>
-                  </a:txBody>
-                  <a:tcPr marL="31204" marR="31204" marT="15602" marB="15602">
-                    <a:lnL w="7620" cap="flat" cmpd="sng" algn="ctr">
-                      <a:solidFill>
-                        <a:schemeClr val="bg1"/>
-                      </a:solidFill>
-                      <a:prstDash val="solid"/>
-                      <a:round/>
-                      <a:headEnd type="none" w="med" len="med"/>
-                      <a:tailEnd type="none" w="med" len="med"/>
-                    </a:lnL>
-                    <a:lnR w="7620" cap="flat" cmpd="sng" algn="ctr">
-                      <a:solidFill>
-                        <a:schemeClr val="bg1"/>
-                      </a:solidFill>
-                      <a:prstDash val="solid"/>
-                      <a:round/>
-                      <a:headEnd type="none" w="med" len="med"/>
-                      <a:tailEnd type="none" w="med" len="med"/>
-                    </a:lnR>
-                    <a:lnT w="7620" cap="flat" cmpd="sng" algn="ctr">
-                      <a:solidFill>
-                        <a:schemeClr val="bg1"/>
-                      </a:solidFill>
-                      <a:prstDash val="solid"/>
-                      <a:round/>
-                      <a:headEnd type="none" w="med" len="med"/>
-                      <a:tailEnd type="none" w="med" len="med"/>
-                    </a:lnT>
-                    <a:lnB w="7620" cap="flat" cmpd="sng" algn="ctr">
-                      <a:solidFill>
-                        <a:schemeClr val="bg1"/>
-                      </a:solidFill>
-                      <a:prstDash val="solid"/>
-                      <a:round/>
-                      <a:headEnd type="none" w="med" len="med"/>
-                      <a:tailEnd type="none" w="med" len="med"/>
-                    </a:lnB>
-                    <a:noFill/>
-                  </a:tcPr>
-                </a:tc>
-                <a:extLst>
-                  <a:ext uri="{0D108BD9-81ED-4DB2-BD59-A6C34878D82A}">
-                    <a16:rowId xmlns:a16="http://schemas.microsoft.com/office/drawing/2014/main" val="4158783584"/>
-                  </a:ext>
-                </a:extLst>
-              </a:tr>
-              <a:tr h="589751">
-                <a:tc>
-                  <a:txBody>
-                    <a:bodyPr/>
-                    <a:lstStyle/>
-                    <a:p>
-                      <a:pPr fontAlgn="t"/>
-                      <a:endParaRPr lang="it-IT" sz="1800">
-                        <a:effectLst/>
-                        <a:latin typeface="Rubik Medium" pitchFamily="2" charset="-79"/>
-                        <a:cs typeface="Rubik Medium" pitchFamily="2" charset="-79"/>
-                      </a:endParaRPr>
-                    </a:p>
-                    <a:p>
-                      <a:pPr algn="r" rtl="0" fontAlgn="base"/>
-                      <a:r>
-                        <a:rPr lang="it-IT" sz="1200" b="1" i="0">
-                          <a:effectLst/>
-                          <a:latin typeface="Rubik Medium" pitchFamily="2" charset="-79"/>
-                          <a:cs typeface="Rubik Medium" pitchFamily="2" charset="-79"/>
-                        </a:rPr>
-                        <a:t>Total</a:t>
-                      </a:r>
-                      <a:r>
-                        <a:rPr lang="it-IT" sz="1200" b="0" i="0">
-                          <a:effectLst/>
-                          <a:latin typeface="Rubik Medium" pitchFamily="2" charset="-79"/>
-                          <a:cs typeface="Rubik Medium" pitchFamily="2" charset="-79"/>
-                        </a:rPr>
-                        <a:t> </a:t>
-                      </a:r>
-                      <a:endParaRPr lang="it-IT" sz="2800" b="0" i="0">
-                        <a:effectLst/>
-                        <a:latin typeface="Rubik Medium" pitchFamily="2" charset="-79"/>
-                        <a:cs typeface="Rubik Medium" pitchFamily="2" charset="-79"/>
-                      </a:endParaRPr>
-                    </a:p>
-                  </a:txBody>
-                  <a:tcPr marL="31204" marR="31204" marT="15602" marB="15602">
-                    <a:lnL w="7620" cap="flat" cmpd="sng" algn="ctr">
-                      <a:solidFill>
-                        <a:schemeClr val="bg1"/>
-                      </a:solidFill>
-                      <a:prstDash val="solid"/>
-                      <a:round/>
-                      <a:headEnd type="none" w="med" len="med"/>
-                      <a:tailEnd type="none" w="med" len="med"/>
-                    </a:lnL>
-                    <a:lnR w="7620" cap="flat" cmpd="sng" algn="ctr">
-                      <a:solidFill>
-                        <a:schemeClr val="bg1"/>
-                      </a:solidFill>
-                      <a:prstDash val="solid"/>
-                      <a:round/>
-                      <a:headEnd type="none" w="med" len="med"/>
-                      <a:tailEnd type="none" w="med" len="med"/>
-                    </a:lnR>
-                    <a:lnT w="7620" cap="flat" cmpd="sng" algn="ctr">
-                      <a:solidFill>
-                        <a:schemeClr val="bg1"/>
-                      </a:solidFill>
-                      <a:prstDash val="solid"/>
-                      <a:round/>
-                      <a:headEnd type="none" w="med" len="med"/>
-                      <a:tailEnd type="none" w="med" len="med"/>
-                    </a:lnT>
-                    <a:lnB w="7620" cap="flat" cmpd="sng" algn="ctr">
-                      <a:solidFill>
-                        <a:schemeClr val="bg1"/>
-                      </a:solidFill>
-                      <a:prstDash val="solid"/>
-                      <a:round/>
-                      <a:headEnd type="none" w="med" len="med"/>
-                      <a:tailEnd type="none" w="med" len="med"/>
-                    </a:lnB>
-                    <a:noFill/>
-                  </a:tcPr>
-                </a:tc>
-                <a:tc>
-                  <a:txBody>
-                    <a:bodyPr/>
-                    <a:lstStyle/>
-                    <a:p>
-                      <a:pPr fontAlgn="t"/>
-                      <a:endParaRPr lang="it-IT" sz="1800">
-                        <a:effectLst/>
-                        <a:latin typeface="Rubik Medium" pitchFamily="2" charset="-79"/>
-                        <a:cs typeface="Rubik Medium" pitchFamily="2" charset="-79"/>
-                      </a:endParaRPr>
-                    </a:p>
-                    <a:p>
-                      <a:pPr algn="r" rtl="0" fontAlgn="base"/>
-                      <a:r>
-                        <a:rPr lang="it-IT" sz="2000" b="1" i="0">
-                          <a:effectLst/>
-                          <a:latin typeface="Rubik Medium" pitchFamily="2" charset="-79"/>
-                          <a:cs typeface="Rubik Medium" pitchFamily="2" charset="-79"/>
-                        </a:rPr>
-                        <a:t>25.400$</a:t>
-                      </a:r>
-                      <a:r>
-                        <a:rPr lang="it-IT" sz="2000" b="0" i="0">
-                          <a:effectLst/>
-                          <a:latin typeface="Rubik Medium" pitchFamily="2" charset="-79"/>
-                          <a:cs typeface="Rubik Medium" pitchFamily="2" charset="-79"/>
-                        </a:rPr>
-                        <a:t> </a:t>
-                      </a:r>
-                    </a:p>
-                  </a:txBody>
-                  <a:tcPr marL="31204" marR="31204" marT="15602" marB="15602">
-                    <a:lnL w="7620" cap="flat" cmpd="sng" algn="ctr">
-                      <a:solidFill>
-                        <a:schemeClr val="bg1"/>
-                      </a:solidFill>
-                      <a:prstDash val="solid"/>
-                      <a:round/>
-                      <a:headEnd type="none" w="med" len="med"/>
-                      <a:tailEnd type="none" w="med" len="med"/>
-                    </a:lnL>
-                    <a:lnR w="7620" cap="flat" cmpd="sng" algn="ctr">
-                      <a:solidFill>
-                        <a:schemeClr val="bg1"/>
-                      </a:solidFill>
-                      <a:prstDash val="solid"/>
-                      <a:round/>
-                      <a:headEnd type="none" w="med" len="med"/>
-                      <a:tailEnd type="none" w="med" len="med"/>
-                    </a:lnR>
-                    <a:lnT w="7620" cap="flat" cmpd="sng" algn="ctr">
-                      <a:solidFill>
-                        <a:schemeClr val="bg1"/>
-                      </a:solidFill>
-                      <a:prstDash val="solid"/>
-                      <a:round/>
-                      <a:headEnd type="none" w="med" len="med"/>
-                      <a:tailEnd type="none" w="med" len="med"/>
-                    </a:lnT>
-                    <a:lnB w="7620" cap="flat" cmpd="sng" algn="ctr">
-                      <a:solidFill>
-                        <a:schemeClr val="bg1"/>
-                      </a:solidFill>
-                      <a:prstDash val="solid"/>
-                      <a:round/>
-                      <a:headEnd type="none" w="med" len="med"/>
-                      <a:tailEnd type="none" w="med" len="med"/>
-                    </a:lnB>
-                    <a:noFill/>
-                  </a:tcPr>
-                </a:tc>
-                <a:extLst>
-                  <a:ext uri="{0D108BD9-81ED-4DB2-BD59-A6C34878D82A}">
-                    <a16:rowId xmlns:a16="http://schemas.microsoft.com/office/drawing/2014/main" val="3895548806"/>
-                  </a:ext>
-                </a:extLst>
-              </a:tr>
-            </a:tbl>
-          </a:graphicData>
-        </a:graphic>
-      </p:graphicFrame>
-      <p:sp>
-        <p:nvSpPr>
-          <p:cNvPr id="2" name="Titolo 1">
-            <a:extLst>
-              <a:ext uri="{FF2B5EF4-FFF2-40B4-BE49-F238E27FC236}">
-                <a16:creationId xmlns:a16="http://schemas.microsoft.com/office/drawing/2014/main" id="{C5F3C728-D45B-16B0-715C-A30E4A08AC19}"/>
-              </a:ext>
-            </a:extLst>
-          </p:cNvPr>
-          <p:cNvSpPr>
-            <a:spLocks noGrp="1"/>
-          </p:cNvSpPr>
-          <p:nvPr>
-            <p:ph type="title"/>
-          </p:nvPr>
-        </p:nvSpPr>
-        <p:spPr>
-          <a:xfrm>
-            <a:off x="1792288" y="1237321"/>
-            <a:ext cx="8624887" cy="927328"/>
-          </a:xfrm>
-          <a:prstGeom prst="ellipse">
-            <a:avLst/>
-          </a:prstGeom>
-          <a:noFill/>
-          <a:ln>
-            <a:noFill/>
-          </a:ln>
-        </p:spPr>
-        <p:txBody>
-          <a:bodyPr vert="horz" lIns="274320" tIns="182880" rIns="274320" bIns="182880" rtlCol="0" anchorCtr="1">
-            <a:noAutofit/>
-          </a:bodyPr>
-          <a:lstStyle/>
-          <a:p>
-            <a:r>
-              <a:rPr lang="en-US" sz="3200">
-                <a:solidFill>
-                  <a:srgbClr val="F24162"/>
-                </a:solidFill>
-                <a:effectLst>
-                  <a:outerShdw blurRad="38100" dist="38100" dir="2700000" algn="tl">
-                    <a:srgbClr val="000000">
-                      <a:alpha val="43137"/>
-                    </a:srgbClr>
-                  </a:outerShdw>
-                </a:effectLst>
-                <a:latin typeface="Rubik Medium" pitchFamily="2" charset="-79"/>
-                <a:cs typeface="Rubik Medium" pitchFamily="2" charset="-79"/>
-              </a:rPr>
-              <a:t>Estimated Costs</a:t>
-            </a:r>
-          </a:p>
-        </p:txBody>
-      </p:sp>
-    </p:spTree>
-    <p:extLst>
-      <p:ext uri="{BB962C8B-B14F-4D97-AF65-F5344CB8AC3E}">
-        <p14:creationId xmlns:p14="http://schemas.microsoft.com/office/powerpoint/2010/main" val="2227496460"/>
-      </p:ext>
-    </p:extLst>
-  </p:cSld>
-  <p:clrMapOvr>
-    <a:masterClrMapping/>
-  </p:clrMapOvr>
-  <p:transition spd="slow">
-    <p:push dir="u"/>
-  </p:transition>
-</p:sld>
-</file>
-
-<file path=ppt/slides/slide11.xml><?xml version="1.0" encoding="utf-8"?>
 <p:sld xmlns:a="http://schemas.openxmlformats.org/drawingml/2006/main" xmlns:r="http://schemas.openxmlformats.org/officeDocument/2006/relationships" xmlns:p="http://schemas.openxmlformats.org/presentationml/2006/main">
   <p:cSld>
     <p:bg>
@@ -24721,6 +23147,1595 @@
     <p:extLst>
       <p:ext uri="{BB962C8B-B14F-4D97-AF65-F5344CB8AC3E}">
         <p14:creationId xmlns:p14="http://schemas.microsoft.com/office/powerpoint/2010/main" val="2734521141"/>
+      </p:ext>
+    </p:extLst>
+  </p:cSld>
+  <p:clrMapOvr>
+    <a:masterClrMapping/>
+  </p:clrMapOvr>
+  <p:transition spd="slow">
+    <p:push dir="u"/>
+  </p:transition>
+</p:sld>
+</file>
+
+<file path=ppt/slides/slide11.xml><?xml version="1.0" encoding="utf-8"?>
+<p:sld xmlns:a="http://schemas.openxmlformats.org/drawingml/2006/main" xmlns:r="http://schemas.openxmlformats.org/officeDocument/2006/relationships" xmlns:p="http://schemas.openxmlformats.org/presentationml/2006/main">
+  <p:cSld>
+    <p:bg>
+      <p:bgPr>
+        <a:solidFill>
+          <a:schemeClr val="bg1"/>
+        </a:solidFill>
+        <a:effectLst/>
+      </p:bgPr>
+    </p:bg>
+    <p:spTree>
+      <p:nvGrpSpPr>
+        <p:cNvPr id="1" name=""/>
+        <p:cNvGrpSpPr/>
+        <p:nvPr/>
+      </p:nvGrpSpPr>
+      <p:grpSpPr>
+        <a:xfrm>
+          <a:off x="0" y="0"/>
+          <a:ext cx="0" cy="0"/>
+          <a:chOff x="0" y="0"/>
+          <a:chExt cx="0" cy="0"/>
+        </a:xfrm>
+      </p:grpSpPr>
+      <p:sp>
+        <p:nvSpPr>
+          <p:cNvPr id="29" name="Rectangle 23">
+            <a:extLst>
+              <a:ext uri="{FF2B5EF4-FFF2-40B4-BE49-F238E27FC236}">
+                <a16:creationId xmlns:a16="http://schemas.microsoft.com/office/drawing/2014/main" id="{25F64367-9171-455F-9283-AC21BC55AE65}"/>
+              </a:ext>
+              <a:ext uri="{C183D7F6-B498-43B3-948B-1728B52AA6E4}">
+                <adec:decorative xmlns:adec="http://schemas.microsoft.com/office/drawing/2017/decorative" val="1"/>
+              </a:ext>
+            </a:extLst>
+          </p:cNvPr>
+          <p:cNvSpPr>
+            <a:spLocks noGrp="1" noRot="1" noChangeAspect="1" noMove="1" noResize="1" noEditPoints="1" noAdjustHandles="1" noChangeArrowheads="1" noChangeShapeType="1" noTextEdit="1"/>
+          </p:cNvSpPr>
+          <p:nvPr>
+            <p:extLst>
+              <p:ext uri="{386F3935-93C4-4BCD-93E2-E3B085C9AB24}">
+                <p16:designElem xmlns:p16="http://schemas.microsoft.com/office/powerpoint/2015/main" val="1"/>
+              </p:ext>
+            </p:extLst>
+          </p:nvPr>
+        </p:nvSpPr>
+        <p:spPr>
+          <a:xfrm>
+            <a:off x="0" y="0"/>
+            <a:ext cx="12192000" cy="6858000"/>
+          </a:xfrm>
+          <a:prstGeom prst="rect">
+            <a:avLst/>
+          </a:prstGeom>
+          <a:solidFill>
+            <a:schemeClr val="bg1">
+              <a:lumMod val="95000"/>
+            </a:schemeClr>
+          </a:solidFill>
+          <a:ln>
+            <a:noFill/>
+          </a:ln>
+        </p:spPr>
+        <p:style>
+          <a:lnRef idx="2">
+            <a:schemeClr val="accent1">
+              <a:shade val="50000"/>
+            </a:schemeClr>
+          </a:lnRef>
+          <a:fillRef idx="1">
+            <a:schemeClr val="accent1"/>
+          </a:fillRef>
+          <a:effectRef idx="0">
+            <a:schemeClr val="accent1"/>
+          </a:effectRef>
+          <a:fontRef idx="minor">
+            <a:schemeClr val="lt1"/>
+          </a:fontRef>
+        </p:style>
+        <p:txBody>
+          <a:bodyPr rtlCol="0" anchor="ctr"/>
+          <a:lstStyle/>
+          <a:p>
+            <a:pPr algn="ctr"/>
+            <a:endParaRPr lang="en-US"/>
+          </a:p>
+        </p:txBody>
+      </p:sp>
+      <p:sp useBgFill="1">
+        <p:nvSpPr>
+          <p:cNvPr id="30" name="Rectangle 25">
+            <a:extLst>
+              <a:ext uri="{FF2B5EF4-FFF2-40B4-BE49-F238E27FC236}">
+                <a16:creationId xmlns:a16="http://schemas.microsoft.com/office/drawing/2014/main" id="{EC603A95-5798-4F9F-80E4-CF53F302AA42}"/>
+              </a:ext>
+              <a:ext uri="{C183D7F6-B498-43B3-948B-1728B52AA6E4}">
+                <adec:decorative xmlns:adec="http://schemas.microsoft.com/office/drawing/2017/decorative" val="1"/>
+              </a:ext>
+            </a:extLst>
+          </p:cNvPr>
+          <p:cNvSpPr>
+            <a:spLocks noGrp="1" noRot="1" noChangeAspect="1" noMove="1" noResize="1" noEditPoints="1" noAdjustHandles="1" noChangeArrowheads="1" noChangeShapeType="1" noTextEdit="1"/>
+          </p:cNvSpPr>
+          <p:nvPr>
+            <p:extLst>
+              <p:ext uri="{386F3935-93C4-4BCD-93E2-E3B085C9AB24}">
+                <p16:designElem xmlns:p16="http://schemas.microsoft.com/office/powerpoint/2015/main" val="1"/>
+              </p:ext>
+            </p:extLst>
+          </p:nvPr>
+        </p:nvSpPr>
+        <p:spPr>
+          <a:xfrm>
+            <a:off x="1129877" y="1121561"/>
+            <a:ext cx="9930384" cy="4608576"/>
+          </a:xfrm>
+          <a:prstGeom prst="rect">
+            <a:avLst/>
+          </a:prstGeom>
+          <a:ln>
+            <a:noFill/>
+          </a:ln>
+        </p:spPr>
+        <p:style>
+          <a:lnRef idx="2">
+            <a:schemeClr val="accent1">
+              <a:shade val="50000"/>
+            </a:schemeClr>
+          </a:lnRef>
+          <a:fillRef idx="1">
+            <a:schemeClr val="accent1"/>
+          </a:fillRef>
+          <a:effectRef idx="0">
+            <a:schemeClr val="accent1"/>
+          </a:effectRef>
+          <a:fontRef idx="minor">
+            <a:schemeClr val="lt1"/>
+          </a:fontRef>
+        </p:style>
+        <p:txBody>
+          <a:bodyPr rtlCol="0" anchor="ctr"/>
+          <a:lstStyle/>
+          <a:p>
+            <a:pPr algn="ctr"/>
+            <a:endParaRPr lang="en-US"/>
+          </a:p>
+        </p:txBody>
+      </p:sp>
+      <p:sp>
+        <p:nvSpPr>
+          <p:cNvPr id="28" name="Rectangle 27">
+            <a:extLst>
+              <a:ext uri="{FF2B5EF4-FFF2-40B4-BE49-F238E27FC236}">
+                <a16:creationId xmlns:a16="http://schemas.microsoft.com/office/drawing/2014/main" id="{884F012D-6CD6-46AF-A834-6B0CA93008D6}"/>
+              </a:ext>
+              <a:ext uri="{C183D7F6-B498-43B3-948B-1728B52AA6E4}">
+                <adec:decorative xmlns:adec="http://schemas.microsoft.com/office/drawing/2017/decorative" val="1"/>
+              </a:ext>
+            </a:extLst>
+          </p:cNvPr>
+          <p:cNvSpPr>
+            <a:spLocks noGrp="1" noRot="1" noChangeAspect="1" noMove="1" noResize="1" noEditPoints="1" noAdjustHandles="1" noChangeArrowheads="1" noChangeShapeType="1" noTextEdit="1"/>
+          </p:cNvSpPr>
+          <p:nvPr>
+            <p:extLst>
+              <p:ext uri="{386F3935-93C4-4BCD-93E2-E3B085C9AB24}">
+                <p16:designElem xmlns:p16="http://schemas.microsoft.com/office/powerpoint/2015/main" val="1"/>
+              </p:ext>
+            </p:extLst>
+          </p:nvPr>
+        </p:nvSpPr>
+        <p:spPr>
+          <a:xfrm>
+            <a:off x="965200" y="958898"/>
+            <a:ext cx="10259738" cy="4933902"/>
+          </a:xfrm>
+          <a:prstGeom prst="rect">
+            <a:avLst/>
+          </a:prstGeom>
+          <a:noFill/>
+          <a:ln w="31750" cap="sq">
+            <a:solidFill>
+              <a:srgbClr val="FFFFFF"/>
+            </a:solidFill>
+            <a:miter lim="800000"/>
+          </a:ln>
+        </p:spPr>
+        <p:style>
+          <a:lnRef idx="2">
+            <a:schemeClr val="accent1">
+              <a:shade val="50000"/>
+            </a:schemeClr>
+          </a:lnRef>
+          <a:fillRef idx="1">
+            <a:schemeClr val="accent1"/>
+          </a:fillRef>
+          <a:effectRef idx="0">
+            <a:schemeClr val="accent1"/>
+          </a:effectRef>
+          <a:fontRef idx="minor">
+            <a:schemeClr val="lt1"/>
+          </a:fontRef>
+        </p:style>
+        <p:txBody>
+          <a:bodyPr rtlCol="0" anchor="ctr"/>
+          <a:lstStyle/>
+          <a:p>
+            <a:pPr algn="ctr"/>
+            <a:endParaRPr lang="en-US"/>
+          </a:p>
+        </p:txBody>
+      </p:sp>
+      <p:graphicFrame>
+        <p:nvGraphicFramePr>
+          <p:cNvPr id="4" name="Segnaposto contenuto 3">
+            <a:extLst>
+              <a:ext uri="{FF2B5EF4-FFF2-40B4-BE49-F238E27FC236}">
+                <a16:creationId xmlns:a16="http://schemas.microsoft.com/office/drawing/2014/main" id="{6A292107-220E-AB07-E2C3-1AFE7353A6B2}"/>
+              </a:ext>
+            </a:extLst>
+          </p:cNvPr>
+          <p:cNvGraphicFramePr>
+            <a:graphicFrameLocks noGrp="1"/>
+          </p:cNvGraphicFramePr>
+          <p:nvPr>
+            <p:ph idx="1"/>
+            <p:extLst>
+              <p:ext uri="{D42A27DB-BD31-4B8C-83A1-F6EECF244321}">
+                <p14:modId xmlns:p14="http://schemas.microsoft.com/office/powerpoint/2010/main" val="3055289953"/>
+              </p:ext>
+            </p:extLst>
+          </p:nvPr>
+        </p:nvGraphicFramePr>
+        <p:xfrm>
+          <a:off x="1792289" y="1700985"/>
+          <a:ext cx="8624886" cy="4029152"/>
+        </p:xfrm>
+        <a:graphic>
+          <a:graphicData uri="http://schemas.openxmlformats.org/drawingml/2006/table">
+            <a:tbl>
+              <a:tblPr firstRow="1" bandRow="1"/>
+              <a:tblGrid>
+                <a:gridCol w="4921400">
+                  <a:extLst>
+                    <a:ext uri="{9D8B030D-6E8A-4147-A177-3AD203B41FA5}">
+                      <a16:colId xmlns:a16="http://schemas.microsoft.com/office/drawing/2014/main" val="85338784"/>
+                    </a:ext>
+                  </a:extLst>
+                </a:gridCol>
+                <a:gridCol w="3703486">
+                  <a:extLst>
+                    <a:ext uri="{9D8B030D-6E8A-4147-A177-3AD203B41FA5}">
+                      <a16:colId xmlns:a16="http://schemas.microsoft.com/office/drawing/2014/main" val="2228539443"/>
+                    </a:ext>
+                  </a:extLst>
+                </a:gridCol>
+              </a:tblGrid>
+              <a:tr h="471941">
+                <a:tc>
+                  <a:txBody>
+                    <a:bodyPr/>
+                    <a:lstStyle/>
+                    <a:p>
+                      <a:pPr fontAlgn="t"/>
+                      <a:endParaRPr lang="it-IT" sz="1800">
+                        <a:effectLst/>
+                        <a:latin typeface="Rubik Medium" pitchFamily="2" charset="-79"/>
+                        <a:cs typeface="Rubik Medium" pitchFamily="2" charset="-79"/>
+                      </a:endParaRPr>
+                    </a:p>
+                    <a:p>
+                      <a:pPr algn="l" rtl="0" fontAlgn="base"/>
+                      <a:r>
+                        <a:rPr lang="it-IT" sz="1200" b="1" i="0">
+                          <a:effectLst/>
+                          <a:latin typeface="Rubik Medium" pitchFamily="2" charset="-79"/>
+                          <a:cs typeface="Rubik Medium" pitchFamily="2" charset="-79"/>
+                        </a:rPr>
+                        <a:t>Planning</a:t>
+                      </a:r>
+                      <a:r>
+                        <a:rPr lang="it-IT" sz="1000" b="0" i="0">
+                          <a:effectLst/>
+                          <a:latin typeface="Rubik Medium" pitchFamily="2" charset="-79"/>
+                          <a:cs typeface="Rubik Medium" pitchFamily="2" charset="-79"/>
+                        </a:rPr>
+                        <a:t> </a:t>
+                      </a:r>
+                      <a:endParaRPr lang="it-IT" sz="1800" b="0" i="0">
+                        <a:effectLst/>
+                        <a:latin typeface="Rubik Medium" pitchFamily="2" charset="-79"/>
+                        <a:cs typeface="Rubik Medium" pitchFamily="2" charset="-79"/>
+                      </a:endParaRPr>
+                    </a:p>
+                  </a:txBody>
+                  <a:tcPr marL="31204" marR="31204" marT="15602" marB="15602">
+                    <a:lnL w="7620" cap="flat" cmpd="sng" algn="ctr">
+                      <a:solidFill>
+                        <a:schemeClr val="bg1"/>
+                      </a:solidFill>
+                      <a:prstDash val="solid"/>
+                      <a:round/>
+                      <a:headEnd type="none" w="med" len="med"/>
+                      <a:tailEnd type="none" w="med" len="med"/>
+                    </a:lnL>
+                    <a:lnR w="7620" cap="flat" cmpd="sng" algn="ctr">
+                      <a:noFill/>
+                      <a:prstDash val="solid"/>
+                      <a:round/>
+                      <a:headEnd type="none" w="med" len="med"/>
+                      <a:tailEnd type="none" w="med" len="med"/>
+                    </a:lnR>
+                    <a:lnT w="7620" cap="flat" cmpd="sng" algn="ctr">
+                      <a:solidFill>
+                        <a:schemeClr val="bg1"/>
+                      </a:solidFill>
+                      <a:prstDash val="solid"/>
+                      <a:round/>
+                      <a:headEnd type="none" w="med" len="med"/>
+                      <a:tailEnd type="none" w="med" len="med"/>
+                    </a:lnT>
+                    <a:lnB w="7620" cap="flat" cmpd="sng" algn="ctr">
+                      <a:solidFill>
+                        <a:schemeClr val="bg1"/>
+                      </a:solidFill>
+                      <a:prstDash val="solid"/>
+                      <a:round/>
+                      <a:headEnd type="none" w="med" len="med"/>
+                      <a:tailEnd type="none" w="med" len="med"/>
+                    </a:lnB>
+                    <a:noFill/>
+                  </a:tcPr>
+                </a:tc>
+                <a:tc>
+                  <a:txBody>
+                    <a:bodyPr/>
+                    <a:lstStyle/>
+                    <a:p>
+                      <a:pPr algn="ctr" fontAlgn="t"/>
+                      <a:endParaRPr lang="it-IT" sz="1800">
+                        <a:effectLst/>
+                        <a:latin typeface="Rubik Medium" pitchFamily="2" charset="-79"/>
+                        <a:cs typeface="Rubik Medium" pitchFamily="2" charset="-79"/>
+                      </a:endParaRPr>
+                    </a:p>
+                    <a:p>
+                      <a:pPr algn="r" rtl="0" fontAlgn="base"/>
+                      <a:r>
+                        <a:rPr lang="it-IT" sz="1200" b="1" i="0">
+                          <a:effectLst/>
+                          <a:latin typeface="Rubik Medium" pitchFamily="2" charset="-79"/>
+                          <a:cs typeface="Rubik Medium" pitchFamily="2" charset="-79"/>
+                        </a:rPr>
+                        <a:t>12.000$</a:t>
+                      </a:r>
+                      <a:r>
+                        <a:rPr lang="it-IT" sz="1000" b="0" i="0">
+                          <a:effectLst/>
+                          <a:latin typeface="Rubik Medium" pitchFamily="2" charset="-79"/>
+                          <a:cs typeface="Rubik Medium" pitchFamily="2" charset="-79"/>
+                        </a:rPr>
+                        <a:t> </a:t>
+                      </a:r>
+                      <a:endParaRPr lang="it-IT" sz="1800" b="0" i="0">
+                        <a:effectLst/>
+                        <a:latin typeface="Rubik Medium" pitchFamily="2" charset="-79"/>
+                        <a:cs typeface="Rubik Medium" pitchFamily="2" charset="-79"/>
+                      </a:endParaRPr>
+                    </a:p>
+                  </a:txBody>
+                  <a:tcPr marL="31204" marR="31204" marT="15602" marB="15602">
+                    <a:lnL w="7620" cap="flat" cmpd="sng" algn="ctr">
+                      <a:noFill/>
+                      <a:prstDash val="solid"/>
+                      <a:round/>
+                      <a:headEnd type="none" w="med" len="med"/>
+                      <a:tailEnd type="none" w="med" len="med"/>
+                    </a:lnL>
+                    <a:lnR w="7620" cap="flat" cmpd="sng" algn="ctr">
+                      <a:noFill/>
+                      <a:prstDash val="solid"/>
+                      <a:round/>
+                      <a:headEnd type="none" w="med" len="med"/>
+                      <a:tailEnd type="none" w="med" len="med"/>
+                    </a:lnR>
+                    <a:lnT w="7620" cap="flat" cmpd="sng" algn="ctr">
+                      <a:noFill/>
+                      <a:prstDash val="solid"/>
+                      <a:round/>
+                      <a:headEnd type="none" w="med" len="med"/>
+                      <a:tailEnd type="none" w="med" len="med"/>
+                    </a:lnT>
+                    <a:lnB w="7620" cap="flat" cmpd="sng" algn="ctr">
+                      <a:noFill/>
+                      <a:prstDash val="solid"/>
+                      <a:round/>
+                      <a:headEnd type="none" w="med" len="med"/>
+                      <a:tailEnd type="none" w="med" len="med"/>
+                    </a:lnB>
+                    <a:lnTlToBr w="12700" cmpd="sng">
+                      <a:noFill/>
+                      <a:prstDash val="solid"/>
+                    </a:lnTlToBr>
+                    <a:lnBlToTr w="12700" cmpd="sng">
+                      <a:noFill/>
+                      <a:prstDash val="solid"/>
+                    </a:lnBlToTr>
+                    <a:noFill/>
+                  </a:tcPr>
+                </a:tc>
+                <a:extLst>
+                  <a:ext uri="{0D108BD9-81ED-4DB2-BD59-A6C34878D82A}">
+                    <a16:rowId xmlns:a16="http://schemas.microsoft.com/office/drawing/2014/main" val="2678967198"/>
+                  </a:ext>
+                </a:extLst>
+              </a:tr>
+              <a:tr h="471941">
+                <a:tc>
+                  <a:txBody>
+                    <a:bodyPr/>
+                    <a:lstStyle/>
+                    <a:p>
+                      <a:pPr fontAlgn="t"/>
+                      <a:endParaRPr lang="it-IT" sz="1800">
+                        <a:effectLst/>
+                        <a:latin typeface="Rubik Medium" pitchFamily="2" charset="-79"/>
+                        <a:cs typeface="Rubik Medium" pitchFamily="2" charset="-79"/>
+                      </a:endParaRPr>
+                    </a:p>
+                    <a:p>
+                      <a:pPr algn="l" rtl="0" fontAlgn="base"/>
+                      <a:r>
+                        <a:rPr lang="it-IT" sz="1200" b="1" i="0">
+                          <a:effectLst/>
+                          <a:latin typeface="Rubik Medium" pitchFamily="2" charset="-79"/>
+                          <a:cs typeface="Rubik Medium" pitchFamily="2" charset="-79"/>
+                        </a:rPr>
+                        <a:t>Implementation</a:t>
+                      </a:r>
+                      <a:r>
+                        <a:rPr lang="it-IT" sz="1000" b="0" i="0">
+                          <a:effectLst/>
+                          <a:latin typeface="Rubik Medium" pitchFamily="2" charset="-79"/>
+                          <a:cs typeface="Rubik Medium" pitchFamily="2" charset="-79"/>
+                        </a:rPr>
+                        <a:t> </a:t>
+                      </a:r>
+                      <a:endParaRPr lang="it-IT" sz="1800" b="0" i="0">
+                        <a:effectLst/>
+                        <a:latin typeface="Rubik Medium" pitchFamily="2" charset="-79"/>
+                        <a:cs typeface="Rubik Medium" pitchFamily="2" charset="-79"/>
+                      </a:endParaRPr>
+                    </a:p>
+                  </a:txBody>
+                  <a:tcPr marL="31204" marR="31204" marT="15602" marB="15602">
+                    <a:lnL w="7620" cap="flat" cmpd="sng" algn="ctr">
+                      <a:solidFill>
+                        <a:schemeClr val="bg1"/>
+                      </a:solidFill>
+                      <a:prstDash val="solid"/>
+                      <a:round/>
+                      <a:headEnd type="none" w="med" len="med"/>
+                      <a:tailEnd type="none" w="med" len="med"/>
+                    </a:lnL>
+                    <a:lnR w="7620" cap="flat" cmpd="sng" algn="ctr">
+                      <a:solidFill>
+                        <a:schemeClr val="bg1"/>
+                      </a:solidFill>
+                      <a:prstDash val="solid"/>
+                      <a:round/>
+                      <a:headEnd type="none" w="med" len="med"/>
+                      <a:tailEnd type="none" w="med" len="med"/>
+                    </a:lnR>
+                    <a:lnT w="7620" cap="flat" cmpd="sng" algn="ctr">
+                      <a:solidFill>
+                        <a:schemeClr val="bg1"/>
+                      </a:solidFill>
+                      <a:prstDash val="solid"/>
+                      <a:round/>
+                      <a:headEnd type="none" w="med" len="med"/>
+                      <a:tailEnd type="none" w="med" len="med"/>
+                    </a:lnT>
+                    <a:lnB w="7620" cap="flat" cmpd="sng" algn="ctr">
+                      <a:solidFill>
+                        <a:schemeClr val="bg1"/>
+                      </a:solidFill>
+                      <a:prstDash val="solid"/>
+                      <a:round/>
+                      <a:headEnd type="none" w="med" len="med"/>
+                      <a:tailEnd type="none" w="med" len="med"/>
+                    </a:lnB>
+                    <a:noFill/>
+                  </a:tcPr>
+                </a:tc>
+                <a:tc>
+                  <a:txBody>
+                    <a:bodyPr/>
+                    <a:lstStyle/>
+                    <a:p>
+                      <a:pPr fontAlgn="t"/>
+                      <a:endParaRPr lang="it-IT" sz="1800">
+                        <a:effectLst/>
+                        <a:latin typeface="Rubik Medium" pitchFamily="2" charset="-79"/>
+                        <a:cs typeface="Rubik Medium" pitchFamily="2" charset="-79"/>
+                      </a:endParaRPr>
+                    </a:p>
+                    <a:p>
+                      <a:pPr algn="r" rtl="0" fontAlgn="base"/>
+                      <a:r>
+                        <a:rPr lang="it-IT" sz="1000" b="0" i="0">
+                          <a:effectLst/>
+                          <a:latin typeface="Rubik Medium" pitchFamily="2" charset="-79"/>
+                          <a:cs typeface="Rubik Medium" pitchFamily="2" charset="-79"/>
+                        </a:rPr>
+                        <a:t> </a:t>
+                      </a:r>
+                      <a:endParaRPr lang="it-IT" sz="1800" b="0" i="0">
+                        <a:effectLst/>
+                        <a:latin typeface="Rubik Medium" pitchFamily="2" charset="-79"/>
+                        <a:cs typeface="Rubik Medium" pitchFamily="2" charset="-79"/>
+                      </a:endParaRPr>
+                    </a:p>
+                  </a:txBody>
+                  <a:tcPr marL="31204" marR="31204" marT="15602" marB="15602">
+                    <a:lnL w="7620" cap="flat" cmpd="sng" algn="ctr">
+                      <a:solidFill>
+                        <a:schemeClr val="bg1"/>
+                      </a:solidFill>
+                      <a:prstDash val="solid"/>
+                      <a:round/>
+                      <a:headEnd type="none" w="med" len="med"/>
+                      <a:tailEnd type="none" w="med" len="med"/>
+                    </a:lnL>
+                    <a:lnR w="7620" cap="flat" cmpd="sng" algn="ctr">
+                      <a:solidFill>
+                        <a:schemeClr val="bg1"/>
+                      </a:solidFill>
+                      <a:prstDash val="solid"/>
+                      <a:round/>
+                      <a:headEnd type="none" w="med" len="med"/>
+                      <a:tailEnd type="none" w="med" len="med"/>
+                    </a:lnR>
+                    <a:lnT w="7620" cap="flat" cmpd="sng" algn="ctr">
+                      <a:noFill/>
+                      <a:prstDash val="solid"/>
+                      <a:round/>
+                      <a:headEnd type="none" w="med" len="med"/>
+                      <a:tailEnd type="none" w="med" len="med"/>
+                    </a:lnT>
+                    <a:lnB w="7620" cap="flat" cmpd="sng" algn="ctr">
+                      <a:noFill/>
+                      <a:prstDash val="solid"/>
+                      <a:round/>
+                      <a:headEnd type="none" w="med" len="med"/>
+                      <a:tailEnd type="none" w="med" len="med"/>
+                    </a:lnB>
+                    <a:noFill/>
+                  </a:tcPr>
+                </a:tc>
+                <a:extLst>
+                  <a:ext uri="{0D108BD9-81ED-4DB2-BD59-A6C34878D82A}">
+                    <a16:rowId xmlns:a16="http://schemas.microsoft.com/office/drawing/2014/main" val="3488534891"/>
+                  </a:ext>
+                </a:extLst>
+              </a:tr>
+              <a:tr h="471941">
+                <a:tc>
+                  <a:txBody>
+                    <a:bodyPr/>
+                    <a:lstStyle/>
+                    <a:p>
+                      <a:pPr fontAlgn="t"/>
+                      <a:endParaRPr lang="it-IT" sz="1800">
+                        <a:effectLst/>
+                        <a:latin typeface="Rubik Medium" pitchFamily="2" charset="-79"/>
+                        <a:cs typeface="Rubik Medium" pitchFamily="2" charset="-79"/>
+                      </a:endParaRPr>
+                    </a:p>
+                    <a:p>
+                      <a:pPr algn="l" rtl="0" fontAlgn="base">
+                        <a:buFont typeface="Arial" panose="020B0604020202020204" pitchFamily="34" charset="0"/>
+                        <a:buChar char="•"/>
+                      </a:pPr>
+                      <a:r>
+                        <a:rPr lang="it-IT" sz="1200" b="1" i="0">
+                          <a:effectLst/>
+                          <a:latin typeface="Rubik Medium" pitchFamily="2" charset="-79"/>
+                          <a:cs typeface="Rubik Medium" pitchFamily="2" charset="-79"/>
+                        </a:rPr>
+                        <a:t>AWS</a:t>
+                      </a:r>
+                      <a:r>
+                        <a:rPr lang="it-IT" sz="1000" b="0" i="0">
+                          <a:effectLst/>
+                          <a:latin typeface="Rubik Medium" pitchFamily="2" charset="-79"/>
+                          <a:cs typeface="Rubik Medium" pitchFamily="2" charset="-79"/>
+                        </a:rPr>
+                        <a:t> </a:t>
+                      </a:r>
+                    </a:p>
+                  </a:txBody>
+                  <a:tcPr marL="31204" marR="31204" marT="15602" marB="15602">
+                    <a:lnL w="7620" cap="flat" cmpd="sng" algn="ctr">
+                      <a:solidFill>
+                        <a:schemeClr val="bg1"/>
+                      </a:solidFill>
+                      <a:prstDash val="solid"/>
+                      <a:round/>
+                      <a:headEnd type="none" w="med" len="med"/>
+                      <a:tailEnd type="none" w="med" len="med"/>
+                    </a:lnL>
+                    <a:lnR w="7620" cap="flat" cmpd="sng" algn="ctr">
+                      <a:noFill/>
+                      <a:prstDash val="solid"/>
+                      <a:round/>
+                      <a:headEnd type="none" w="med" len="med"/>
+                      <a:tailEnd type="none" w="med" len="med"/>
+                    </a:lnR>
+                    <a:lnT w="7620" cap="flat" cmpd="sng" algn="ctr">
+                      <a:solidFill>
+                        <a:schemeClr val="bg1"/>
+                      </a:solidFill>
+                      <a:prstDash val="solid"/>
+                      <a:round/>
+                      <a:headEnd type="none" w="med" len="med"/>
+                      <a:tailEnd type="none" w="med" len="med"/>
+                    </a:lnT>
+                    <a:lnB w="7620" cap="flat" cmpd="sng" algn="ctr">
+                      <a:solidFill>
+                        <a:schemeClr val="bg1"/>
+                      </a:solidFill>
+                      <a:prstDash val="solid"/>
+                      <a:round/>
+                      <a:headEnd type="none" w="med" len="med"/>
+                      <a:tailEnd type="none" w="med" len="med"/>
+                    </a:lnB>
+                    <a:noFill/>
+                  </a:tcPr>
+                </a:tc>
+                <a:tc>
+                  <a:txBody>
+                    <a:bodyPr/>
+                    <a:lstStyle/>
+                    <a:p>
+                      <a:pPr fontAlgn="t"/>
+                      <a:endParaRPr lang="it-IT" sz="1800">
+                        <a:effectLst/>
+                        <a:latin typeface="Rubik Medium" pitchFamily="2" charset="-79"/>
+                        <a:cs typeface="Rubik Medium" pitchFamily="2" charset="-79"/>
+                      </a:endParaRPr>
+                    </a:p>
+                    <a:p>
+                      <a:pPr algn="r" rtl="0" fontAlgn="base"/>
+                      <a:r>
+                        <a:rPr lang="it-IT" sz="1200" b="1" i="0">
+                          <a:effectLst/>
+                          <a:latin typeface="Rubik Medium" pitchFamily="2" charset="-79"/>
+                          <a:cs typeface="Rubik Medium" pitchFamily="2" charset="-79"/>
+                        </a:rPr>
+                        <a:t>0.298$/hour</a:t>
+                      </a:r>
+                      <a:r>
+                        <a:rPr lang="it-IT" sz="1200" b="0" i="0">
+                          <a:effectLst/>
+                          <a:latin typeface="Rubik Medium" pitchFamily="2" charset="-79"/>
+                          <a:cs typeface="Rubik Medium" pitchFamily="2" charset="-79"/>
+                        </a:rPr>
+                        <a:t> </a:t>
+                      </a:r>
+                      <a:endParaRPr lang="it-IT" sz="2800" b="0" i="0">
+                        <a:effectLst/>
+                        <a:latin typeface="Rubik Medium" pitchFamily="2" charset="-79"/>
+                        <a:cs typeface="Rubik Medium" pitchFamily="2" charset="-79"/>
+                      </a:endParaRPr>
+                    </a:p>
+                  </a:txBody>
+                  <a:tcPr marL="31204" marR="31204" marT="15602" marB="15602">
+                    <a:lnL w="7620" cap="flat" cmpd="sng" algn="ctr">
+                      <a:noFill/>
+                      <a:prstDash val="solid"/>
+                      <a:round/>
+                      <a:headEnd type="none" w="med" len="med"/>
+                      <a:tailEnd type="none" w="med" len="med"/>
+                    </a:lnL>
+                    <a:lnR w="7620" cap="flat" cmpd="sng" algn="ctr">
+                      <a:noFill/>
+                      <a:prstDash val="solid"/>
+                      <a:round/>
+                      <a:headEnd type="none" w="med" len="med"/>
+                      <a:tailEnd type="none" w="med" len="med"/>
+                    </a:lnR>
+                    <a:lnT w="7620" cap="flat" cmpd="sng" algn="ctr">
+                      <a:noFill/>
+                      <a:prstDash val="solid"/>
+                      <a:round/>
+                      <a:headEnd type="none" w="med" len="med"/>
+                      <a:tailEnd type="none" w="med" len="med"/>
+                    </a:lnT>
+                    <a:lnB w="7620" cap="flat" cmpd="sng" algn="ctr">
+                      <a:noFill/>
+                      <a:prstDash val="solid"/>
+                      <a:round/>
+                      <a:headEnd type="none" w="med" len="med"/>
+                      <a:tailEnd type="none" w="med" len="med"/>
+                    </a:lnB>
+                    <a:lnTlToBr w="12700" cmpd="sng">
+                      <a:noFill/>
+                      <a:prstDash val="solid"/>
+                    </a:lnTlToBr>
+                    <a:lnBlToTr w="12700" cmpd="sng">
+                      <a:noFill/>
+                      <a:prstDash val="solid"/>
+                    </a:lnBlToTr>
+                    <a:noFill/>
+                  </a:tcPr>
+                </a:tc>
+                <a:extLst>
+                  <a:ext uri="{0D108BD9-81ED-4DB2-BD59-A6C34878D82A}">
+                    <a16:rowId xmlns:a16="http://schemas.microsoft.com/office/drawing/2014/main" val="4030467723"/>
+                  </a:ext>
+                </a:extLst>
+              </a:tr>
+              <a:tr h="471941">
+                <a:tc>
+                  <a:txBody>
+                    <a:bodyPr/>
+                    <a:lstStyle/>
+                    <a:p>
+                      <a:pPr fontAlgn="t"/>
+                      <a:endParaRPr lang="it-IT" sz="1800">
+                        <a:effectLst/>
+                        <a:latin typeface="Rubik Medium" pitchFamily="2" charset="-79"/>
+                        <a:cs typeface="Rubik Medium" pitchFamily="2" charset="-79"/>
+                      </a:endParaRPr>
+                    </a:p>
+                    <a:p>
+                      <a:pPr algn="l" rtl="0" fontAlgn="base">
+                        <a:buFont typeface="Arial" panose="020B0604020202020204" pitchFamily="34" charset="0"/>
+                        <a:buChar char="•"/>
+                      </a:pPr>
+                      <a:r>
+                        <a:rPr lang="it-IT" sz="1200" b="1" i="0">
+                          <a:effectLst/>
+                          <a:latin typeface="Rubik Medium" pitchFamily="2" charset="-79"/>
+                          <a:cs typeface="Rubik Medium" pitchFamily="2" charset="-79"/>
+                        </a:rPr>
+                        <a:t>mySQL</a:t>
+                      </a:r>
+                      <a:r>
+                        <a:rPr lang="it-IT" sz="1000" b="0" i="0">
+                          <a:effectLst/>
+                          <a:latin typeface="Rubik Medium" pitchFamily="2" charset="-79"/>
+                          <a:cs typeface="Rubik Medium" pitchFamily="2" charset="-79"/>
+                        </a:rPr>
+                        <a:t> </a:t>
+                      </a:r>
+                    </a:p>
+                  </a:txBody>
+                  <a:tcPr marL="31204" marR="31204" marT="15602" marB="15602">
+                    <a:lnL w="7620" cap="flat" cmpd="sng" algn="ctr">
+                      <a:solidFill>
+                        <a:schemeClr val="bg1"/>
+                      </a:solidFill>
+                      <a:prstDash val="solid"/>
+                      <a:round/>
+                      <a:headEnd type="none" w="med" len="med"/>
+                      <a:tailEnd type="none" w="med" len="med"/>
+                    </a:lnL>
+                    <a:lnR w="7620" cap="flat" cmpd="sng" algn="ctr">
+                      <a:solidFill>
+                        <a:schemeClr val="bg1"/>
+                      </a:solidFill>
+                      <a:prstDash val="solid"/>
+                      <a:round/>
+                      <a:headEnd type="none" w="med" len="med"/>
+                      <a:tailEnd type="none" w="med" len="med"/>
+                    </a:lnR>
+                    <a:lnT w="7620" cap="flat" cmpd="sng" algn="ctr">
+                      <a:solidFill>
+                        <a:schemeClr val="bg1"/>
+                      </a:solidFill>
+                      <a:prstDash val="solid"/>
+                      <a:round/>
+                      <a:headEnd type="none" w="med" len="med"/>
+                      <a:tailEnd type="none" w="med" len="med"/>
+                    </a:lnT>
+                    <a:lnB w="7620" cap="flat" cmpd="sng" algn="ctr">
+                      <a:solidFill>
+                        <a:schemeClr val="bg1"/>
+                      </a:solidFill>
+                      <a:prstDash val="solid"/>
+                      <a:round/>
+                      <a:headEnd type="none" w="med" len="med"/>
+                      <a:tailEnd type="none" w="med" len="med"/>
+                    </a:lnB>
+                    <a:noFill/>
+                  </a:tcPr>
+                </a:tc>
+                <a:tc>
+                  <a:txBody>
+                    <a:bodyPr/>
+                    <a:lstStyle/>
+                    <a:p>
+                      <a:pPr fontAlgn="t"/>
+                      <a:endParaRPr lang="it-IT" sz="1800">
+                        <a:effectLst/>
+                        <a:latin typeface="Rubik Medium" pitchFamily="2" charset="-79"/>
+                        <a:cs typeface="Rubik Medium" pitchFamily="2" charset="-79"/>
+                      </a:endParaRPr>
+                    </a:p>
+                    <a:p>
+                      <a:pPr algn="r" rtl="0" fontAlgn="base"/>
+                      <a:r>
+                        <a:rPr lang="it-IT" sz="1200" b="1" i="0">
+                          <a:effectLst/>
+                          <a:latin typeface="Rubik Medium" pitchFamily="2" charset="-79"/>
+                          <a:cs typeface="Rubik Medium" pitchFamily="2" charset="-79"/>
+                        </a:rPr>
+                        <a:t>5,000$/year</a:t>
+                      </a:r>
+                      <a:r>
+                        <a:rPr lang="it-IT" sz="1200" b="0" i="0">
+                          <a:effectLst/>
+                          <a:latin typeface="Rubik Medium" pitchFamily="2" charset="-79"/>
+                          <a:cs typeface="Rubik Medium" pitchFamily="2" charset="-79"/>
+                        </a:rPr>
+                        <a:t> </a:t>
+                      </a:r>
+                      <a:endParaRPr lang="it-IT" sz="2800" b="0" i="0">
+                        <a:effectLst/>
+                        <a:latin typeface="Rubik Medium" pitchFamily="2" charset="-79"/>
+                        <a:cs typeface="Rubik Medium" pitchFamily="2" charset="-79"/>
+                      </a:endParaRPr>
+                    </a:p>
+                  </a:txBody>
+                  <a:tcPr marL="31204" marR="31204" marT="15602" marB="15602">
+                    <a:lnL w="7620" cap="flat" cmpd="sng" algn="ctr">
+                      <a:solidFill>
+                        <a:schemeClr val="bg1"/>
+                      </a:solidFill>
+                      <a:prstDash val="solid"/>
+                      <a:round/>
+                      <a:headEnd type="none" w="med" len="med"/>
+                      <a:tailEnd type="none" w="med" len="med"/>
+                    </a:lnL>
+                    <a:lnR w="7620" cap="flat" cmpd="sng" algn="ctr">
+                      <a:solidFill>
+                        <a:schemeClr val="bg1"/>
+                      </a:solidFill>
+                      <a:prstDash val="solid"/>
+                      <a:round/>
+                      <a:headEnd type="none" w="med" len="med"/>
+                      <a:tailEnd type="none" w="med" len="med"/>
+                    </a:lnR>
+                    <a:lnT w="7620" cap="flat" cmpd="sng" algn="ctr">
+                      <a:noFill/>
+                      <a:prstDash val="solid"/>
+                      <a:round/>
+                      <a:headEnd type="none" w="med" len="med"/>
+                      <a:tailEnd type="none" w="med" len="med"/>
+                    </a:lnT>
+                    <a:lnB w="7620" cap="flat" cmpd="sng" algn="ctr">
+                      <a:solidFill>
+                        <a:schemeClr val="bg1"/>
+                      </a:solidFill>
+                      <a:prstDash val="solid"/>
+                      <a:round/>
+                      <a:headEnd type="none" w="med" len="med"/>
+                      <a:tailEnd type="none" w="med" len="med"/>
+                    </a:lnB>
+                    <a:noFill/>
+                  </a:tcPr>
+                </a:tc>
+                <a:extLst>
+                  <a:ext uri="{0D108BD9-81ED-4DB2-BD59-A6C34878D82A}">
+                    <a16:rowId xmlns:a16="http://schemas.microsoft.com/office/drawing/2014/main" val="921572664"/>
+                  </a:ext>
+                </a:extLst>
+              </a:tr>
+              <a:tr h="471941">
+                <a:tc>
+                  <a:txBody>
+                    <a:bodyPr/>
+                    <a:lstStyle/>
+                    <a:p>
+                      <a:pPr fontAlgn="t"/>
+                      <a:endParaRPr lang="it-IT" sz="1800">
+                        <a:effectLst/>
+                        <a:latin typeface="Rubik Medium" pitchFamily="2" charset="-79"/>
+                        <a:cs typeface="Rubik Medium" pitchFamily="2" charset="-79"/>
+                      </a:endParaRPr>
+                    </a:p>
+                    <a:p>
+                      <a:pPr algn="l" rtl="0" fontAlgn="base">
+                        <a:buFont typeface="Arial" panose="020B0604020202020204" pitchFamily="34" charset="0"/>
+                        <a:buChar char="•"/>
+                      </a:pPr>
+                      <a:r>
+                        <a:rPr lang="it-IT" sz="1200" b="1" i="0">
+                          <a:effectLst/>
+                          <a:latin typeface="Rubik Medium" pitchFamily="2" charset="-79"/>
+                          <a:cs typeface="Rubik Medium" pitchFamily="2" charset="-79"/>
+                        </a:rPr>
+                        <a:t>Talend</a:t>
+                      </a:r>
+                      <a:r>
+                        <a:rPr lang="it-IT" sz="1000" b="0" i="0">
+                          <a:effectLst/>
+                          <a:latin typeface="Rubik Medium" pitchFamily="2" charset="-79"/>
+                          <a:cs typeface="Rubik Medium" pitchFamily="2" charset="-79"/>
+                        </a:rPr>
+                        <a:t> </a:t>
+                      </a:r>
+                    </a:p>
+                  </a:txBody>
+                  <a:tcPr marL="31204" marR="31204" marT="15602" marB="15602">
+                    <a:lnL w="7620" cap="flat" cmpd="sng" algn="ctr">
+                      <a:solidFill>
+                        <a:schemeClr val="bg1"/>
+                      </a:solidFill>
+                      <a:prstDash val="solid"/>
+                      <a:round/>
+                      <a:headEnd type="none" w="med" len="med"/>
+                      <a:tailEnd type="none" w="med" len="med"/>
+                    </a:lnL>
+                    <a:lnR w="7620" cap="flat" cmpd="sng" algn="ctr">
+                      <a:solidFill>
+                        <a:schemeClr val="bg1"/>
+                      </a:solidFill>
+                      <a:prstDash val="solid"/>
+                      <a:round/>
+                      <a:headEnd type="none" w="med" len="med"/>
+                      <a:tailEnd type="none" w="med" len="med"/>
+                    </a:lnR>
+                    <a:lnT w="7620" cap="flat" cmpd="sng" algn="ctr">
+                      <a:solidFill>
+                        <a:schemeClr val="bg1"/>
+                      </a:solidFill>
+                      <a:prstDash val="solid"/>
+                      <a:round/>
+                      <a:headEnd type="none" w="med" len="med"/>
+                      <a:tailEnd type="none" w="med" len="med"/>
+                    </a:lnT>
+                    <a:lnB w="7620" cap="flat" cmpd="sng" algn="ctr">
+                      <a:solidFill>
+                        <a:schemeClr val="bg1"/>
+                      </a:solidFill>
+                      <a:prstDash val="solid"/>
+                      <a:round/>
+                      <a:headEnd type="none" w="med" len="med"/>
+                      <a:tailEnd type="none" w="med" len="med"/>
+                    </a:lnB>
+                    <a:noFill/>
+                  </a:tcPr>
+                </a:tc>
+                <a:tc>
+                  <a:txBody>
+                    <a:bodyPr/>
+                    <a:lstStyle/>
+                    <a:p>
+                      <a:pPr fontAlgn="t"/>
+                      <a:endParaRPr lang="it-IT" sz="1800">
+                        <a:effectLst/>
+                        <a:latin typeface="Rubik Medium" pitchFamily="2" charset="-79"/>
+                        <a:cs typeface="Rubik Medium" pitchFamily="2" charset="-79"/>
+                      </a:endParaRPr>
+                    </a:p>
+                    <a:p>
+                      <a:pPr algn="r" rtl="0" fontAlgn="base"/>
+                      <a:r>
+                        <a:rPr lang="it-IT" sz="1200" b="1" i="0">
+                          <a:effectLst/>
+                          <a:latin typeface="Rubik Medium" pitchFamily="2" charset="-79"/>
+                          <a:cs typeface="Rubik Medium" pitchFamily="2" charset="-79"/>
+                        </a:rPr>
+                        <a:t>1,170$/month</a:t>
+                      </a:r>
+                      <a:r>
+                        <a:rPr lang="it-IT" sz="1200" b="0" i="0">
+                          <a:effectLst/>
+                          <a:latin typeface="Rubik Medium" pitchFamily="2" charset="-79"/>
+                          <a:cs typeface="Rubik Medium" pitchFamily="2" charset="-79"/>
+                        </a:rPr>
+                        <a:t> </a:t>
+                      </a:r>
+                      <a:endParaRPr lang="it-IT" sz="2800" b="0" i="0">
+                        <a:effectLst/>
+                        <a:latin typeface="Rubik Medium" pitchFamily="2" charset="-79"/>
+                        <a:cs typeface="Rubik Medium" pitchFamily="2" charset="-79"/>
+                      </a:endParaRPr>
+                    </a:p>
+                  </a:txBody>
+                  <a:tcPr marL="31204" marR="31204" marT="15602" marB="15602">
+                    <a:lnL w="7620" cap="flat" cmpd="sng" algn="ctr">
+                      <a:solidFill>
+                        <a:schemeClr val="bg1"/>
+                      </a:solidFill>
+                      <a:prstDash val="solid"/>
+                      <a:round/>
+                      <a:headEnd type="none" w="med" len="med"/>
+                      <a:tailEnd type="none" w="med" len="med"/>
+                    </a:lnL>
+                    <a:lnR w="7620" cap="flat" cmpd="sng" algn="ctr">
+                      <a:solidFill>
+                        <a:schemeClr val="bg1"/>
+                      </a:solidFill>
+                      <a:prstDash val="solid"/>
+                      <a:round/>
+                      <a:headEnd type="none" w="med" len="med"/>
+                      <a:tailEnd type="none" w="med" len="med"/>
+                    </a:lnR>
+                    <a:lnT w="7620" cap="flat" cmpd="sng" algn="ctr">
+                      <a:solidFill>
+                        <a:schemeClr val="bg1"/>
+                      </a:solidFill>
+                      <a:prstDash val="solid"/>
+                      <a:round/>
+                      <a:headEnd type="none" w="med" len="med"/>
+                      <a:tailEnd type="none" w="med" len="med"/>
+                    </a:lnT>
+                    <a:lnB w="7620" cap="flat" cmpd="sng" algn="ctr">
+                      <a:solidFill>
+                        <a:schemeClr val="bg1"/>
+                      </a:solidFill>
+                      <a:prstDash val="solid"/>
+                      <a:round/>
+                      <a:headEnd type="none" w="med" len="med"/>
+                      <a:tailEnd type="none" w="med" len="med"/>
+                    </a:lnB>
+                    <a:noFill/>
+                  </a:tcPr>
+                </a:tc>
+                <a:extLst>
+                  <a:ext uri="{0D108BD9-81ED-4DB2-BD59-A6C34878D82A}">
+                    <a16:rowId xmlns:a16="http://schemas.microsoft.com/office/drawing/2014/main" val="4133430292"/>
+                  </a:ext>
+                </a:extLst>
+              </a:tr>
+              <a:tr h="471941">
+                <a:tc>
+                  <a:txBody>
+                    <a:bodyPr/>
+                    <a:lstStyle/>
+                    <a:p>
+                      <a:pPr fontAlgn="t"/>
+                      <a:endParaRPr lang="it-IT" sz="1800">
+                        <a:effectLst/>
+                        <a:latin typeface="Rubik Medium" pitchFamily="2" charset="-79"/>
+                        <a:cs typeface="Rubik Medium" pitchFamily="2" charset="-79"/>
+                      </a:endParaRPr>
+                    </a:p>
+                    <a:p>
+                      <a:pPr algn="l" rtl="0" fontAlgn="base">
+                        <a:buFont typeface="Arial" panose="020B0604020202020204" pitchFamily="34" charset="0"/>
+                        <a:buChar char="•"/>
+                      </a:pPr>
+                      <a:r>
+                        <a:rPr lang="it-IT" sz="1200" b="1" i="0">
+                          <a:effectLst/>
+                          <a:latin typeface="Rubik Medium" pitchFamily="2" charset="-79"/>
+                          <a:cs typeface="Rubik Medium" pitchFamily="2" charset="-79"/>
+                        </a:rPr>
+                        <a:t>PowerBI</a:t>
+                      </a:r>
+                      <a:r>
+                        <a:rPr lang="it-IT" sz="1000" b="0" i="0">
+                          <a:effectLst/>
+                          <a:latin typeface="Rubik Medium" pitchFamily="2" charset="-79"/>
+                          <a:cs typeface="Rubik Medium" pitchFamily="2" charset="-79"/>
+                        </a:rPr>
+                        <a:t> </a:t>
+                      </a:r>
+                    </a:p>
+                  </a:txBody>
+                  <a:tcPr marL="31204" marR="31204" marT="15602" marB="15602">
+                    <a:lnL w="7620" cap="flat" cmpd="sng" algn="ctr">
+                      <a:solidFill>
+                        <a:schemeClr val="bg1"/>
+                      </a:solidFill>
+                      <a:prstDash val="solid"/>
+                      <a:round/>
+                      <a:headEnd type="none" w="med" len="med"/>
+                      <a:tailEnd type="none" w="med" len="med"/>
+                    </a:lnL>
+                    <a:lnR w="7620" cap="flat" cmpd="sng" algn="ctr">
+                      <a:solidFill>
+                        <a:schemeClr val="bg1"/>
+                      </a:solidFill>
+                      <a:prstDash val="solid"/>
+                      <a:round/>
+                      <a:headEnd type="none" w="med" len="med"/>
+                      <a:tailEnd type="none" w="med" len="med"/>
+                    </a:lnR>
+                    <a:lnT w="7620" cap="flat" cmpd="sng" algn="ctr">
+                      <a:solidFill>
+                        <a:schemeClr val="bg1"/>
+                      </a:solidFill>
+                      <a:prstDash val="solid"/>
+                      <a:round/>
+                      <a:headEnd type="none" w="med" len="med"/>
+                      <a:tailEnd type="none" w="med" len="med"/>
+                    </a:lnT>
+                    <a:lnB w="7620" cap="flat" cmpd="sng" algn="ctr">
+                      <a:solidFill>
+                        <a:schemeClr val="bg1"/>
+                      </a:solidFill>
+                      <a:prstDash val="solid"/>
+                      <a:round/>
+                      <a:headEnd type="none" w="med" len="med"/>
+                      <a:tailEnd type="none" w="med" len="med"/>
+                    </a:lnB>
+                    <a:noFill/>
+                  </a:tcPr>
+                </a:tc>
+                <a:tc>
+                  <a:txBody>
+                    <a:bodyPr/>
+                    <a:lstStyle/>
+                    <a:p>
+                      <a:pPr fontAlgn="t"/>
+                      <a:endParaRPr lang="it-IT" sz="1800">
+                        <a:effectLst/>
+                        <a:latin typeface="Rubik Medium" pitchFamily="2" charset="-79"/>
+                        <a:cs typeface="Rubik Medium" pitchFamily="2" charset="-79"/>
+                      </a:endParaRPr>
+                    </a:p>
+                    <a:p>
+                      <a:pPr algn="r" rtl="0" fontAlgn="base"/>
+                      <a:r>
+                        <a:rPr lang="it-IT" sz="1200" b="1" i="0">
+                          <a:effectLst/>
+                          <a:latin typeface="Rubik Medium" pitchFamily="2" charset="-79"/>
+                          <a:cs typeface="Rubik Medium" pitchFamily="2" charset="-79"/>
+                        </a:rPr>
+                        <a:t>5,000$/month</a:t>
+                      </a:r>
+                      <a:r>
+                        <a:rPr lang="it-IT" sz="1200" b="0" i="0">
+                          <a:effectLst/>
+                          <a:latin typeface="Rubik Medium" pitchFamily="2" charset="-79"/>
+                          <a:cs typeface="Rubik Medium" pitchFamily="2" charset="-79"/>
+                        </a:rPr>
+                        <a:t> </a:t>
+                      </a:r>
+                      <a:endParaRPr lang="it-IT" sz="2800" b="0" i="0">
+                        <a:effectLst/>
+                        <a:latin typeface="Rubik Medium" pitchFamily="2" charset="-79"/>
+                        <a:cs typeface="Rubik Medium" pitchFamily="2" charset="-79"/>
+                      </a:endParaRPr>
+                    </a:p>
+                  </a:txBody>
+                  <a:tcPr marL="31204" marR="31204" marT="15602" marB="15602">
+                    <a:lnL w="7620" cap="flat" cmpd="sng" algn="ctr">
+                      <a:solidFill>
+                        <a:schemeClr val="bg1"/>
+                      </a:solidFill>
+                      <a:prstDash val="solid"/>
+                      <a:round/>
+                      <a:headEnd type="none" w="med" len="med"/>
+                      <a:tailEnd type="none" w="med" len="med"/>
+                    </a:lnL>
+                    <a:lnR w="7620" cap="flat" cmpd="sng" algn="ctr">
+                      <a:solidFill>
+                        <a:schemeClr val="bg1"/>
+                      </a:solidFill>
+                      <a:prstDash val="solid"/>
+                      <a:round/>
+                      <a:headEnd type="none" w="med" len="med"/>
+                      <a:tailEnd type="none" w="med" len="med"/>
+                    </a:lnR>
+                    <a:lnT w="7620" cap="flat" cmpd="sng" algn="ctr">
+                      <a:solidFill>
+                        <a:schemeClr val="bg1"/>
+                      </a:solidFill>
+                      <a:prstDash val="solid"/>
+                      <a:round/>
+                      <a:headEnd type="none" w="med" len="med"/>
+                      <a:tailEnd type="none" w="med" len="med"/>
+                    </a:lnT>
+                    <a:lnB w="7620" cap="flat" cmpd="sng" algn="ctr">
+                      <a:solidFill>
+                        <a:schemeClr val="bg1"/>
+                      </a:solidFill>
+                      <a:prstDash val="solid"/>
+                      <a:round/>
+                      <a:headEnd type="none" w="med" len="med"/>
+                      <a:tailEnd type="none" w="med" len="med"/>
+                    </a:lnB>
+                    <a:noFill/>
+                  </a:tcPr>
+                </a:tc>
+                <a:extLst>
+                  <a:ext uri="{0D108BD9-81ED-4DB2-BD59-A6C34878D82A}">
+                    <a16:rowId xmlns:a16="http://schemas.microsoft.com/office/drawing/2014/main" val="545964190"/>
+                  </a:ext>
+                </a:extLst>
+              </a:tr>
+              <a:tr h="471941">
+                <a:tc>
+                  <a:txBody>
+                    <a:bodyPr/>
+                    <a:lstStyle/>
+                    <a:p>
+                      <a:pPr fontAlgn="t"/>
+                      <a:endParaRPr lang="it-IT" sz="1800">
+                        <a:effectLst/>
+                        <a:latin typeface="Rubik Medium" pitchFamily="2" charset="-79"/>
+                        <a:cs typeface="Rubik Medium" pitchFamily="2" charset="-79"/>
+                      </a:endParaRPr>
+                    </a:p>
+                    <a:p>
+                      <a:pPr algn="l" rtl="0" fontAlgn="base">
+                        <a:buFont typeface="Arial" panose="020B0604020202020204" pitchFamily="34" charset="0"/>
+                        <a:buChar char="•"/>
+                      </a:pPr>
+                      <a:r>
+                        <a:rPr lang="it-IT" sz="1200" b="1" i="0">
+                          <a:effectLst/>
+                          <a:latin typeface="Rubik Medium" pitchFamily="2" charset="-79"/>
+                          <a:cs typeface="Rubik Medium" pitchFamily="2" charset="-79"/>
+                        </a:rPr>
+                        <a:t>Additional Dataset</a:t>
+                      </a:r>
+                      <a:r>
+                        <a:rPr lang="it-IT" sz="1200" b="0" i="0">
+                          <a:effectLst/>
+                          <a:latin typeface="Rubik Medium" pitchFamily="2" charset="-79"/>
+                          <a:cs typeface="Rubik Medium" pitchFamily="2" charset="-79"/>
+                        </a:rPr>
+                        <a:t> </a:t>
+                      </a:r>
+                    </a:p>
+                  </a:txBody>
+                  <a:tcPr marL="31204" marR="31204" marT="15602" marB="15602">
+                    <a:lnL w="7620" cap="flat" cmpd="sng" algn="ctr">
+                      <a:solidFill>
+                        <a:schemeClr val="bg1"/>
+                      </a:solidFill>
+                      <a:prstDash val="solid"/>
+                      <a:round/>
+                      <a:headEnd type="none" w="med" len="med"/>
+                      <a:tailEnd type="none" w="med" len="med"/>
+                    </a:lnL>
+                    <a:lnR w="7620" cap="flat" cmpd="sng" algn="ctr">
+                      <a:solidFill>
+                        <a:schemeClr val="bg1"/>
+                      </a:solidFill>
+                      <a:prstDash val="solid"/>
+                      <a:round/>
+                      <a:headEnd type="none" w="med" len="med"/>
+                      <a:tailEnd type="none" w="med" len="med"/>
+                    </a:lnR>
+                    <a:lnT w="7620" cap="flat" cmpd="sng" algn="ctr">
+                      <a:solidFill>
+                        <a:schemeClr val="bg1"/>
+                      </a:solidFill>
+                      <a:prstDash val="solid"/>
+                      <a:round/>
+                      <a:headEnd type="none" w="med" len="med"/>
+                      <a:tailEnd type="none" w="med" len="med"/>
+                    </a:lnT>
+                    <a:lnB w="7620" cap="flat" cmpd="sng" algn="ctr">
+                      <a:solidFill>
+                        <a:schemeClr val="bg1"/>
+                      </a:solidFill>
+                      <a:prstDash val="solid"/>
+                      <a:round/>
+                      <a:headEnd type="none" w="med" len="med"/>
+                      <a:tailEnd type="none" w="med" len="med"/>
+                    </a:lnB>
+                    <a:noFill/>
+                  </a:tcPr>
+                </a:tc>
+                <a:tc>
+                  <a:txBody>
+                    <a:bodyPr/>
+                    <a:lstStyle/>
+                    <a:p>
+                      <a:pPr fontAlgn="t"/>
+                      <a:endParaRPr lang="it-IT" sz="1800">
+                        <a:effectLst/>
+                        <a:latin typeface="Rubik Medium" pitchFamily="2" charset="-79"/>
+                        <a:cs typeface="Rubik Medium" pitchFamily="2" charset="-79"/>
+                      </a:endParaRPr>
+                    </a:p>
+                    <a:p>
+                      <a:pPr algn="r" rtl="0" fontAlgn="base"/>
+                      <a:r>
+                        <a:rPr lang="it-IT" sz="1200" b="1" i="0">
+                          <a:effectLst/>
+                          <a:latin typeface="Rubik Medium" pitchFamily="2" charset="-79"/>
+                          <a:cs typeface="Rubik Medium" pitchFamily="2" charset="-79"/>
+                        </a:rPr>
+                        <a:t>2,000$</a:t>
+                      </a:r>
+                      <a:r>
+                        <a:rPr lang="it-IT" sz="1200" b="0" i="0">
+                          <a:effectLst/>
+                          <a:latin typeface="Rubik Medium" pitchFamily="2" charset="-79"/>
+                          <a:cs typeface="Rubik Medium" pitchFamily="2" charset="-79"/>
+                        </a:rPr>
+                        <a:t> </a:t>
+                      </a:r>
+                      <a:endParaRPr lang="it-IT" sz="2800" b="0" i="0">
+                        <a:effectLst/>
+                        <a:latin typeface="Rubik Medium" pitchFamily="2" charset="-79"/>
+                        <a:cs typeface="Rubik Medium" pitchFamily="2" charset="-79"/>
+                      </a:endParaRPr>
+                    </a:p>
+                  </a:txBody>
+                  <a:tcPr marL="31204" marR="31204" marT="15602" marB="15602">
+                    <a:lnL w="7620" cap="flat" cmpd="sng" algn="ctr">
+                      <a:solidFill>
+                        <a:schemeClr val="bg1"/>
+                      </a:solidFill>
+                      <a:prstDash val="solid"/>
+                      <a:round/>
+                      <a:headEnd type="none" w="med" len="med"/>
+                      <a:tailEnd type="none" w="med" len="med"/>
+                    </a:lnL>
+                    <a:lnR w="7620" cap="flat" cmpd="sng" algn="ctr">
+                      <a:solidFill>
+                        <a:schemeClr val="bg1"/>
+                      </a:solidFill>
+                      <a:prstDash val="solid"/>
+                      <a:round/>
+                      <a:headEnd type="none" w="med" len="med"/>
+                      <a:tailEnd type="none" w="med" len="med"/>
+                    </a:lnR>
+                    <a:lnT w="7620" cap="flat" cmpd="sng" algn="ctr">
+                      <a:solidFill>
+                        <a:schemeClr val="bg1"/>
+                      </a:solidFill>
+                      <a:prstDash val="solid"/>
+                      <a:round/>
+                      <a:headEnd type="none" w="med" len="med"/>
+                      <a:tailEnd type="none" w="med" len="med"/>
+                    </a:lnT>
+                    <a:lnB w="7620" cap="flat" cmpd="sng" algn="ctr">
+                      <a:solidFill>
+                        <a:schemeClr val="bg1"/>
+                      </a:solidFill>
+                      <a:prstDash val="solid"/>
+                      <a:round/>
+                      <a:headEnd type="none" w="med" len="med"/>
+                      <a:tailEnd type="none" w="med" len="med"/>
+                    </a:lnB>
+                    <a:noFill/>
+                  </a:tcPr>
+                </a:tc>
+                <a:extLst>
+                  <a:ext uri="{0D108BD9-81ED-4DB2-BD59-A6C34878D82A}">
+                    <a16:rowId xmlns:a16="http://schemas.microsoft.com/office/drawing/2014/main" val="4158783584"/>
+                  </a:ext>
+                </a:extLst>
+              </a:tr>
+              <a:tr h="589751">
+                <a:tc>
+                  <a:txBody>
+                    <a:bodyPr/>
+                    <a:lstStyle/>
+                    <a:p>
+                      <a:pPr fontAlgn="t"/>
+                      <a:endParaRPr lang="it-IT" sz="1800">
+                        <a:effectLst/>
+                        <a:latin typeface="Rubik Medium" pitchFamily="2" charset="-79"/>
+                        <a:cs typeface="Rubik Medium" pitchFamily="2" charset="-79"/>
+                      </a:endParaRPr>
+                    </a:p>
+                    <a:p>
+                      <a:pPr algn="r" rtl="0" fontAlgn="base"/>
+                      <a:r>
+                        <a:rPr lang="it-IT" sz="1200" b="1" i="0">
+                          <a:effectLst/>
+                          <a:latin typeface="Rubik Medium" pitchFamily="2" charset="-79"/>
+                          <a:cs typeface="Rubik Medium" pitchFamily="2" charset="-79"/>
+                        </a:rPr>
+                        <a:t>Total</a:t>
+                      </a:r>
+                      <a:r>
+                        <a:rPr lang="it-IT" sz="1200" b="0" i="0">
+                          <a:effectLst/>
+                          <a:latin typeface="Rubik Medium" pitchFamily="2" charset="-79"/>
+                          <a:cs typeface="Rubik Medium" pitchFamily="2" charset="-79"/>
+                        </a:rPr>
+                        <a:t> </a:t>
+                      </a:r>
+                      <a:endParaRPr lang="it-IT" sz="2800" b="0" i="0">
+                        <a:effectLst/>
+                        <a:latin typeface="Rubik Medium" pitchFamily="2" charset="-79"/>
+                        <a:cs typeface="Rubik Medium" pitchFamily="2" charset="-79"/>
+                      </a:endParaRPr>
+                    </a:p>
+                  </a:txBody>
+                  <a:tcPr marL="31204" marR="31204" marT="15602" marB="15602">
+                    <a:lnL w="7620" cap="flat" cmpd="sng" algn="ctr">
+                      <a:solidFill>
+                        <a:schemeClr val="bg1"/>
+                      </a:solidFill>
+                      <a:prstDash val="solid"/>
+                      <a:round/>
+                      <a:headEnd type="none" w="med" len="med"/>
+                      <a:tailEnd type="none" w="med" len="med"/>
+                    </a:lnL>
+                    <a:lnR w="7620" cap="flat" cmpd="sng" algn="ctr">
+                      <a:solidFill>
+                        <a:schemeClr val="bg1"/>
+                      </a:solidFill>
+                      <a:prstDash val="solid"/>
+                      <a:round/>
+                      <a:headEnd type="none" w="med" len="med"/>
+                      <a:tailEnd type="none" w="med" len="med"/>
+                    </a:lnR>
+                    <a:lnT w="7620" cap="flat" cmpd="sng" algn="ctr">
+                      <a:solidFill>
+                        <a:schemeClr val="bg1"/>
+                      </a:solidFill>
+                      <a:prstDash val="solid"/>
+                      <a:round/>
+                      <a:headEnd type="none" w="med" len="med"/>
+                      <a:tailEnd type="none" w="med" len="med"/>
+                    </a:lnT>
+                    <a:lnB w="7620" cap="flat" cmpd="sng" algn="ctr">
+                      <a:solidFill>
+                        <a:schemeClr val="bg1"/>
+                      </a:solidFill>
+                      <a:prstDash val="solid"/>
+                      <a:round/>
+                      <a:headEnd type="none" w="med" len="med"/>
+                      <a:tailEnd type="none" w="med" len="med"/>
+                    </a:lnB>
+                    <a:noFill/>
+                  </a:tcPr>
+                </a:tc>
+                <a:tc>
+                  <a:txBody>
+                    <a:bodyPr/>
+                    <a:lstStyle/>
+                    <a:p>
+                      <a:pPr fontAlgn="t"/>
+                      <a:endParaRPr lang="it-IT" sz="1800">
+                        <a:effectLst/>
+                        <a:latin typeface="Rubik Medium" pitchFamily="2" charset="-79"/>
+                        <a:cs typeface="Rubik Medium" pitchFamily="2" charset="-79"/>
+                      </a:endParaRPr>
+                    </a:p>
+                    <a:p>
+                      <a:pPr algn="r" rtl="0" fontAlgn="base"/>
+                      <a:r>
+                        <a:rPr lang="it-IT" sz="2000" b="1" i="0">
+                          <a:effectLst/>
+                          <a:latin typeface="Rubik Medium" pitchFamily="2" charset="-79"/>
+                          <a:cs typeface="Rubik Medium" pitchFamily="2" charset="-79"/>
+                        </a:rPr>
+                        <a:t>25.400$</a:t>
+                      </a:r>
+                      <a:r>
+                        <a:rPr lang="it-IT" sz="2000" b="0" i="0">
+                          <a:effectLst/>
+                          <a:latin typeface="Rubik Medium" pitchFamily="2" charset="-79"/>
+                          <a:cs typeface="Rubik Medium" pitchFamily="2" charset="-79"/>
+                        </a:rPr>
+                        <a:t> </a:t>
+                      </a:r>
+                    </a:p>
+                  </a:txBody>
+                  <a:tcPr marL="31204" marR="31204" marT="15602" marB="15602">
+                    <a:lnL w="7620" cap="flat" cmpd="sng" algn="ctr">
+                      <a:solidFill>
+                        <a:schemeClr val="bg1"/>
+                      </a:solidFill>
+                      <a:prstDash val="solid"/>
+                      <a:round/>
+                      <a:headEnd type="none" w="med" len="med"/>
+                      <a:tailEnd type="none" w="med" len="med"/>
+                    </a:lnL>
+                    <a:lnR w="7620" cap="flat" cmpd="sng" algn="ctr">
+                      <a:solidFill>
+                        <a:schemeClr val="bg1"/>
+                      </a:solidFill>
+                      <a:prstDash val="solid"/>
+                      <a:round/>
+                      <a:headEnd type="none" w="med" len="med"/>
+                      <a:tailEnd type="none" w="med" len="med"/>
+                    </a:lnR>
+                    <a:lnT w="7620" cap="flat" cmpd="sng" algn="ctr">
+                      <a:solidFill>
+                        <a:schemeClr val="bg1"/>
+                      </a:solidFill>
+                      <a:prstDash val="solid"/>
+                      <a:round/>
+                      <a:headEnd type="none" w="med" len="med"/>
+                      <a:tailEnd type="none" w="med" len="med"/>
+                    </a:lnT>
+                    <a:lnB w="7620" cap="flat" cmpd="sng" algn="ctr">
+                      <a:solidFill>
+                        <a:schemeClr val="bg1"/>
+                      </a:solidFill>
+                      <a:prstDash val="solid"/>
+                      <a:round/>
+                      <a:headEnd type="none" w="med" len="med"/>
+                      <a:tailEnd type="none" w="med" len="med"/>
+                    </a:lnB>
+                    <a:noFill/>
+                  </a:tcPr>
+                </a:tc>
+                <a:extLst>
+                  <a:ext uri="{0D108BD9-81ED-4DB2-BD59-A6C34878D82A}">
+                    <a16:rowId xmlns:a16="http://schemas.microsoft.com/office/drawing/2014/main" val="3895548806"/>
+                  </a:ext>
+                </a:extLst>
+              </a:tr>
+            </a:tbl>
+          </a:graphicData>
+        </a:graphic>
+      </p:graphicFrame>
+      <p:sp>
+        <p:nvSpPr>
+          <p:cNvPr id="2" name="Titolo 1">
+            <a:extLst>
+              <a:ext uri="{FF2B5EF4-FFF2-40B4-BE49-F238E27FC236}">
+                <a16:creationId xmlns:a16="http://schemas.microsoft.com/office/drawing/2014/main" id="{C5F3C728-D45B-16B0-715C-A30E4A08AC19}"/>
+              </a:ext>
+            </a:extLst>
+          </p:cNvPr>
+          <p:cNvSpPr>
+            <a:spLocks noGrp="1"/>
+          </p:cNvSpPr>
+          <p:nvPr>
+            <p:ph type="title"/>
+          </p:nvPr>
+        </p:nvSpPr>
+        <p:spPr>
+          <a:xfrm>
+            <a:off x="1792288" y="1237321"/>
+            <a:ext cx="8624887" cy="927328"/>
+          </a:xfrm>
+          <a:prstGeom prst="ellipse">
+            <a:avLst/>
+          </a:prstGeom>
+          <a:noFill/>
+          <a:ln>
+            <a:noFill/>
+          </a:ln>
+        </p:spPr>
+        <p:txBody>
+          <a:bodyPr vert="horz" lIns="274320" tIns="182880" rIns="274320" bIns="182880" rtlCol="0" anchorCtr="1">
+            <a:noAutofit/>
+          </a:bodyPr>
+          <a:lstStyle/>
+          <a:p>
+            <a:r>
+              <a:rPr lang="en-US" sz="3200">
+                <a:solidFill>
+                  <a:srgbClr val="F24162"/>
+                </a:solidFill>
+                <a:effectLst>
+                  <a:outerShdw blurRad="38100" dist="38100" dir="2700000" algn="tl">
+                    <a:srgbClr val="000000">
+                      <a:alpha val="43137"/>
+                    </a:srgbClr>
+                  </a:outerShdw>
+                </a:effectLst>
+                <a:latin typeface="Rubik Medium" pitchFamily="2" charset="-79"/>
+                <a:cs typeface="Rubik Medium" pitchFamily="2" charset="-79"/>
+              </a:rPr>
+              <a:t>Estimated Costs</a:t>
+            </a:r>
+          </a:p>
+        </p:txBody>
+      </p:sp>
+    </p:spTree>
+    <p:extLst>
+      <p:ext uri="{BB962C8B-B14F-4D97-AF65-F5344CB8AC3E}">
+        <p14:creationId xmlns:p14="http://schemas.microsoft.com/office/powerpoint/2010/main" val="2227496460"/>
       </p:ext>
     </p:extLst>
   </p:cSld>
@@ -28256,6 +28271,23 @@
 </file>
 
 <file path=customXml/item1.xml><?xml version="1.0" encoding="utf-8"?>
+<p:properties xmlns:p="http://schemas.microsoft.com/office/2006/metadata/properties" xmlns:xsi="http://www.w3.org/2001/XMLSchema-instance" xmlns:pc="http://schemas.microsoft.com/office/infopath/2007/PartnerControls">
+  <documentManagement>
+    <_activity xmlns="b8089c54-133a-4c97-a02f-e7f07812f79e" xsi:nil="true"/>
+  </documentManagement>
+</p:properties>
+</file>
+
+<file path=customXml/item2.xml><?xml version="1.0" encoding="utf-8"?>
+<?mso-contentType ?>
+<FormTemplates xmlns="http://schemas.microsoft.com/sharepoint/v3/contenttype/forms">
+  <Display>DocumentLibraryForm</Display>
+  <Edit>DocumentLibraryForm</Edit>
+  <New>DocumentLibraryForm</New>
+</FormTemplates>
+</file>
+
+<file path=customXml/item3.xml><?xml version="1.0" encoding="utf-8"?>
 <ct:contentTypeSchema xmlns:ct="http://schemas.microsoft.com/office/2006/metadata/contentType" xmlns:ma="http://schemas.microsoft.com/office/2006/metadata/properties/metaAttributes" ct:_="" ma:_="" ma:contentTypeName="Documento" ma:contentTypeID="0x0101002F3C0293AB6FA44389C4C6E659FCCD58" ma:contentTypeVersion="10" ma:contentTypeDescription="Creare un nuovo documento." ma:contentTypeScope="" ma:versionID="68172710f24de4bc7c04be446b2713e5">
   <xsd:schema xmlns:xsd="http://www.w3.org/2001/XMLSchema" xmlns:xs="http://www.w3.org/2001/XMLSchema" xmlns:p="http://schemas.microsoft.com/office/2006/metadata/properties" xmlns:ns3="72152f1b-5227-4514-bd7b-998a9820cf2a" xmlns:ns4="b8089c54-133a-4c97-a02f-e7f07812f79e" targetNamespace="http://schemas.microsoft.com/office/2006/metadata/properties" ma:root="true" ma:fieldsID="877c09e9cd1afc83390a18fdfda44e49" ns3:_="" ns4:_="">
     <xsd:import namespace="72152f1b-5227-4514-bd7b-998a9820cf2a"/>
@@ -28458,24 +28490,32 @@
 </ct:contentTypeSchema>
 </file>
 
-<file path=customXml/item2.xml><?xml version="1.0" encoding="utf-8"?>
-<?mso-contentType ?>
-<FormTemplates xmlns="http://schemas.microsoft.com/sharepoint/v3/contenttype/forms">
-  <Display>DocumentLibraryForm</Display>
-  <Edit>DocumentLibraryForm</Edit>
-  <New>DocumentLibraryForm</New>
-</FormTemplates>
+<file path=customXml/itemProps1.xml><?xml version="1.0" encoding="utf-8"?>
+<ds:datastoreItem xmlns:ds="http://schemas.openxmlformats.org/officeDocument/2006/customXml" ds:itemID="{5711E17F-5C4A-457B-A22B-BEA401E8FE9B}">
+  <ds:schemaRefs>
+    <ds:schemaRef ds:uri="72152f1b-5227-4514-bd7b-998a9820cf2a"/>
+    <ds:schemaRef ds:uri="b8089c54-133a-4c97-a02f-e7f07812f79e"/>
+    <ds:schemaRef ds:uri="http://purl.org/dc/dcmitype/"/>
+    <ds:schemaRef ds:uri="http://purl.org/dc/elements/1.1/"/>
+    <ds:schemaRef ds:uri="http://purl.org/dc/terms/"/>
+    <ds:schemaRef ds:uri="http://schemas.microsoft.com/office/2006/documentManagement/types"/>
+    <ds:schemaRef ds:uri="http://schemas.microsoft.com/office/2006/metadata/properties"/>
+    <ds:schemaRef ds:uri="http://schemas.microsoft.com/office/infopath/2007/PartnerControls"/>
+    <ds:schemaRef ds:uri="http://schemas.openxmlformats.org/package/2006/metadata/core-properties"/>
+    <ds:schemaRef ds:uri="http://www.w3.org/XML/1998/namespace"/>
+  </ds:schemaRefs>
+</ds:datastoreItem>
 </file>
 
-<file path=customXml/item3.xml><?xml version="1.0" encoding="utf-8"?>
-<p:properties xmlns:p="http://schemas.microsoft.com/office/2006/metadata/properties" xmlns:xsi="http://www.w3.org/2001/XMLSchema-instance" xmlns:pc="http://schemas.microsoft.com/office/infopath/2007/PartnerControls">
-  <documentManagement>
-    <_activity xmlns="b8089c54-133a-4c97-a02f-e7f07812f79e" xsi:nil="true"/>
-  </documentManagement>
-</p:properties>
+<file path=customXml/itemProps2.xml><?xml version="1.0" encoding="utf-8"?>
+<ds:datastoreItem xmlns:ds="http://schemas.openxmlformats.org/officeDocument/2006/customXml" ds:itemID="{F0F7E25A-12A7-462E-B7BA-6FE2009F0293}">
+  <ds:schemaRefs>
+    <ds:schemaRef ds:uri="http://schemas.microsoft.com/sharepoint/v3/contenttype/forms"/>
+  </ds:schemaRefs>
+</ds:datastoreItem>
 </file>
 
-<file path=customXml/itemProps1.xml><?xml version="1.0" encoding="utf-8"?>
+<file path=customXml/itemProps3.xml><?xml version="1.0" encoding="utf-8"?>
 <ds:datastoreItem xmlns:ds="http://schemas.openxmlformats.org/officeDocument/2006/customXml" ds:itemID="{FE65109F-BC37-4260-AD33-A6ECF3CC26B7}">
   <ds:schemaRefs>
     <ds:schemaRef ds:uri="72152f1b-5227-4514-bd7b-998a9820cf2a"/>
@@ -28492,29 +28532,4 @@
     <ds:schemaRef ds:uri="http://www.w3.org/2001/XMLSchema"/>
   </ds:schemaRefs>
 </ds:datastoreItem>
-</file>
-
-<file path=customXml/itemProps2.xml><?xml version="1.0" encoding="utf-8"?>
-<ds:datastoreItem xmlns:ds="http://schemas.openxmlformats.org/officeDocument/2006/customXml" ds:itemID="{F0F7E25A-12A7-462E-B7BA-6FE2009F0293}">
-  <ds:schemaRefs>
-    <ds:schemaRef ds:uri="http://schemas.microsoft.com/sharepoint/v3/contenttype/forms"/>
-  </ds:schemaRefs>
-</ds:datastoreItem>
-</file>
-
-<file path=customXml/itemProps3.xml><?xml version="1.0" encoding="utf-8"?>
-<ds:datastoreItem xmlns:ds="http://schemas.openxmlformats.org/officeDocument/2006/customXml" ds:itemID="{5711E17F-5C4A-457B-A22B-BEA401E8FE9B}">
-  <ds:schemaRefs>
-    <ds:schemaRef ds:uri="72152f1b-5227-4514-bd7b-998a9820cf2a"/>
-    <ds:schemaRef ds:uri="b8089c54-133a-4c97-a02f-e7f07812f79e"/>
-    <ds:schemaRef ds:uri="http://purl.org/dc/dcmitype/"/>
-    <ds:schemaRef ds:uri="http://purl.org/dc/elements/1.1/"/>
-    <ds:schemaRef ds:uri="http://purl.org/dc/terms/"/>
-    <ds:schemaRef ds:uri="http://schemas.microsoft.com/office/2006/documentManagement/types"/>
-    <ds:schemaRef ds:uri="http://schemas.microsoft.com/office/2006/metadata/properties"/>
-    <ds:schemaRef ds:uri="http://schemas.microsoft.com/office/infopath/2007/PartnerControls"/>
-    <ds:schemaRef ds:uri="http://schemas.openxmlformats.org/package/2006/metadata/core-properties"/>
-    <ds:schemaRef ds:uri="http://www.w3.org/XML/1998/namespace"/>
-  </ds:schemaRefs>
-</ds:datastoreItem>
 </file>
--- a/Final_Offer/Performance_Presentation.pptx
+++ b/Final_Offer/Performance_Presentation.pptx
@@ -1580,6 +1580,1149 @@
     </pc:docChg>
   </pc:docChgLst>
   <pc:docChgLst>
+    <pc:chgData name="Mattia Micheli" userId="9230a64d-4596-4adf-a715-5ed28f577a01" providerId="ADAL" clId="{7028311B-C411-4A5B-978F-CDAEBBA96ABB}"/>
+    <pc:docChg chg="undo custSel addSld delSld modSld addMainMaster delMainMaster">
+      <pc:chgData name="Mattia Micheli" userId="9230a64d-4596-4adf-a715-5ed28f577a01" providerId="ADAL" clId="{7028311B-C411-4A5B-978F-CDAEBBA96ABB}" dt="2022-12-11T15:26:21.043" v="179" actId="27636"/>
+      <pc:docMkLst>
+        <pc:docMk/>
+      </pc:docMkLst>
+      <pc:sldChg chg="addSp delSp modSp mod setBg modClrScheme delDesignElem chgLayout">
+        <pc:chgData name="Mattia Micheli" userId="9230a64d-4596-4adf-a715-5ed28f577a01" providerId="ADAL" clId="{7028311B-C411-4A5B-978F-CDAEBBA96ABB}" dt="2022-12-11T15:15:03.126" v="110" actId="2711"/>
+        <pc:sldMkLst>
+          <pc:docMk/>
+          <pc:sldMk cId="322803886" sldId="256"/>
+        </pc:sldMkLst>
+        <pc:spChg chg="del">
+          <ac:chgData name="Mattia Micheli" userId="9230a64d-4596-4adf-a715-5ed28f577a01" providerId="ADAL" clId="{7028311B-C411-4A5B-978F-CDAEBBA96ABB}" dt="2022-12-11T14:53:16.833" v="0" actId="478"/>
+          <ac:spMkLst>
+            <pc:docMk/>
+            <pc:sldMk cId="322803886" sldId="256"/>
+            <ac:spMk id="2" creationId="{34CF7589-775F-D292-AA4E-6EAFD6EF1562}"/>
+          </ac:spMkLst>
+        </pc:spChg>
+        <pc:spChg chg="mod ord">
+          <ac:chgData name="Mattia Micheli" userId="9230a64d-4596-4adf-a715-5ed28f577a01" providerId="ADAL" clId="{7028311B-C411-4A5B-978F-CDAEBBA96ABB}" dt="2022-12-11T15:15:03.126" v="110" actId="2711"/>
+          <ac:spMkLst>
+            <pc:docMk/>
+            <pc:sldMk cId="322803886" sldId="256"/>
+            <ac:spMk id="3" creationId="{2F1093C1-E10B-213C-5A37-AE8056C1BB6E}"/>
+          </ac:spMkLst>
+        </pc:spChg>
+        <pc:spChg chg="add del">
+          <ac:chgData name="Mattia Micheli" userId="9230a64d-4596-4adf-a715-5ed28f577a01" providerId="ADAL" clId="{7028311B-C411-4A5B-978F-CDAEBBA96ABB}" dt="2022-12-11T14:54:31.923" v="2" actId="26606"/>
+          <ac:spMkLst>
+            <pc:docMk/>
+            <pc:sldMk cId="322803886" sldId="256"/>
+            <ac:spMk id="13" creationId="{55B419A7-F817-4767-8CCB-FB0E189C4ACD}"/>
+          </ac:spMkLst>
+        </pc:spChg>
+        <pc:spChg chg="add del">
+          <ac:chgData name="Mattia Micheli" userId="9230a64d-4596-4adf-a715-5ed28f577a01" providerId="ADAL" clId="{7028311B-C411-4A5B-978F-CDAEBBA96ABB}" dt="2022-12-11T14:54:31.923" v="2" actId="26606"/>
+          <ac:spMkLst>
+            <pc:docMk/>
+            <pc:sldMk cId="322803886" sldId="256"/>
+            <ac:spMk id="17" creationId="{ADA271CD-3011-4A05-B4A3-80F1794684F2}"/>
+          </ac:spMkLst>
+        </pc:spChg>
+        <pc:spChg chg="add del">
+          <ac:chgData name="Mattia Micheli" userId="9230a64d-4596-4adf-a715-5ed28f577a01" providerId="ADAL" clId="{7028311B-C411-4A5B-978F-CDAEBBA96ABB}" dt="2022-12-11T14:54:39.629" v="4" actId="26606"/>
+          <ac:spMkLst>
+            <pc:docMk/>
+            <pc:sldMk cId="322803886" sldId="256"/>
+            <ac:spMk id="19" creationId="{03C2051E-A88D-48E5-BACF-AAED17892722}"/>
+          </ac:spMkLst>
+        </pc:spChg>
+        <pc:spChg chg="add del">
+          <ac:chgData name="Mattia Micheli" userId="9230a64d-4596-4adf-a715-5ed28f577a01" providerId="ADAL" clId="{7028311B-C411-4A5B-978F-CDAEBBA96ABB}" dt="2022-12-11T14:54:39.629" v="4" actId="26606"/>
+          <ac:spMkLst>
+            <pc:docMk/>
+            <pc:sldMk cId="322803886" sldId="256"/>
+            <ac:spMk id="20" creationId="{362D44EE-C852-4460-B8B5-C4F2BC20510C}"/>
+          </ac:spMkLst>
+        </pc:spChg>
+        <pc:spChg chg="add del">
+          <ac:chgData name="Mattia Micheli" userId="9230a64d-4596-4adf-a715-5ed28f577a01" providerId="ADAL" clId="{7028311B-C411-4A5B-978F-CDAEBBA96ABB}" dt="2022-12-11T14:54:39.629" v="4" actId="26606"/>
+          <ac:spMkLst>
+            <pc:docMk/>
+            <pc:sldMk cId="322803886" sldId="256"/>
+            <ac:spMk id="21" creationId="{7821A508-2985-4905-874A-527429BAABFA}"/>
+          </ac:spMkLst>
+        </pc:spChg>
+        <pc:spChg chg="add del">
+          <ac:chgData name="Mattia Micheli" userId="9230a64d-4596-4adf-a715-5ed28f577a01" providerId="ADAL" clId="{7028311B-C411-4A5B-978F-CDAEBBA96ABB}" dt="2022-12-11T14:54:39.629" v="4" actId="26606"/>
+          <ac:spMkLst>
+            <pc:docMk/>
+            <pc:sldMk cId="322803886" sldId="256"/>
+            <ac:spMk id="22" creationId="{658970D8-8D1D-4B5C-894B-E871CC86543D}"/>
+          </ac:spMkLst>
+        </pc:spChg>
+        <pc:spChg chg="add del">
+          <ac:chgData name="Mattia Micheli" userId="9230a64d-4596-4adf-a715-5ed28f577a01" providerId="ADAL" clId="{7028311B-C411-4A5B-978F-CDAEBBA96ABB}" dt="2022-12-11T14:54:39.629" v="4" actId="26606"/>
+          <ac:spMkLst>
+            <pc:docMk/>
+            <pc:sldMk cId="322803886" sldId="256"/>
+            <ac:spMk id="23" creationId="{D2929CB1-0E3C-4B2D-ADC5-0154FB33BA44}"/>
+          </ac:spMkLst>
+        </pc:spChg>
+        <pc:spChg chg="add del">
+          <ac:chgData name="Mattia Micheli" userId="9230a64d-4596-4adf-a715-5ed28f577a01" providerId="ADAL" clId="{7028311B-C411-4A5B-978F-CDAEBBA96ABB}" dt="2022-12-11T14:54:39.629" v="4" actId="26606"/>
+          <ac:spMkLst>
+            <pc:docMk/>
+            <pc:sldMk cId="322803886" sldId="256"/>
+            <ac:spMk id="24" creationId="{F227E5B6-9132-43CA-B503-37A18562ADF2}"/>
+          </ac:spMkLst>
+        </pc:spChg>
+        <pc:spChg chg="add del">
+          <ac:chgData name="Mattia Micheli" userId="9230a64d-4596-4adf-a715-5ed28f577a01" providerId="ADAL" clId="{7028311B-C411-4A5B-978F-CDAEBBA96ABB}" dt="2022-12-11T14:54:39.629" v="4" actId="26606"/>
+          <ac:spMkLst>
+            <pc:docMk/>
+            <pc:sldMk cId="322803886" sldId="256"/>
+            <ac:spMk id="25" creationId="{5F2F0C84-BE8C-4DC2-A6D3-30349A801D5C}"/>
+          </ac:spMkLst>
+        </pc:spChg>
+        <pc:spChg chg="add">
+          <ac:chgData name="Mattia Micheli" userId="9230a64d-4596-4adf-a715-5ed28f577a01" providerId="ADAL" clId="{7028311B-C411-4A5B-978F-CDAEBBA96ABB}" dt="2022-12-11T14:54:39.669" v="5" actId="26606"/>
+          <ac:spMkLst>
+            <pc:docMk/>
+            <pc:sldMk cId="322803886" sldId="256"/>
+            <ac:spMk id="27" creationId="{7A18C9FB-EC4C-4DAE-8F7D-C6E5AF607958}"/>
+          </ac:spMkLst>
+        </pc:spChg>
+        <pc:spChg chg="add">
+          <ac:chgData name="Mattia Micheli" userId="9230a64d-4596-4adf-a715-5ed28f577a01" providerId="ADAL" clId="{7028311B-C411-4A5B-978F-CDAEBBA96ABB}" dt="2022-12-11T14:54:39.669" v="5" actId="26606"/>
+          <ac:spMkLst>
+            <pc:docMk/>
+            <pc:sldMk cId="322803886" sldId="256"/>
+            <ac:spMk id="28" creationId="{CBD8B1E7-EF0A-4118-A804-D7F559784B00}"/>
+          </ac:spMkLst>
+        </pc:spChg>
+        <pc:spChg chg="add">
+          <ac:chgData name="Mattia Micheli" userId="9230a64d-4596-4adf-a715-5ed28f577a01" providerId="ADAL" clId="{7028311B-C411-4A5B-978F-CDAEBBA96ABB}" dt="2022-12-11T14:54:39.669" v="5" actId="26606"/>
+          <ac:spMkLst>
+            <pc:docMk/>
+            <pc:sldMk cId="322803886" sldId="256"/>
+            <ac:spMk id="29" creationId="{3B2B1500-BB55-471C-8A9E-67288297ECE1}"/>
+          </ac:spMkLst>
+        </pc:spChg>
+        <pc:spChg chg="add">
+          <ac:chgData name="Mattia Micheli" userId="9230a64d-4596-4adf-a715-5ed28f577a01" providerId="ADAL" clId="{7028311B-C411-4A5B-978F-CDAEBBA96ABB}" dt="2022-12-11T14:54:39.669" v="5" actId="26606"/>
+          <ac:spMkLst>
+            <pc:docMk/>
+            <pc:sldMk cId="322803886" sldId="256"/>
+            <ac:spMk id="30" creationId="{3045E22C-A99D-41BB-AF14-EF1B1E745A70}"/>
+          </ac:spMkLst>
+        </pc:spChg>
+        <pc:spChg chg="add del">
+          <ac:chgData name="Mattia Micheli" userId="9230a64d-4596-4adf-a715-5ed28f577a01" providerId="ADAL" clId="{7028311B-C411-4A5B-978F-CDAEBBA96ABB}" dt="2022-12-11T14:59:59.912" v="31"/>
+          <ac:spMkLst>
+            <pc:docMk/>
+            <pc:sldMk cId="322803886" sldId="256"/>
+            <ac:spMk id="35" creationId="{1DB043B4-68C6-45B9-82AC-A5800EADB8DB}"/>
+          </ac:spMkLst>
+        </pc:spChg>
+        <pc:spChg chg="add del">
+          <ac:chgData name="Mattia Micheli" userId="9230a64d-4596-4adf-a715-5ed28f577a01" providerId="ADAL" clId="{7028311B-C411-4A5B-978F-CDAEBBA96ABB}" dt="2022-12-11T14:59:59.912" v="31"/>
+          <ac:spMkLst>
+            <pc:docMk/>
+            <pc:sldMk cId="322803886" sldId="256"/>
+            <ac:spMk id="37" creationId="{61B0F92C-925A-4D2E-839E-EB381378C315}"/>
+          </ac:spMkLst>
+        </pc:spChg>
+        <pc:picChg chg="mod">
+          <ac:chgData name="Mattia Micheli" userId="9230a64d-4596-4adf-a715-5ed28f577a01" providerId="ADAL" clId="{7028311B-C411-4A5B-978F-CDAEBBA96ABB}" dt="2022-12-11T15:00:27.102" v="35" actId="1076"/>
+          <ac:picMkLst>
+            <pc:docMk/>
+            <pc:sldMk cId="322803886" sldId="256"/>
+            <ac:picMk id="8" creationId="{12901770-D8C6-5CD5-F32A-A520A35A2431}"/>
+          </ac:picMkLst>
+        </pc:picChg>
+        <pc:cxnChg chg="add del">
+          <ac:chgData name="Mattia Micheli" userId="9230a64d-4596-4adf-a715-5ed28f577a01" providerId="ADAL" clId="{7028311B-C411-4A5B-978F-CDAEBBA96ABB}" dt="2022-12-11T14:54:31.923" v="2" actId="26606"/>
+          <ac:cxnSpMkLst>
+            <pc:docMk/>
+            <pc:sldMk cId="322803886" sldId="256"/>
+            <ac:cxnSpMk id="15" creationId="{0552FC00-E6D3-45AF-BE3D-0368141142EE}"/>
+          </ac:cxnSpMkLst>
+        </pc:cxnChg>
+      </pc:sldChg>
+      <pc:sldChg chg="addSp delSp modSp new mod setClrOvrMap">
+        <pc:chgData name="Mattia Micheli" userId="9230a64d-4596-4adf-a715-5ed28f577a01" providerId="ADAL" clId="{7028311B-C411-4A5B-978F-CDAEBBA96ABB}" dt="2022-12-11T15:20:17.710" v="121" actId="255"/>
+        <pc:sldMkLst>
+          <pc:docMk/>
+          <pc:sldMk cId="1511362492" sldId="257"/>
+        </pc:sldMkLst>
+        <pc:spChg chg="mod">
+          <ac:chgData name="Mattia Micheli" userId="9230a64d-4596-4adf-a715-5ed28f577a01" providerId="ADAL" clId="{7028311B-C411-4A5B-978F-CDAEBBA96ABB}" dt="2022-12-11T15:06:01.253" v="51" actId="26606"/>
+          <ac:spMkLst>
+            <pc:docMk/>
+            <pc:sldMk cId="1511362492" sldId="257"/>
+            <ac:spMk id="2" creationId="{82FC2FD5-9BA6-5EFF-9882-258E1386273C}"/>
+          </ac:spMkLst>
+        </pc:spChg>
+        <pc:spChg chg="add del mod">
+          <ac:chgData name="Mattia Micheli" userId="9230a64d-4596-4adf-a715-5ed28f577a01" providerId="ADAL" clId="{7028311B-C411-4A5B-978F-CDAEBBA96ABB}" dt="2022-12-11T15:15:39.515" v="114" actId="115"/>
+          <ac:spMkLst>
+            <pc:docMk/>
+            <pc:sldMk cId="1511362492" sldId="257"/>
+            <ac:spMk id="3" creationId="{03804A59-0C9F-36FA-5259-EC5D6FD4DFAB}"/>
+          </ac:spMkLst>
+        </pc:spChg>
+        <pc:spChg chg="add mod">
+          <ac:chgData name="Mattia Micheli" userId="9230a64d-4596-4adf-a715-5ed28f577a01" providerId="ADAL" clId="{7028311B-C411-4A5B-978F-CDAEBBA96ABB}" dt="2022-12-11T15:20:17.710" v="121" actId="255"/>
+          <ac:spMkLst>
+            <pc:docMk/>
+            <pc:sldMk cId="1511362492" sldId="257"/>
+            <ac:spMk id="5" creationId="{7A5E8BC5-077D-F1D2-B9C0-CC3D4310A478}"/>
+          </ac:spMkLst>
+        </pc:spChg>
+        <pc:spChg chg="add del mod">
+          <ac:chgData name="Mattia Micheli" userId="9230a64d-4596-4adf-a715-5ed28f577a01" providerId="ADAL" clId="{7028311B-C411-4A5B-978F-CDAEBBA96ABB}" dt="2022-12-11T15:07:56.876" v="75"/>
+          <ac:spMkLst>
+            <pc:docMk/>
+            <pc:sldMk cId="1511362492" sldId="257"/>
+            <ac:spMk id="6" creationId="{064E5E05-A0D8-D1E6-B00A-6839569299FE}"/>
+          </ac:spMkLst>
+        </pc:spChg>
+        <pc:spChg chg="add mod">
+          <ac:chgData name="Mattia Micheli" userId="9230a64d-4596-4adf-a715-5ed28f577a01" providerId="ADAL" clId="{7028311B-C411-4A5B-978F-CDAEBBA96ABB}" dt="2022-12-11T15:15:28.685" v="112" actId="115"/>
+          <ac:spMkLst>
+            <pc:docMk/>
+            <pc:sldMk cId="1511362492" sldId="257"/>
+            <ac:spMk id="7" creationId="{434390F7-1CB8-56C4-493B-901290065724}"/>
+          </ac:spMkLst>
+        </pc:spChg>
+        <pc:spChg chg="add del">
+          <ac:chgData name="Mattia Micheli" userId="9230a64d-4596-4adf-a715-5ed28f577a01" providerId="ADAL" clId="{7028311B-C411-4A5B-978F-CDAEBBA96ABB}" dt="2022-12-11T15:03:24.190" v="42" actId="26606"/>
+          <ac:spMkLst>
+            <pc:docMk/>
+            <pc:sldMk cId="1511362492" sldId="257"/>
+            <ac:spMk id="8" creationId="{2AEFFFF2-9EB4-4B6C-B9F8-2BA3EF89A21C}"/>
+          </ac:spMkLst>
+        </pc:spChg>
+        <pc:spChg chg="add mod">
+          <ac:chgData name="Mattia Micheli" userId="9230a64d-4596-4adf-a715-5ed28f577a01" providerId="ADAL" clId="{7028311B-C411-4A5B-978F-CDAEBBA96ABB}" dt="2022-12-11T15:15:32.579" v="113" actId="115"/>
+          <ac:spMkLst>
+            <pc:docMk/>
+            <pc:sldMk cId="1511362492" sldId="257"/>
+            <ac:spMk id="9" creationId="{F2DBCC72-B772-C35D-DADC-CA5121A6CCA5}"/>
+          </ac:spMkLst>
+        </pc:spChg>
+        <pc:spChg chg="add del">
+          <ac:chgData name="Mattia Micheli" userId="9230a64d-4596-4adf-a715-5ed28f577a01" providerId="ADAL" clId="{7028311B-C411-4A5B-978F-CDAEBBA96ABB}" dt="2022-12-11T15:03:24.190" v="42" actId="26606"/>
+          <ac:spMkLst>
+            <pc:docMk/>
+            <pc:sldMk cId="1511362492" sldId="257"/>
+            <ac:spMk id="10" creationId="{0D65299F-028F-4AFC-B46A-8DB33E20FE4A}"/>
+          </ac:spMkLst>
+        </pc:spChg>
+        <pc:spChg chg="add del">
+          <ac:chgData name="Mattia Micheli" userId="9230a64d-4596-4adf-a715-5ed28f577a01" providerId="ADAL" clId="{7028311B-C411-4A5B-978F-CDAEBBA96ABB}" dt="2022-12-11T15:03:24.190" v="42" actId="26606"/>
+          <ac:spMkLst>
+            <pc:docMk/>
+            <pc:sldMk cId="1511362492" sldId="257"/>
+            <ac:spMk id="12" creationId="{BAC87F6E-526A-49B5-995D-42DB656594C9}"/>
+          </ac:spMkLst>
+        </pc:spChg>
+        <pc:spChg chg="add del">
+          <ac:chgData name="Mattia Micheli" userId="9230a64d-4596-4adf-a715-5ed28f577a01" providerId="ADAL" clId="{7028311B-C411-4A5B-978F-CDAEBBA96ABB}" dt="2022-12-11T15:03:24.190" v="42" actId="26606"/>
+          <ac:spMkLst>
+            <pc:docMk/>
+            <pc:sldMk cId="1511362492" sldId="257"/>
+            <ac:spMk id="15" creationId="{0AF33C27-9C85-4B30-9AD7-879D48AFE4FF}"/>
+          </ac:spMkLst>
+        </pc:spChg>
+        <pc:spChg chg="add del">
+          <ac:chgData name="Mattia Micheli" userId="9230a64d-4596-4adf-a715-5ed28f577a01" providerId="ADAL" clId="{7028311B-C411-4A5B-978F-CDAEBBA96ABB}" dt="2022-12-11T15:03:24.190" v="42" actId="26606"/>
+          <ac:spMkLst>
+            <pc:docMk/>
+            <pc:sldMk cId="1511362492" sldId="257"/>
+            <ac:spMk id="16" creationId="{6D5089DD-882D-4413-B8BF-4798BFD84A98}"/>
+          </ac:spMkLst>
+        </pc:spChg>
+        <pc:spChg chg="add del">
+          <ac:chgData name="Mattia Micheli" userId="9230a64d-4596-4adf-a715-5ed28f577a01" providerId="ADAL" clId="{7028311B-C411-4A5B-978F-CDAEBBA96ABB}" dt="2022-12-11T15:03:16.235" v="40" actId="26606"/>
+          <ac:spMkLst>
+            <pc:docMk/>
+            <pc:sldMk cId="1511362492" sldId="257"/>
+            <ac:spMk id="18" creationId="{4E866FF9-A729-45F0-A163-10E89E871602}"/>
+          </ac:spMkLst>
+        </pc:spChg>
+        <pc:spChg chg="add del">
+          <ac:chgData name="Mattia Micheli" userId="9230a64d-4596-4adf-a715-5ed28f577a01" providerId="ADAL" clId="{7028311B-C411-4A5B-978F-CDAEBBA96ABB}" dt="2022-12-11T15:06:01.253" v="51" actId="26606"/>
+          <ac:spMkLst>
+            <pc:docMk/>
+            <pc:sldMk cId="1511362492" sldId="257"/>
+            <ac:spMk id="19" creationId="{93F0ADB5-A0B4-4B01-A8C4-FDC34CE22BD4}"/>
+          </ac:spMkLst>
+        </pc:spChg>
+        <pc:spChg chg="add del">
+          <ac:chgData name="Mattia Micheli" userId="9230a64d-4596-4adf-a715-5ed28f577a01" providerId="ADAL" clId="{7028311B-C411-4A5B-978F-CDAEBBA96ABB}" dt="2022-12-11T15:03:16.235" v="40" actId="26606"/>
+          <ac:spMkLst>
+            <pc:docMk/>
+            <pc:sldMk cId="1511362492" sldId="257"/>
+            <ac:spMk id="20" creationId="{A804366F-2366-4688-98E7-B101C7BC6146}"/>
+          </ac:spMkLst>
+        </pc:spChg>
+        <pc:spChg chg="add del">
+          <ac:chgData name="Mattia Micheli" userId="9230a64d-4596-4adf-a715-5ed28f577a01" providerId="ADAL" clId="{7028311B-C411-4A5B-978F-CDAEBBA96ABB}" dt="2022-12-11T15:06:01.253" v="51" actId="26606"/>
+          <ac:spMkLst>
+            <pc:docMk/>
+            <pc:sldMk cId="1511362492" sldId="257"/>
+            <ac:spMk id="21" creationId="{AA6D0FDE-0241-4C21-A720-A69475358235}"/>
+          </ac:spMkLst>
+        </pc:spChg>
+        <pc:graphicFrameChg chg="add del">
+          <ac:chgData name="Mattia Micheli" userId="9230a64d-4596-4adf-a715-5ed28f577a01" providerId="ADAL" clId="{7028311B-C411-4A5B-978F-CDAEBBA96ABB}" dt="2022-12-11T15:03:16.235" v="40" actId="26606"/>
+          <ac:graphicFrameMkLst>
+            <pc:docMk/>
+            <pc:sldMk cId="1511362492" sldId="257"/>
+            <ac:graphicFrameMk id="14" creationId="{33050BD3-3040-062D-03D5-A055D1C7DD1F}"/>
+          </ac:graphicFrameMkLst>
+        </pc:graphicFrameChg>
+        <pc:graphicFrameChg chg="add del">
+          <ac:chgData name="Mattia Micheli" userId="9230a64d-4596-4adf-a715-5ed28f577a01" providerId="ADAL" clId="{7028311B-C411-4A5B-978F-CDAEBBA96ABB}" dt="2022-12-11T15:03:24.190" v="42" actId="26606"/>
+          <ac:graphicFrameMkLst>
+            <pc:docMk/>
+            <pc:sldMk cId="1511362492" sldId="257"/>
+            <ac:graphicFrameMk id="17" creationId="{9AE0D0F0-2EDF-A43D-C908-1D3F8A72B428}"/>
+          </ac:graphicFrameMkLst>
+        </pc:graphicFrameChg>
+        <pc:graphicFrameChg chg="mod">
+          <ac:chgData name="Mattia Micheli" userId="9230a64d-4596-4adf-a715-5ed28f577a01" providerId="ADAL" clId="{7028311B-C411-4A5B-978F-CDAEBBA96ABB}" dt="2022-12-11T15:05:26.770" v="49"/>
+          <ac:graphicFrameMkLst>
+            <pc:docMk/>
+            <pc:sldMk cId="1511362492" sldId="257"/>
+            <ac:graphicFrameMk id="22" creationId="{A9F60E50-54B0-F5A4-8F4F-8E8340805BB7}"/>
+          </ac:graphicFrameMkLst>
+        </pc:graphicFrameChg>
+      </pc:sldChg>
+      <pc:sldChg chg="addSp delSp modSp new del mod setBg delDesignElem">
+        <pc:chgData name="Mattia Micheli" userId="9230a64d-4596-4adf-a715-5ed28f577a01" providerId="ADAL" clId="{7028311B-C411-4A5B-978F-CDAEBBA96ABB}" dt="2022-12-11T14:59:27.486" v="28" actId="2696"/>
+        <pc:sldMkLst>
+          <pc:docMk/>
+          <pc:sldMk cId="3622633156" sldId="257"/>
+        </pc:sldMkLst>
+        <pc:spChg chg="mod">
+          <ac:chgData name="Mattia Micheli" userId="9230a64d-4596-4adf-a715-5ed28f577a01" providerId="ADAL" clId="{7028311B-C411-4A5B-978F-CDAEBBA96ABB}" dt="2022-12-11T14:58:10.299" v="18" actId="26606"/>
+          <ac:spMkLst>
+            <pc:docMk/>
+            <pc:sldMk cId="3622633156" sldId="257"/>
+            <ac:spMk id="2" creationId="{A52AB8FD-EC87-10EA-77A2-8221B4EC95BE}"/>
+          </ac:spMkLst>
+        </pc:spChg>
+        <pc:spChg chg="add del">
+          <ac:chgData name="Mattia Micheli" userId="9230a64d-4596-4adf-a715-5ed28f577a01" providerId="ADAL" clId="{7028311B-C411-4A5B-978F-CDAEBBA96ABB}" dt="2022-12-11T14:58:10.299" v="18" actId="26606"/>
+          <ac:spMkLst>
+            <pc:docMk/>
+            <pc:sldMk cId="3622633156" sldId="257"/>
+            <ac:spMk id="3" creationId="{47804C9D-8448-5015-11EA-2F2115EA0B01}"/>
+          </ac:spMkLst>
+        </pc:spChg>
+        <pc:spChg chg="add del">
+          <ac:chgData name="Mattia Micheli" userId="9230a64d-4596-4adf-a715-5ed28f577a01" providerId="ADAL" clId="{7028311B-C411-4A5B-978F-CDAEBBA96ABB}" dt="2022-12-11T14:58:06.633" v="11" actId="26606"/>
+          <ac:spMkLst>
+            <pc:docMk/>
+            <pc:sldMk cId="3622633156" sldId="257"/>
+            <ac:spMk id="8" creationId="{82184FF4-7029-4ED7-813A-192E60608764}"/>
+          </ac:spMkLst>
+        </pc:spChg>
+        <pc:spChg chg="add del">
+          <ac:chgData name="Mattia Micheli" userId="9230a64d-4596-4adf-a715-5ed28f577a01" providerId="ADAL" clId="{7028311B-C411-4A5B-978F-CDAEBBA96ABB}" dt="2022-12-11T14:58:06.633" v="11" actId="26606"/>
+          <ac:spMkLst>
+            <pc:docMk/>
+            <pc:sldMk cId="3622633156" sldId="257"/>
+            <ac:spMk id="10" creationId="{AAA7AB09-557C-41AD-9113-FF9F68FA1035}"/>
+          </ac:spMkLst>
+        </pc:spChg>
+        <pc:spChg chg="add del">
+          <ac:chgData name="Mattia Micheli" userId="9230a64d-4596-4adf-a715-5ed28f577a01" providerId="ADAL" clId="{7028311B-C411-4A5B-978F-CDAEBBA96ABB}" dt="2022-12-11T14:58:06.633" v="11" actId="26606"/>
+          <ac:spMkLst>
+            <pc:docMk/>
+            <pc:sldMk cId="3622633156" sldId="257"/>
+            <ac:spMk id="12" creationId="{EF99ECAA-1F11-4937-BBA6-51935AB44C9D}"/>
+          </ac:spMkLst>
+        </pc:spChg>
+        <pc:spChg chg="add del">
+          <ac:chgData name="Mattia Micheli" userId="9230a64d-4596-4adf-a715-5ed28f577a01" providerId="ADAL" clId="{7028311B-C411-4A5B-978F-CDAEBBA96ABB}" dt="2022-12-11T14:58:10.294" v="17" actId="26606"/>
+          <ac:spMkLst>
+            <pc:docMk/>
+            <pc:sldMk cId="3622633156" sldId="257"/>
+            <ac:spMk id="16" creationId="{6B180A47-07F3-45CF-91AB-5F26C83AB7A0}"/>
+          </ac:spMkLst>
+        </pc:spChg>
+        <pc:spChg chg="add del">
+          <ac:chgData name="Mattia Micheli" userId="9230a64d-4596-4adf-a715-5ed28f577a01" providerId="ADAL" clId="{7028311B-C411-4A5B-978F-CDAEBBA96ABB}" dt="2022-12-11T14:58:10.294" v="17" actId="26606"/>
+          <ac:spMkLst>
+            <pc:docMk/>
+            <pc:sldMk cId="3622633156" sldId="257"/>
+            <ac:spMk id="18" creationId="{7A7405C2-5931-4635-A369-516BE02E3FDF}"/>
+          </ac:spMkLst>
+        </pc:spChg>
+        <pc:spChg chg="add del">
+          <ac:chgData name="Mattia Micheli" userId="9230a64d-4596-4adf-a715-5ed28f577a01" providerId="ADAL" clId="{7028311B-C411-4A5B-978F-CDAEBBA96ABB}" dt="2022-12-11T14:58:06.633" v="11" actId="26606"/>
+          <ac:spMkLst>
+            <pc:docMk/>
+            <pc:sldMk cId="3622633156" sldId="257"/>
+            <ac:spMk id="20" creationId="{1997061E-3447-40AF-B361-EE5D7E386419}"/>
+          </ac:spMkLst>
+        </pc:spChg>
+        <pc:spChg chg="add del">
+          <ac:chgData name="Mattia Micheli" userId="9230a64d-4596-4adf-a715-5ed28f577a01" providerId="ADAL" clId="{7028311B-C411-4A5B-978F-CDAEBBA96ABB}" dt="2022-12-11T14:58:06.633" v="11" actId="26606"/>
+          <ac:spMkLst>
+            <pc:docMk/>
+            <pc:sldMk cId="3622633156" sldId="257"/>
+            <ac:spMk id="27" creationId="{9659A3D4-9896-4F11-9112-6C5E0390CEF0}"/>
+          </ac:spMkLst>
+        </pc:spChg>
+        <pc:spChg chg="add del">
+          <ac:chgData name="Mattia Micheli" userId="9230a64d-4596-4adf-a715-5ed28f577a01" providerId="ADAL" clId="{7028311B-C411-4A5B-978F-CDAEBBA96ABB}" dt="2022-12-11T14:58:08.069" v="13" actId="26606"/>
+          <ac:spMkLst>
+            <pc:docMk/>
+            <pc:sldMk cId="3622633156" sldId="257"/>
+            <ac:spMk id="35" creationId="{A5931BE0-4B93-4D6C-878E-ACC59D6B4587}"/>
+          </ac:spMkLst>
+        </pc:spChg>
+        <pc:spChg chg="add del">
+          <ac:chgData name="Mattia Micheli" userId="9230a64d-4596-4adf-a715-5ed28f577a01" providerId="ADAL" clId="{7028311B-C411-4A5B-978F-CDAEBBA96ABB}" dt="2022-12-11T14:58:08.069" v="13" actId="26606"/>
+          <ac:spMkLst>
+            <pc:docMk/>
+            <pc:sldMk cId="3622633156" sldId="257"/>
+            <ac:spMk id="36" creationId="{504E6BD3-B518-46A4-9CC0-30D09555230F}"/>
+          </ac:spMkLst>
+        </pc:spChg>
+        <pc:spChg chg="add del">
+          <ac:chgData name="Mattia Micheli" userId="9230a64d-4596-4adf-a715-5ed28f577a01" providerId="ADAL" clId="{7028311B-C411-4A5B-978F-CDAEBBA96ABB}" dt="2022-12-11T14:58:08.069" v="13" actId="26606"/>
+          <ac:spMkLst>
+            <pc:docMk/>
+            <pc:sldMk cId="3622633156" sldId="257"/>
+            <ac:spMk id="39" creationId="{A0DAEA90-11E9-4069-BC2C-6F65C6C1C3E8}"/>
+          </ac:spMkLst>
+        </pc:spChg>
+        <pc:spChg chg="add del">
+          <ac:chgData name="Mattia Micheli" userId="9230a64d-4596-4adf-a715-5ed28f577a01" providerId="ADAL" clId="{7028311B-C411-4A5B-978F-CDAEBBA96ABB}" dt="2022-12-11T14:58:08.069" v="13" actId="26606"/>
+          <ac:spMkLst>
+            <pc:docMk/>
+            <pc:sldMk cId="3622633156" sldId="257"/>
+            <ac:spMk id="40" creationId="{E0E8189B-747E-48AE-99A9-1BEE68012551}"/>
+          </ac:spMkLst>
+        </pc:spChg>
+        <pc:spChg chg="add del">
+          <ac:chgData name="Mattia Micheli" userId="9230a64d-4596-4adf-a715-5ed28f577a01" providerId="ADAL" clId="{7028311B-C411-4A5B-978F-CDAEBBA96ABB}" dt="2022-12-11T14:58:08.069" v="13" actId="26606"/>
+          <ac:spMkLst>
+            <pc:docMk/>
+            <pc:sldMk cId="3622633156" sldId="257"/>
+            <ac:spMk id="41" creationId="{47804C9D-8448-5015-11EA-2F2115EA0B01}"/>
+          </ac:spMkLst>
+        </pc:spChg>
+        <pc:spChg chg="add del">
+          <ac:chgData name="Mattia Micheli" userId="9230a64d-4596-4adf-a715-5ed28f577a01" providerId="ADAL" clId="{7028311B-C411-4A5B-978F-CDAEBBA96ABB}" dt="2022-12-11T14:58:08.069" v="13" actId="26606"/>
+          <ac:spMkLst>
+            <pc:docMk/>
+            <pc:sldMk cId="3622633156" sldId="257"/>
+            <ac:spMk id="42" creationId="{D9DE43D0-73AC-46B4-A39F-E66967A1F9B4}"/>
+          </ac:spMkLst>
+        </pc:spChg>
+        <pc:spChg chg="add del">
+          <ac:chgData name="Mattia Micheli" userId="9230a64d-4596-4adf-a715-5ed28f577a01" providerId="ADAL" clId="{7028311B-C411-4A5B-978F-CDAEBBA96ABB}" dt="2022-12-11T14:58:08.069" v="13" actId="26606"/>
+          <ac:spMkLst>
+            <pc:docMk/>
+            <pc:sldMk cId="3622633156" sldId="257"/>
+            <ac:spMk id="43" creationId="{803C343E-7EAC-4512-955A-33B1833F2D76}"/>
+          </ac:spMkLst>
+        </pc:spChg>
+        <pc:spChg chg="add del">
+          <ac:chgData name="Mattia Micheli" userId="9230a64d-4596-4adf-a715-5ed28f577a01" providerId="ADAL" clId="{7028311B-C411-4A5B-978F-CDAEBBA96ABB}" dt="2022-12-11T14:58:09.112" v="15" actId="26606"/>
+          <ac:spMkLst>
+            <pc:docMk/>
+            <pc:sldMk cId="3622633156" sldId="257"/>
+            <ac:spMk id="45" creationId="{A5931BE0-4B93-4D6C-878E-ACC59D6B4587}"/>
+          </ac:spMkLst>
+        </pc:spChg>
+        <pc:spChg chg="add del">
+          <ac:chgData name="Mattia Micheli" userId="9230a64d-4596-4adf-a715-5ed28f577a01" providerId="ADAL" clId="{7028311B-C411-4A5B-978F-CDAEBBA96ABB}" dt="2022-12-11T14:58:09.112" v="15" actId="26606"/>
+          <ac:spMkLst>
+            <pc:docMk/>
+            <pc:sldMk cId="3622633156" sldId="257"/>
+            <ac:spMk id="46" creationId="{6959C3E7-D59B-44C4-9BBD-3BC2A41A0CB1}"/>
+          </ac:spMkLst>
+        </pc:spChg>
+        <pc:spChg chg="add del">
+          <ac:chgData name="Mattia Micheli" userId="9230a64d-4596-4adf-a715-5ed28f577a01" providerId="ADAL" clId="{7028311B-C411-4A5B-978F-CDAEBBA96ABB}" dt="2022-12-11T14:58:09.112" v="15" actId="26606"/>
+          <ac:spMkLst>
+            <pc:docMk/>
+            <pc:sldMk cId="3622633156" sldId="257"/>
+            <ac:spMk id="50" creationId="{47804C9D-8448-5015-11EA-2F2115EA0B01}"/>
+          </ac:spMkLst>
+        </pc:spChg>
+        <pc:spChg chg="add del">
+          <ac:chgData name="Mattia Micheli" userId="9230a64d-4596-4adf-a715-5ed28f577a01" providerId="ADAL" clId="{7028311B-C411-4A5B-978F-CDAEBBA96ABB}" dt="2022-12-11T14:58:10.294" v="17" actId="26606"/>
+          <ac:spMkLst>
+            <pc:docMk/>
+            <pc:sldMk cId="3622633156" sldId="257"/>
+            <ac:spMk id="52" creationId="{A5931BE0-4B93-4D6C-878E-ACC59D6B4587}"/>
+          </ac:spMkLst>
+        </pc:spChg>
+        <pc:spChg chg="add del">
+          <ac:chgData name="Mattia Micheli" userId="9230a64d-4596-4adf-a715-5ed28f577a01" providerId="ADAL" clId="{7028311B-C411-4A5B-978F-CDAEBBA96ABB}" dt="2022-12-11T14:58:10.294" v="17" actId="26606"/>
+          <ac:spMkLst>
+            <pc:docMk/>
+            <pc:sldMk cId="3622633156" sldId="257"/>
+            <ac:spMk id="53" creationId="{4EC6425F-E8EE-490A-BF3A-601C9A5EFD35}"/>
+          </ac:spMkLst>
+        </pc:spChg>
+        <pc:spChg chg="add del">
+          <ac:chgData name="Mattia Micheli" userId="9230a64d-4596-4adf-a715-5ed28f577a01" providerId="ADAL" clId="{7028311B-C411-4A5B-978F-CDAEBBA96ABB}" dt="2022-12-11T14:58:10.294" v="17" actId="26606"/>
+          <ac:spMkLst>
+            <pc:docMk/>
+            <pc:sldMk cId="3622633156" sldId="257"/>
+            <ac:spMk id="54" creationId="{C493A507-59A1-4B5A-A52D-933516EEC3CD}"/>
+          </ac:spMkLst>
+        </pc:spChg>
+        <pc:spChg chg="add del">
+          <ac:chgData name="Mattia Micheli" userId="9230a64d-4596-4adf-a715-5ed28f577a01" providerId="ADAL" clId="{7028311B-C411-4A5B-978F-CDAEBBA96ABB}" dt="2022-12-11T14:58:10.294" v="17" actId="26606"/>
+          <ac:spMkLst>
+            <pc:docMk/>
+            <pc:sldMk cId="3622633156" sldId="257"/>
+            <ac:spMk id="55" creationId="{2EF1810E-C1C8-44A5-ADCF-24B4EAA1DDD9}"/>
+          </ac:spMkLst>
+        </pc:spChg>
+        <pc:spChg chg="add del">
+          <ac:chgData name="Mattia Micheli" userId="9230a64d-4596-4adf-a715-5ed28f577a01" providerId="ADAL" clId="{7028311B-C411-4A5B-978F-CDAEBBA96ABB}" dt="2022-12-11T14:58:10.294" v="17" actId="26606"/>
+          <ac:spMkLst>
+            <pc:docMk/>
+            <pc:sldMk cId="3622633156" sldId="257"/>
+            <ac:spMk id="56" creationId="{47804C9D-8448-5015-11EA-2F2115EA0B01}"/>
+          </ac:spMkLst>
+        </pc:spChg>
+        <pc:spChg chg="add del">
+          <ac:chgData name="Mattia Micheli" userId="9230a64d-4596-4adf-a715-5ed28f577a01" providerId="ADAL" clId="{7028311B-C411-4A5B-978F-CDAEBBA96ABB}" dt="2022-12-11T14:59:07.496" v="26"/>
+          <ac:spMkLst>
+            <pc:docMk/>
+            <pc:sldMk cId="3622633156" sldId="257"/>
+            <ac:spMk id="58" creationId="{A5931BE0-4B93-4D6C-878E-ACC59D6B4587}"/>
+          </ac:spMkLst>
+        </pc:spChg>
+        <pc:spChg chg="add">
+          <ac:chgData name="Mattia Micheli" userId="9230a64d-4596-4adf-a715-5ed28f577a01" providerId="ADAL" clId="{7028311B-C411-4A5B-978F-CDAEBBA96ABB}" dt="2022-12-11T14:58:10.299" v="18" actId="26606"/>
+          <ac:spMkLst>
+            <pc:docMk/>
+            <pc:sldMk cId="3622633156" sldId="257"/>
+            <ac:spMk id="59" creationId="{47804C9D-8448-5015-11EA-2F2115EA0B01}"/>
+          </ac:spMkLst>
+        </pc:spChg>
+        <pc:spChg chg="add del">
+          <ac:chgData name="Mattia Micheli" userId="9230a64d-4596-4adf-a715-5ed28f577a01" providerId="ADAL" clId="{7028311B-C411-4A5B-978F-CDAEBBA96ABB}" dt="2022-12-11T14:59:07.496" v="26"/>
+          <ac:spMkLst>
+            <pc:docMk/>
+            <pc:sldMk cId="3622633156" sldId="257"/>
+            <ac:spMk id="60" creationId="{D3262674-A504-4C90-BBBB-94D20F92A2B6}"/>
+          </ac:spMkLst>
+        </pc:spChg>
+        <pc:grpChg chg="add del">
+          <ac:chgData name="Mattia Micheli" userId="9230a64d-4596-4adf-a715-5ed28f577a01" providerId="ADAL" clId="{7028311B-C411-4A5B-978F-CDAEBBA96ABB}" dt="2022-12-11T14:58:06.633" v="11" actId="26606"/>
+          <ac:grpSpMkLst>
+            <pc:docMk/>
+            <pc:sldMk cId="3622633156" sldId="257"/>
+            <ac:grpSpMk id="14" creationId="{79DE9FAB-6BBA-4CFE-B67D-77B47F01ECA4}"/>
+          </ac:grpSpMkLst>
+        </pc:grpChg>
+        <pc:grpChg chg="add del">
+          <ac:chgData name="Mattia Micheli" userId="9230a64d-4596-4adf-a715-5ed28f577a01" providerId="ADAL" clId="{7028311B-C411-4A5B-978F-CDAEBBA96ABB}" dt="2022-12-11T14:58:06.633" v="11" actId="26606"/>
+          <ac:grpSpMkLst>
+            <pc:docMk/>
+            <pc:sldMk cId="3622633156" sldId="257"/>
+            <ac:grpSpMk id="22" creationId="{29852CF9-0BB2-4896-8B33-ADF9E59B496C}"/>
+          </ac:grpSpMkLst>
+        </pc:grpChg>
+        <pc:grpChg chg="add del">
+          <ac:chgData name="Mattia Micheli" userId="9230a64d-4596-4adf-a715-5ed28f577a01" providerId="ADAL" clId="{7028311B-C411-4A5B-978F-CDAEBBA96ABB}" dt="2022-12-11T14:58:06.633" v="11" actId="26606"/>
+          <ac:grpSpMkLst>
+            <pc:docMk/>
+            <pc:sldMk cId="3622633156" sldId="257"/>
+            <ac:grpSpMk id="29" creationId="{50D25812-D4C9-48D5-8E64-65C4BB4218AB}"/>
+          </ac:grpSpMkLst>
+        </pc:grpChg>
+        <pc:grpChg chg="add del">
+          <ac:chgData name="Mattia Micheli" userId="9230a64d-4596-4adf-a715-5ed28f577a01" providerId="ADAL" clId="{7028311B-C411-4A5B-978F-CDAEBBA96ABB}" dt="2022-12-11T14:58:08.069" v="13" actId="26606"/>
+          <ac:grpSpMkLst>
+            <pc:docMk/>
+            <pc:sldMk cId="3622633156" sldId="257"/>
+            <ac:grpSpMk id="37" creationId="{A31FBE92-3FC2-48E4-874B-A5273A042528}"/>
+          </ac:grpSpMkLst>
+        </pc:grpChg>
+        <pc:grpChg chg="add del">
+          <ac:chgData name="Mattia Micheli" userId="9230a64d-4596-4adf-a715-5ed28f577a01" providerId="ADAL" clId="{7028311B-C411-4A5B-978F-CDAEBBA96ABB}" dt="2022-12-11T14:58:09.112" v="15" actId="26606"/>
+          <ac:grpSpMkLst>
+            <pc:docMk/>
+            <pc:sldMk cId="3622633156" sldId="257"/>
+            <ac:grpSpMk id="47" creationId="{3654876B-FB01-4E58-9C9F-3D510011B13A}"/>
+          </ac:grpSpMkLst>
+        </pc:grpChg>
+      </pc:sldChg>
+      <pc:sldChg chg="modSp new del">
+        <pc:chgData name="Mattia Micheli" userId="9230a64d-4596-4adf-a715-5ed28f577a01" providerId="ADAL" clId="{7028311B-C411-4A5B-978F-CDAEBBA96ABB}" dt="2022-12-11T14:59:12.233" v="27" actId="2696"/>
+        <pc:sldMkLst>
+          <pc:docMk/>
+          <pc:sldMk cId="1951691171" sldId="258"/>
+        </pc:sldMkLst>
+        <pc:spChg chg="mod">
+          <ac:chgData name="Mattia Micheli" userId="9230a64d-4596-4adf-a715-5ed28f577a01" providerId="ADAL" clId="{7028311B-C411-4A5B-978F-CDAEBBA96ABB}" dt="2022-12-11T14:59:07.496" v="26"/>
+          <ac:spMkLst>
+            <pc:docMk/>
+            <pc:sldMk cId="1951691171" sldId="258"/>
+            <ac:spMk id="2" creationId="{9414F842-3975-F9DD-4ADC-46F6CC4B7B55}"/>
+          </ac:spMkLst>
+        </pc:spChg>
+        <pc:spChg chg="mod">
+          <ac:chgData name="Mattia Micheli" userId="9230a64d-4596-4adf-a715-5ed28f577a01" providerId="ADAL" clId="{7028311B-C411-4A5B-978F-CDAEBBA96ABB}" dt="2022-12-11T14:59:07.496" v="26"/>
+          <ac:spMkLst>
+            <pc:docMk/>
+            <pc:sldMk cId="1951691171" sldId="258"/>
+            <ac:spMk id="3" creationId="{F1170A20-9918-4235-A5A2-5878F7D03E8D}"/>
+          </ac:spMkLst>
+        </pc:spChg>
+      </pc:sldChg>
+      <pc:sldChg chg="addSp modSp new mod setBg">
+        <pc:chgData name="Mattia Micheli" userId="9230a64d-4596-4adf-a715-5ed28f577a01" providerId="ADAL" clId="{7028311B-C411-4A5B-978F-CDAEBBA96ABB}" dt="2022-12-11T15:24:05.093" v="173" actId="1076"/>
+        <pc:sldMkLst>
+          <pc:docMk/>
+          <pc:sldMk cId="2968549875" sldId="258"/>
+        </pc:sldMkLst>
+        <pc:spChg chg="mod">
+          <ac:chgData name="Mattia Micheli" userId="9230a64d-4596-4adf-a715-5ed28f577a01" providerId="ADAL" clId="{7028311B-C411-4A5B-978F-CDAEBBA96ABB}" dt="2022-12-11T15:02:02.362" v="37" actId="26606"/>
+          <ac:spMkLst>
+            <pc:docMk/>
+            <pc:sldMk cId="2968549875" sldId="258"/>
+            <ac:spMk id="2" creationId="{759156BB-8533-863F-0333-FAB761AE1498}"/>
+          </ac:spMkLst>
+        </pc:spChg>
+        <pc:spChg chg="mod">
+          <ac:chgData name="Mattia Micheli" userId="9230a64d-4596-4adf-a715-5ed28f577a01" providerId="ADAL" clId="{7028311B-C411-4A5B-978F-CDAEBBA96ABB}" dt="2022-12-11T15:23:55.461" v="171" actId="1076"/>
+          <ac:spMkLst>
+            <pc:docMk/>
+            <pc:sldMk cId="2968549875" sldId="258"/>
+            <ac:spMk id="3" creationId="{E93FBDB0-CC3D-C1C3-1789-1E0FD49AE7CC}"/>
+          </ac:spMkLst>
+        </pc:spChg>
+        <pc:spChg chg="add mod">
+          <ac:chgData name="Mattia Micheli" userId="9230a64d-4596-4adf-a715-5ed28f577a01" providerId="ADAL" clId="{7028311B-C411-4A5B-978F-CDAEBBA96ABB}" dt="2022-12-11T15:24:05.093" v="173" actId="1076"/>
+          <ac:spMkLst>
+            <pc:docMk/>
+            <pc:sldMk cId="2968549875" sldId="258"/>
+            <ac:spMk id="4" creationId="{AC7FC32B-62B7-A001-1860-AE7665281366}"/>
+          </ac:spMkLst>
+        </pc:spChg>
+        <pc:spChg chg="add mod">
+          <ac:chgData name="Mattia Micheli" userId="9230a64d-4596-4adf-a715-5ed28f577a01" providerId="ADAL" clId="{7028311B-C411-4A5B-978F-CDAEBBA96ABB}" dt="2022-12-11T15:24:01.309" v="172" actId="1076"/>
+          <ac:spMkLst>
+            <pc:docMk/>
+            <pc:sldMk cId="2968549875" sldId="258"/>
+            <ac:spMk id="5" creationId="{642F5C51-21AC-AD8D-4881-9541874EA121}"/>
+          </ac:spMkLst>
+        </pc:spChg>
+        <pc:spChg chg="add">
+          <ac:chgData name="Mattia Micheli" userId="9230a64d-4596-4adf-a715-5ed28f577a01" providerId="ADAL" clId="{7028311B-C411-4A5B-978F-CDAEBBA96ABB}" dt="2022-12-11T15:02:02.362" v="37" actId="26606"/>
+          <ac:spMkLst>
+            <pc:docMk/>
+            <pc:sldMk cId="2968549875" sldId="258"/>
+            <ac:spMk id="8" creationId="{2AEFFFF2-9EB4-4B6C-B9F8-2BA3EF89A21C}"/>
+          </ac:spMkLst>
+        </pc:spChg>
+        <pc:spChg chg="add">
+          <ac:chgData name="Mattia Micheli" userId="9230a64d-4596-4adf-a715-5ed28f577a01" providerId="ADAL" clId="{7028311B-C411-4A5B-978F-CDAEBBA96ABB}" dt="2022-12-11T15:02:02.362" v="37" actId="26606"/>
+          <ac:spMkLst>
+            <pc:docMk/>
+            <pc:sldMk cId="2968549875" sldId="258"/>
+            <ac:spMk id="10" creationId="{0D65299F-028F-4AFC-B46A-8DB33E20FE4A}"/>
+          </ac:spMkLst>
+        </pc:spChg>
+        <pc:spChg chg="add">
+          <ac:chgData name="Mattia Micheli" userId="9230a64d-4596-4adf-a715-5ed28f577a01" providerId="ADAL" clId="{7028311B-C411-4A5B-978F-CDAEBBA96ABB}" dt="2022-12-11T15:02:02.362" v="37" actId="26606"/>
+          <ac:spMkLst>
+            <pc:docMk/>
+            <pc:sldMk cId="2968549875" sldId="258"/>
+            <ac:spMk id="12" creationId="{BAC87F6E-526A-49B5-995D-42DB656594C9}"/>
+          </ac:spMkLst>
+        </pc:spChg>
+      </pc:sldChg>
+      <pc:sldChg chg="addSp delSp modSp mod setBg">
+        <pc:chgData name="Mattia Micheli" userId="9230a64d-4596-4adf-a715-5ed28f577a01" providerId="ADAL" clId="{7028311B-C411-4A5B-978F-CDAEBBA96ABB}" dt="2022-12-11T15:26:21.043" v="179" actId="27636"/>
+        <pc:sldMkLst>
+          <pc:docMk/>
+          <pc:sldMk cId="69192253" sldId="259"/>
+        </pc:sldMkLst>
+        <pc:spChg chg="mod ord">
+          <ac:chgData name="Mattia Micheli" userId="9230a64d-4596-4adf-a715-5ed28f577a01" providerId="ADAL" clId="{7028311B-C411-4A5B-978F-CDAEBBA96ABB}" dt="2022-12-11T15:26:21.027" v="178" actId="26606"/>
+          <ac:spMkLst>
+            <pc:docMk/>
+            <pc:sldMk cId="69192253" sldId="259"/>
+            <ac:spMk id="2" creationId="{45C2418C-EA23-BAE1-6752-AB0620E43A58}"/>
+          </ac:spMkLst>
+        </pc:spChg>
+        <pc:spChg chg="del">
+          <ac:chgData name="Mattia Micheli" userId="9230a64d-4596-4adf-a715-5ed28f577a01" providerId="ADAL" clId="{7028311B-C411-4A5B-978F-CDAEBBA96ABB}" dt="2022-12-11T15:25:29.992" v="174" actId="26606"/>
+          <ac:spMkLst>
+            <pc:docMk/>
+            <pc:sldMk cId="69192253" sldId="259"/>
+            <ac:spMk id="27" creationId="{2AEFFFF2-9EB4-4B6C-B9F8-2BA3EF89A21C}"/>
+          </ac:spMkLst>
+        </pc:spChg>
+        <pc:spChg chg="del">
+          <ac:chgData name="Mattia Micheli" userId="9230a64d-4596-4adf-a715-5ed28f577a01" providerId="ADAL" clId="{7028311B-C411-4A5B-978F-CDAEBBA96ABB}" dt="2022-12-11T15:25:29.992" v="174" actId="26606"/>
+          <ac:spMkLst>
+            <pc:docMk/>
+            <pc:sldMk cId="69192253" sldId="259"/>
+            <ac:spMk id="28" creationId="{0D65299F-028F-4AFC-B46A-8DB33E20FE4A}"/>
+          </ac:spMkLst>
+        </pc:spChg>
+        <pc:spChg chg="del">
+          <ac:chgData name="Mattia Micheli" userId="9230a64d-4596-4adf-a715-5ed28f577a01" providerId="ADAL" clId="{7028311B-C411-4A5B-978F-CDAEBBA96ABB}" dt="2022-12-11T15:25:29.992" v="174" actId="26606"/>
+          <ac:spMkLst>
+            <pc:docMk/>
+            <pc:sldMk cId="69192253" sldId="259"/>
+            <ac:spMk id="29" creationId="{BAC87F6E-526A-49B5-995D-42DB656594C9}"/>
+          </ac:spMkLst>
+        </pc:spChg>
+        <pc:spChg chg="mod">
+          <ac:chgData name="Mattia Micheli" userId="9230a64d-4596-4adf-a715-5ed28f577a01" providerId="ADAL" clId="{7028311B-C411-4A5B-978F-CDAEBBA96ABB}" dt="2022-12-11T15:26:21.043" v="179" actId="27636"/>
+          <ac:spMkLst>
+            <pc:docMk/>
+            <pc:sldMk cId="69192253" sldId="259"/>
+            <ac:spMk id="30" creationId="{4A25DDD0-D0AB-7D31-9438-EB1C2B25F8B6}"/>
+          </ac:spMkLst>
+        </pc:spChg>
+        <pc:spChg chg="add del">
+          <ac:chgData name="Mattia Micheli" userId="9230a64d-4596-4adf-a715-5ed28f577a01" providerId="ADAL" clId="{7028311B-C411-4A5B-978F-CDAEBBA96ABB}" dt="2022-12-11T15:26:21.027" v="178" actId="26606"/>
+          <ac:spMkLst>
+            <pc:docMk/>
+            <pc:sldMk cId="69192253" sldId="259"/>
+            <ac:spMk id="35" creationId="{C33976D1-3430-450C-A978-87A9A6E8E71F}"/>
+          </ac:spMkLst>
+        </pc:spChg>
+        <pc:spChg chg="add del">
+          <ac:chgData name="Mattia Micheli" userId="9230a64d-4596-4adf-a715-5ed28f577a01" providerId="ADAL" clId="{7028311B-C411-4A5B-978F-CDAEBBA96ABB}" dt="2022-12-11T15:26:21.027" v="178" actId="26606"/>
+          <ac:spMkLst>
+            <pc:docMk/>
+            <pc:sldMk cId="69192253" sldId="259"/>
+            <ac:spMk id="37" creationId="{7D6AAC78-7D86-415A-ADC1-2B474807960C}"/>
+          </ac:spMkLst>
+        </pc:spChg>
+        <pc:spChg chg="add del">
+          <ac:chgData name="Mattia Micheli" userId="9230a64d-4596-4adf-a715-5ed28f577a01" providerId="ADAL" clId="{7028311B-C411-4A5B-978F-CDAEBBA96ABB}" dt="2022-12-11T15:26:21.027" v="178" actId="26606"/>
+          <ac:spMkLst>
+            <pc:docMk/>
+            <pc:sldMk cId="69192253" sldId="259"/>
+            <ac:spMk id="39" creationId="{F2A658D9-F185-44F1-BA33-D50320D1D078}"/>
+          </ac:spMkLst>
+        </pc:spChg>
+        <pc:spChg chg="add">
+          <ac:chgData name="Mattia Micheli" userId="9230a64d-4596-4adf-a715-5ed28f577a01" providerId="ADAL" clId="{7028311B-C411-4A5B-978F-CDAEBBA96ABB}" dt="2022-12-11T15:26:21.027" v="178" actId="26606"/>
+          <ac:spMkLst>
+            <pc:docMk/>
+            <pc:sldMk cId="69192253" sldId="259"/>
+            <ac:spMk id="44" creationId="{23530FE0-C542-45A1-BCD8-935787009C64}"/>
+          </ac:spMkLst>
+        </pc:spChg>
+        <pc:spChg chg="add">
+          <ac:chgData name="Mattia Micheli" userId="9230a64d-4596-4adf-a715-5ed28f577a01" providerId="ADAL" clId="{7028311B-C411-4A5B-978F-CDAEBBA96ABB}" dt="2022-12-11T15:26:21.027" v="178" actId="26606"/>
+          <ac:spMkLst>
+            <pc:docMk/>
+            <pc:sldMk cId="69192253" sldId="259"/>
+            <ac:spMk id="46" creationId="{F2A658D9-F185-44F1-BA33-D50320D1D078}"/>
+          </ac:spMkLst>
+        </pc:spChg>
+        <pc:spChg chg="add">
+          <ac:chgData name="Mattia Micheli" userId="9230a64d-4596-4adf-a715-5ed28f577a01" providerId="ADAL" clId="{7028311B-C411-4A5B-978F-CDAEBBA96ABB}" dt="2022-12-11T15:26:21.027" v="178" actId="26606"/>
+          <ac:spMkLst>
+            <pc:docMk/>
+            <pc:sldMk cId="69192253" sldId="259"/>
+            <ac:spMk id="48" creationId="{BAC87F6E-526A-49B5-995D-42DB656594C9}"/>
+          </ac:spMkLst>
+        </pc:spChg>
+      </pc:sldChg>
+      <pc:sldMasterChg chg="add del addSldLayout delSldLayout">
+        <pc:chgData name="Mattia Micheli" userId="9230a64d-4596-4adf-a715-5ed28f577a01" providerId="ADAL" clId="{7028311B-C411-4A5B-978F-CDAEBBA96ABB}" dt="2022-12-11T14:54:39.669" v="5" actId="26606"/>
+        <pc:sldMasterMkLst>
+          <pc:docMk/>
+          <pc:sldMasterMk cId="3960587763" sldId="2147483648"/>
+        </pc:sldMasterMkLst>
+        <pc:sldLayoutChg chg="add del">
+          <pc:chgData name="Mattia Micheli" userId="9230a64d-4596-4adf-a715-5ed28f577a01" providerId="ADAL" clId="{7028311B-C411-4A5B-978F-CDAEBBA96ABB}" dt="2022-12-11T14:54:39.669" v="5" actId="26606"/>
+          <pc:sldLayoutMkLst>
+            <pc:docMk/>
+            <pc:sldMasterMk cId="3960587763" sldId="2147483648"/>
+            <pc:sldLayoutMk cId="928233142" sldId="2147483649"/>
+          </pc:sldLayoutMkLst>
+        </pc:sldLayoutChg>
+        <pc:sldLayoutChg chg="add del">
+          <pc:chgData name="Mattia Micheli" userId="9230a64d-4596-4adf-a715-5ed28f577a01" providerId="ADAL" clId="{7028311B-C411-4A5B-978F-CDAEBBA96ABB}" dt="2022-12-11T14:54:39.669" v="5" actId="26606"/>
+          <pc:sldLayoutMkLst>
+            <pc:docMk/>
+            <pc:sldMasterMk cId="3960587763" sldId="2147483648"/>
+            <pc:sldLayoutMk cId="3188990353" sldId="2147483650"/>
+          </pc:sldLayoutMkLst>
+        </pc:sldLayoutChg>
+        <pc:sldLayoutChg chg="add del">
+          <pc:chgData name="Mattia Micheli" userId="9230a64d-4596-4adf-a715-5ed28f577a01" providerId="ADAL" clId="{7028311B-C411-4A5B-978F-CDAEBBA96ABB}" dt="2022-12-11T14:54:39.669" v="5" actId="26606"/>
+          <pc:sldLayoutMkLst>
+            <pc:docMk/>
+            <pc:sldMasterMk cId="3960587763" sldId="2147483648"/>
+            <pc:sldLayoutMk cId="1093159921" sldId="2147483651"/>
+          </pc:sldLayoutMkLst>
+        </pc:sldLayoutChg>
+        <pc:sldLayoutChg chg="add del">
+          <pc:chgData name="Mattia Micheli" userId="9230a64d-4596-4adf-a715-5ed28f577a01" providerId="ADAL" clId="{7028311B-C411-4A5B-978F-CDAEBBA96ABB}" dt="2022-12-11T14:54:39.669" v="5" actId="26606"/>
+          <pc:sldLayoutMkLst>
+            <pc:docMk/>
+            <pc:sldMasterMk cId="3960587763" sldId="2147483648"/>
+            <pc:sldLayoutMk cId="95026411" sldId="2147483652"/>
+          </pc:sldLayoutMkLst>
+        </pc:sldLayoutChg>
+        <pc:sldLayoutChg chg="add del">
+          <pc:chgData name="Mattia Micheli" userId="9230a64d-4596-4adf-a715-5ed28f577a01" providerId="ADAL" clId="{7028311B-C411-4A5B-978F-CDAEBBA96ABB}" dt="2022-12-11T14:54:39.669" v="5" actId="26606"/>
+          <pc:sldLayoutMkLst>
+            <pc:docMk/>
+            <pc:sldMasterMk cId="3960587763" sldId="2147483648"/>
+            <pc:sldLayoutMk cId="757235942" sldId="2147483653"/>
+          </pc:sldLayoutMkLst>
+        </pc:sldLayoutChg>
+        <pc:sldLayoutChg chg="add del">
+          <pc:chgData name="Mattia Micheli" userId="9230a64d-4596-4adf-a715-5ed28f577a01" providerId="ADAL" clId="{7028311B-C411-4A5B-978F-CDAEBBA96ABB}" dt="2022-12-11T14:54:39.669" v="5" actId="26606"/>
+          <pc:sldLayoutMkLst>
+            <pc:docMk/>
+            <pc:sldMasterMk cId="3960587763" sldId="2147483648"/>
+            <pc:sldLayoutMk cId="3969809803" sldId="2147483654"/>
+          </pc:sldLayoutMkLst>
+        </pc:sldLayoutChg>
+        <pc:sldLayoutChg chg="add del">
+          <pc:chgData name="Mattia Micheli" userId="9230a64d-4596-4adf-a715-5ed28f577a01" providerId="ADAL" clId="{7028311B-C411-4A5B-978F-CDAEBBA96ABB}" dt="2022-12-11T14:54:39.669" v="5" actId="26606"/>
+          <pc:sldLayoutMkLst>
+            <pc:docMk/>
+            <pc:sldMasterMk cId="3960587763" sldId="2147483648"/>
+            <pc:sldLayoutMk cId="3257817360" sldId="2147483655"/>
+          </pc:sldLayoutMkLst>
+        </pc:sldLayoutChg>
+        <pc:sldLayoutChg chg="add del">
+          <pc:chgData name="Mattia Micheli" userId="9230a64d-4596-4adf-a715-5ed28f577a01" providerId="ADAL" clId="{7028311B-C411-4A5B-978F-CDAEBBA96ABB}" dt="2022-12-11T14:54:39.669" v="5" actId="26606"/>
+          <pc:sldLayoutMkLst>
+            <pc:docMk/>
+            <pc:sldMasterMk cId="3960587763" sldId="2147483648"/>
+            <pc:sldLayoutMk cId="1857118796" sldId="2147483656"/>
+          </pc:sldLayoutMkLst>
+        </pc:sldLayoutChg>
+        <pc:sldLayoutChg chg="add del">
+          <pc:chgData name="Mattia Micheli" userId="9230a64d-4596-4adf-a715-5ed28f577a01" providerId="ADAL" clId="{7028311B-C411-4A5B-978F-CDAEBBA96ABB}" dt="2022-12-11T14:54:39.669" v="5" actId="26606"/>
+          <pc:sldLayoutMkLst>
+            <pc:docMk/>
+            <pc:sldMasterMk cId="3960587763" sldId="2147483648"/>
+            <pc:sldLayoutMk cId="2842524700" sldId="2147483657"/>
+          </pc:sldLayoutMkLst>
+        </pc:sldLayoutChg>
+        <pc:sldLayoutChg chg="add del">
+          <pc:chgData name="Mattia Micheli" userId="9230a64d-4596-4adf-a715-5ed28f577a01" providerId="ADAL" clId="{7028311B-C411-4A5B-978F-CDAEBBA96ABB}" dt="2022-12-11T14:54:39.669" v="5" actId="26606"/>
+          <pc:sldLayoutMkLst>
+            <pc:docMk/>
+            <pc:sldMasterMk cId="3960587763" sldId="2147483648"/>
+            <pc:sldLayoutMk cId="1613631144" sldId="2147483658"/>
+          </pc:sldLayoutMkLst>
+        </pc:sldLayoutChg>
+        <pc:sldLayoutChg chg="add del">
+          <pc:chgData name="Mattia Micheli" userId="9230a64d-4596-4adf-a715-5ed28f577a01" providerId="ADAL" clId="{7028311B-C411-4A5B-978F-CDAEBBA96ABB}" dt="2022-12-11T14:54:39.669" v="5" actId="26606"/>
+          <pc:sldLayoutMkLst>
+            <pc:docMk/>
+            <pc:sldMasterMk cId="3960587763" sldId="2147483648"/>
+            <pc:sldLayoutMk cId="3908909143" sldId="2147483659"/>
+          </pc:sldLayoutMkLst>
+        </pc:sldLayoutChg>
+      </pc:sldMasterChg>
+      <pc:sldMasterChg chg="add del replId addSldLayout delSldLayout">
+        <pc:chgData name="Mattia Micheli" userId="9230a64d-4596-4adf-a715-5ed28f577a01" providerId="ADAL" clId="{7028311B-C411-4A5B-978F-CDAEBBA96ABB}" dt="2022-12-11T14:54:39.629" v="4" actId="26606"/>
+        <pc:sldMasterMkLst>
+          <pc:docMk/>
+          <pc:sldMasterMk cId="2349972511" sldId="2147483660"/>
+        </pc:sldMasterMkLst>
+        <pc:sldLayoutChg chg="add del">
+          <pc:chgData name="Mattia Micheli" userId="9230a64d-4596-4adf-a715-5ed28f577a01" providerId="ADAL" clId="{7028311B-C411-4A5B-978F-CDAEBBA96ABB}" dt="2022-12-11T14:54:39.629" v="4" actId="26606"/>
+          <pc:sldLayoutMkLst>
+            <pc:docMk/>
+            <pc:sldMasterMk cId="2349972511" sldId="2147483660"/>
+            <pc:sldLayoutMk cId="868822584" sldId="2147483661"/>
+          </pc:sldLayoutMkLst>
+        </pc:sldLayoutChg>
+        <pc:sldLayoutChg chg="add del replId">
+          <pc:chgData name="Mattia Micheli" userId="9230a64d-4596-4adf-a715-5ed28f577a01" providerId="ADAL" clId="{7028311B-C411-4A5B-978F-CDAEBBA96ABB}" dt="2022-12-11T14:54:39.629" v="4" actId="26606"/>
+          <pc:sldLayoutMkLst>
+            <pc:docMk/>
+            <pc:sldMasterMk cId="2349972511" sldId="2147483660"/>
+            <pc:sldLayoutMk cId="2465604589" sldId="2147483662"/>
+          </pc:sldLayoutMkLst>
+        </pc:sldLayoutChg>
+        <pc:sldLayoutChg chg="add del replId">
+          <pc:chgData name="Mattia Micheli" userId="9230a64d-4596-4adf-a715-5ed28f577a01" providerId="ADAL" clId="{7028311B-C411-4A5B-978F-CDAEBBA96ABB}" dt="2022-12-11T14:54:39.629" v="4" actId="26606"/>
+          <pc:sldLayoutMkLst>
+            <pc:docMk/>
+            <pc:sldMasterMk cId="2349972511" sldId="2147483660"/>
+            <pc:sldLayoutMk cId="297458697" sldId="2147483663"/>
+          </pc:sldLayoutMkLst>
+        </pc:sldLayoutChg>
+        <pc:sldLayoutChg chg="add del replId">
+          <pc:chgData name="Mattia Micheli" userId="9230a64d-4596-4adf-a715-5ed28f577a01" providerId="ADAL" clId="{7028311B-C411-4A5B-978F-CDAEBBA96ABB}" dt="2022-12-11T14:54:39.629" v="4" actId="26606"/>
+          <pc:sldLayoutMkLst>
+            <pc:docMk/>
+            <pc:sldMasterMk cId="2349972511" sldId="2147483660"/>
+            <pc:sldLayoutMk cId="2474174309" sldId="2147483664"/>
+          </pc:sldLayoutMkLst>
+        </pc:sldLayoutChg>
+        <pc:sldLayoutChg chg="add del replId">
+          <pc:chgData name="Mattia Micheli" userId="9230a64d-4596-4adf-a715-5ed28f577a01" providerId="ADAL" clId="{7028311B-C411-4A5B-978F-CDAEBBA96ABB}" dt="2022-12-11T14:54:39.629" v="4" actId="26606"/>
+          <pc:sldLayoutMkLst>
+            <pc:docMk/>
+            <pc:sldMasterMk cId="2349972511" sldId="2147483660"/>
+            <pc:sldLayoutMk cId="1122209285" sldId="2147483665"/>
+          </pc:sldLayoutMkLst>
+        </pc:sldLayoutChg>
+        <pc:sldLayoutChg chg="add del replId">
+          <pc:chgData name="Mattia Micheli" userId="9230a64d-4596-4adf-a715-5ed28f577a01" providerId="ADAL" clId="{7028311B-C411-4A5B-978F-CDAEBBA96ABB}" dt="2022-12-11T14:54:39.629" v="4" actId="26606"/>
+          <pc:sldLayoutMkLst>
+            <pc:docMk/>
+            <pc:sldMasterMk cId="2349972511" sldId="2147483660"/>
+            <pc:sldLayoutMk cId="3377953616" sldId="2147483666"/>
+          </pc:sldLayoutMkLst>
+        </pc:sldLayoutChg>
+        <pc:sldLayoutChg chg="add del replId">
+          <pc:chgData name="Mattia Micheli" userId="9230a64d-4596-4adf-a715-5ed28f577a01" providerId="ADAL" clId="{7028311B-C411-4A5B-978F-CDAEBBA96ABB}" dt="2022-12-11T14:54:39.629" v="4" actId="26606"/>
+          <pc:sldLayoutMkLst>
+            <pc:docMk/>
+            <pc:sldMasterMk cId="2349972511" sldId="2147483660"/>
+            <pc:sldLayoutMk cId="2983685530" sldId="2147483667"/>
+          </pc:sldLayoutMkLst>
+        </pc:sldLayoutChg>
+        <pc:sldLayoutChg chg="add del replId">
+          <pc:chgData name="Mattia Micheli" userId="9230a64d-4596-4adf-a715-5ed28f577a01" providerId="ADAL" clId="{7028311B-C411-4A5B-978F-CDAEBBA96ABB}" dt="2022-12-11T14:54:39.629" v="4" actId="26606"/>
+          <pc:sldLayoutMkLst>
+            <pc:docMk/>
+            <pc:sldMasterMk cId="2349972511" sldId="2147483660"/>
+            <pc:sldLayoutMk cId="1116840018" sldId="2147483668"/>
+          </pc:sldLayoutMkLst>
+        </pc:sldLayoutChg>
+        <pc:sldLayoutChg chg="add del replId">
+          <pc:chgData name="Mattia Micheli" userId="9230a64d-4596-4adf-a715-5ed28f577a01" providerId="ADAL" clId="{7028311B-C411-4A5B-978F-CDAEBBA96ABB}" dt="2022-12-11T14:54:39.629" v="4" actId="26606"/>
+          <pc:sldLayoutMkLst>
+            <pc:docMk/>
+            <pc:sldMasterMk cId="2349972511" sldId="2147483660"/>
+            <pc:sldLayoutMk cId="1553189693" sldId="2147483669"/>
+          </pc:sldLayoutMkLst>
+        </pc:sldLayoutChg>
+        <pc:sldLayoutChg chg="add del replId">
+          <pc:chgData name="Mattia Micheli" userId="9230a64d-4596-4adf-a715-5ed28f577a01" providerId="ADAL" clId="{7028311B-C411-4A5B-978F-CDAEBBA96ABB}" dt="2022-12-11T14:54:39.629" v="4" actId="26606"/>
+          <pc:sldLayoutMkLst>
+            <pc:docMk/>
+            <pc:sldMasterMk cId="2349972511" sldId="2147483660"/>
+            <pc:sldLayoutMk cId="2211993062" sldId="2147483670"/>
+          </pc:sldLayoutMkLst>
+        </pc:sldLayoutChg>
+        <pc:sldLayoutChg chg="add del replId">
+          <pc:chgData name="Mattia Micheli" userId="9230a64d-4596-4adf-a715-5ed28f577a01" providerId="ADAL" clId="{7028311B-C411-4A5B-978F-CDAEBBA96ABB}" dt="2022-12-11T14:54:39.629" v="4" actId="26606"/>
+          <pc:sldLayoutMkLst>
+            <pc:docMk/>
+            <pc:sldMasterMk cId="2349972511" sldId="2147483660"/>
+            <pc:sldLayoutMk cId="299325982" sldId="2147483671"/>
+          </pc:sldLayoutMkLst>
+        </pc:sldLayoutChg>
+      </pc:sldMasterChg>
+      <pc:sldMasterChg chg="add del addSldLayout delSldLayout">
+        <pc:chgData name="Mattia Micheli" userId="9230a64d-4596-4adf-a715-5ed28f577a01" providerId="ADAL" clId="{7028311B-C411-4A5B-978F-CDAEBBA96ABB}" dt="2022-12-11T14:54:31.923" v="2" actId="26606"/>
+        <pc:sldMasterMkLst>
+          <pc:docMk/>
+          <pc:sldMasterMk cId="1819520686" sldId="2147483673"/>
+        </pc:sldMasterMkLst>
+        <pc:sldLayoutChg chg="add del">
+          <pc:chgData name="Mattia Micheli" userId="9230a64d-4596-4adf-a715-5ed28f577a01" providerId="ADAL" clId="{7028311B-C411-4A5B-978F-CDAEBBA96ABB}" dt="2022-12-11T14:54:31.923" v="2" actId="26606"/>
+          <pc:sldLayoutMkLst>
+            <pc:docMk/>
+            <pc:sldMasterMk cId="1819520686" sldId="2147483673"/>
+            <pc:sldLayoutMk cId="1800616104" sldId="2147483662"/>
+          </pc:sldLayoutMkLst>
+        </pc:sldLayoutChg>
+        <pc:sldLayoutChg chg="add del">
+          <pc:chgData name="Mattia Micheli" userId="9230a64d-4596-4adf-a715-5ed28f577a01" providerId="ADAL" clId="{7028311B-C411-4A5B-978F-CDAEBBA96ABB}" dt="2022-12-11T14:54:31.923" v="2" actId="26606"/>
+          <pc:sldLayoutMkLst>
+            <pc:docMk/>
+            <pc:sldMasterMk cId="1819520686" sldId="2147483673"/>
+            <pc:sldLayoutMk cId="3627774038" sldId="2147483663"/>
+          </pc:sldLayoutMkLst>
+        </pc:sldLayoutChg>
+        <pc:sldLayoutChg chg="add del">
+          <pc:chgData name="Mattia Micheli" userId="9230a64d-4596-4adf-a715-5ed28f577a01" providerId="ADAL" clId="{7028311B-C411-4A5B-978F-CDAEBBA96ABB}" dt="2022-12-11T14:54:31.923" v="2" actId="26606"/>
+          <pc:sldLayoutMkLst>
+            <pc:docMk/>
+            <pc:sldMasterMk cId="1819520686" sldId="2147483673"/>
+            <pc:sldLayoutMk cId="2114518214" sldId="2147483664"/>
+          </pc:sldLayoutMkLst>
+        </pc:sldLayoutChg>
+        <pc:sldLayoutChg chg="add del">
+          <pc:chgData name="Mattia Micheli" userId="9230a64d-4596-4adf-a715-5ed28f577a01" providerId="ADAL" clId="{7028311B-C411-4A5B-978F-CDAEBBA96ABB}" dt="2022-12-11T14:54:31.923" v="2" actId="26606"/>
+          <pc:sldLayoutMkLst>
+            <pc:docMk/>
+            <pc:sldMasterMk cId="1819520686" sldId="2147483673"/>
+            <pc:sldLayoutMk cId="1980170072" sldId="2147483665"/>
+          </pc:sldLayoutMkLst>
+        </pc:sldLayoutChg>
+        <pc:sldLayoutChg chg="add del">
+          <pc:chgData name="Mattia Micheli" userId="9230a64d-4596-4adf-a715-5ed28f577a01" providerId="ADAL" clId="{7028311B-C411-4A5B-978F-CDAEBBA96ABB}" dt="2022-12-11T14:54:31.923" v="2" actId="26606"/>
+          <pc:sldLayoutMkLst>
+            <pc:docMk/>
+            <pc:sldMasterMk cId="1819520686" sldId="2147483673"/>
+            <pc:sldLayoutMk cId="59126477" sldId="2147483666"/>
+          </pc:sldLayoutMkLst>
+        </pc:sldLayoutChg>
+        <pc:sldLayoutChg chg="add del">
+          <pc:chgData name="Mattia Micheli" userId="9230a64d-4596-4adf-a715-5ed28f577a01" providerId="ADAL" clId="{7028311B-C411-4A5B-978F-CDAEBBA96ABB}" dt="2022-12-11T14:54:31.923" v="2" actId="26606"/>
+          <pc:sldLayoutMkLst>
+            <pc:docMk/>
+            <pc:sldMasterMk cId="1819520686" sldId="2147483673"/>
+            <pc:sldLayoutMk cId="1320350743" sldId="2147483667"/>
+          </pc:sldLayoutMkLst>
+        </pc:sldLayoutChg>
+        <pc:sldLayoutChg chg="add del">
+          <pc:chgData name="Mattia Micheli" userId="9230a64d-4596-4adf-a715-5ed28f577a01" providerId="ADAL" clId="{7028311B-C411-4A5B-978F-CDAEBBA96ABB}" dt="2022-12-11T14:54:31.923" v="2" actId="26606"/>
+          <pc:sldLayoutMkLst>
+            <pc:docMk/>
+            <pc:sldMasterMk cId="1819520686" sldId="2147483673"/>
+            <pc:sldLayoutMk cId="3681994025" sldId="2147483668"/>
+          </pc:sldLayoutMkLst>
+        </pc:sldLayoutChg>
+        <pc:sldLayoutChg chg="add del">
+          <pc:chgData name="Mattia Micheli" userId="9230a64d-4596-4adf-a715-5ed28f577a01" providerId="ADAL" clId="{7028311B-C411-4A5B-978F-CDAEBBA96ABB}" dt="2022-12-11T14:54:31.923" v="2" actId="26606"/>
+          <pc:sldLayoutMkLst>
+            <pc:docMk/>
+            <pc:sldMasterMk cId="1819520686" sldId="2147483673"/>
+            <pc:sldLayoutMk cId="1863965753" sldId="2147483669"/>
+          </pc:sldLayoutMkLst>
+        </pc:sldLayoutChg>
+        <pc:sldLayoutChg chg="add del">
+          <pc:chgData name="Mattia Micheli" userId="9230a64d-4596-4adf-a715-5ed28f577a01" providerId="ADAL" clId="{7028311B-C411-4A5B-978F-CDAEBBA96ABB}" dt="2022-12-11T14:54:31.923" v="2" actId="26606"/>
+          <pc:sldLayoutMkLst>
+            <pc:docMk/>
+            <pc:sldMasterMk cId="1819520686" sldId="2147483673"/>
+            <pc:sldLayoutMk cId="1505789130" sldId="2147483670"/>
+          </pc:sldLayoutMkLst>
+        </pc:sldLayoutChg>
+        <pc:sldLayoutChg chg="add del">
+          <pc:chgData name="Mattia Micheli" userId="9230a64d-4596-4adf-a715-5ed28f577a01" providerId="ADAL" clId="{7028311B-C411-4A5B-978F-CDAEBBA96ABB}" dt="2022-12-11T14:54:31.923" v="2" actId="26606"/>
+          <pc:sldLayoutMkLst>
+            <pc:docMk/>
+            <pc:sldMasterMk cId="1819520686" sldId="2147483673"/>
+            <pc:sldLayoutMk cId="2078441407" sldId="2147483671"/>
+          </pc:sldLayoutMkLst>
+        </pc:sldLayoutChg>
+        <pc:sldLayoutChg chg="add del">
+          <pc:chgData name="Mattia Micheli" userId="9230a64d-4596-4adf-a715-5ed28f577a01" providerId="ADAL" clId="{7028311B-C411-4A5B-978F-CDAEBBA96ABB}" dt="2022-12-11T14:54:31.923" v="2" actId="26606"/>
+          <pc:sldLayoutMkLst>
+            <pc:docMk/>
+            <pc:sldMasterMk cId="1819520686" sldId="2147483673"/>
+            <pc:sldLayoutMk cId="2180308126" sldId="2147483672"/>
+          </pc:sldLayoutMkLst>
+        </pc:sldLayoutChg>
+      </pc:sldMasterChg>
+      <pc:sldMasterChg chg="add addSldLayout">
+        <pc:chgData name="Mattia Micheli" userId="9230a64d-4596-4adf-a715-5ed28f577a01" providerId="ADAL" clId="{7028311B-C411-4A5B-978F-CDAEBBA96ABB}" dt="2022-12-11T14:54:39.669" v="5" actId="26606"/>
+        <pc:sldMasterMkLst>
+          <pc:docMk/>
+          <pc:sldMasterMk cId="2952249128" sldId="2147483712"/>
+        </pc:sldMasterMkLst>
+        <pc:sldLayoutChg chg="add">
+          <pc:chgData name="Mattia Micheli" userId="9230a64d-4596-4adf-a715-5ed28f577a01" providerId="ADAL" clId="{7028311B-C411-4A5B-978F-CDAEBBA96ABB}" dt="2022-12-11T14:54:39.669" v="5" actId="26606"/>
+          <pc:sldLayoutMkLst>
+            <pc:docMk/>
+            <pc:sldMasterMk cId="2952249128" sldId="2147483712"/>
+            <pc:sldLayoutMk cId="3264393234" sldId="2147483701"/>
+          </pc:sldLayoutMkLst>
+        </pc:sldLayoutChg>
+        <pc:sldLayoutChg chg="add">
+          <pc:chgData name="Mattia Micheli" userId="9230a64d-4596-4adf-a715-5ed28f577a01" providerId="ADAL" clId="{7028311B-C411-4A5B-978F-CDAEBBA96ABB}" dt="2022-12-11T14:54:39.669" v="5" actId="26606"/>
+          <pc:sldLayoutMkLst>
+            <pc:docMk/>
+            <pc:sldMasterMk cId="2952249128" sldId="2147483712"/>
+            <pc:sldLayoutMk cId="2530473953" sldId="2147483702"/>
+          </pc:sldLayoutMkLst>
+        </pc:sldLayoutChg>
+        <pc:sldLayoutChg chg="add">
+          <pc:chgData name="Mattia Micheli" userId="9230a64d-4596-4adf-a715-5ed28f577a01" providerId="ADAL" clId="{7028311B-C411-4A5B-978F-CDAEBBA96ABB}" dt="2022-12-11T14:54:39.669" v="5" actId="26606"/>
+          <pc:sldLayoutMkLst>
+            <pc:docMk/>
+            <pc:sldMasterMk cId="2952249128" sldId="2147483712"/>
+            <pc:sldLayoutMk cId="2606419940" sldId="2147483703"/>
+          </pc:sldLayoutMkLst>
+        </pc:sldLayoutChg>
+        <pc:sldLayoutChg chg="add">
+          <pc:chgData name="Mattia Micheli" userId="9230a64d-4596-4adf-a715-5ed28f577a01" providerId="ADAL" clId="{7028311B-C411-4A5B-978F-CDAEBBA96ABB}" dt="2022-12-11T14:54:39.669" v="5" actId="26606"/>
+          <pc:sldLayoutMkLst>
+            <pc:docMk/>
+            <pc:sldMasterMk cId="2952249128" sldId="2147483712"/>
+            <pc:sldLayoutMk cId="2069368232" sldId="2147483704"/>
+          </pc:sldLayoutMkLst>
+        </pc:sldLayoutChg>
+        <pc:sldLayoutChg chg="add">
+          <pc:chgData name="Mattia Micheli" userId="9230a64d-4596-4adf-a715-5ed28f577a01" providerId="ADAL" clId="{7028311B-C411-4A5B-978F-CDAEBBA96ABB}" dt="2022-12-11T14:54:39.669" v="5" actId="26606"/>
+          <pc:sldLayoutMkLst>
+            <pc:docMk/>
+            <pc:sldMasterMk cId="2952249128" sldId="2147483712"/>
+            <pc:sldLayoutMk cId="4070310156" sldId="2147483705"/>
+          </pc:sldLayoutMkLst>
+        </pc:sldLayoutChg>
+        <pc:sldLayoutChg chg="add">
+          <pc:chgData name="Mattia Micheli" userId="9230a64d-4596-4adf-a715-5ed28f577a01" providerId="ADAL" clId="{7028311B-C411-4A5B-978F-CDAEBBA96ABB}" dt="2022-12-11T14:54:39.669" v="5" actId="26606"/>
+          <pc:sldLayoutMkLst>
+            <pc:docMk/>
+            <pc:sldMasterMk cId="2952249128" sldId="2147483712"/>
+            <pc:sldLayoutMk cId="2055427753" sldId="2147483706"/>
+          </pc:sldLayoutMkLst>
+        </pc:sldLayoutChg>
+        <pc:sldLayoutChg chg="add">
+          <pc:chgData name="Mattia Micheli" userId="9230a64d-4596-4adf-a715-5ed28f577a01" providerId="ADAL" clId="{7028311B-C411-4A5B-978F-CDAEBBA96ABB}" dt="2022-12-11T14:54:39.669" v="5" actId="26606"/>
+          <pc:sldLayoutMkLst>
+            <pc:docMk/>
+            <pc:sldMasterMk cId="2952249128" sldId="2147483712"/>
+            <pc:sldLayoutMk cId="68326332" sldId="2147483707"/>
+          </pc:sldLayoutMkLst>
+        </pc:sldLayoutChg>
+        <pc:sldLayoutChg chg="add">
+          <pc:chgData name="Mattia Micheli" userId="9230a64d-4596-4adf-a715-5ed28f577a01" providerId="ADAL" clId="{7028311B-C411-4A5B-978F-CDAEBBA96ABB}" dt="2022-12-11T14:54:39.669" v="5" actId="26606"/>
+          <pc:sldLayoutMkLst>
+            <pc:docMk/>
+            <pc:sldMasterMk cId="2952249128" sldId="2147483712"/>
+            <pc:sldLayoutMk cId="52938521" sldId="2147483708"/>
+          </pc:sldLayoutMkLst>
+        </pc:sldLayoutChg>
+        <pc:sldLayoutChg chg="add">
+          <pc:chgData name="Mattia Micheli" userId="9230a64d-4596-4adf-a715-5ed28f577a01" providerId="ADAL" clId="{7028311B-C411-4A5B-978F-CDAEBBA96ABB}" dt="2022-12-11T14:54:39.669" v="5" actId="26606"/>
+          <pc:sldLayoutMkLst>
+            <pc:docMk/>
+            <pc:sldMasterMk cId="2952249128" sldId="2147483712"/>
+            <pc:sldLayoutMk cId="3872602566" sldId="2147483709"/>
+          </pc:sldLayoutMkLst>
+        </pc:sldLayoutChg>
+        <pc:sldLayoutChg chg="add">
+          <pc:chgData name="Mattia Micheli" userId="9230a64d-4596-4adf-a715-5ed28f577a01" providerId="ADAL" clId="{7028311B-C411-4A5B-978F-CDAEBBA96ABB}" dt="2022-12-11T14:54:39.669" v="5" actId="26606"/>
+          <pc:sldLayoutMkLst>
+            <pc:docMk/>
+            <pc:sldMasterMk cId="2952249128" sldId="2147483712"/>
+            <pc:sldLayoutMk cId="3155305321" sldId="2147483710"/>
+          </pc:sldLayoutMkLst>
+        </pc:sldLayoutChg>
+        <pc:sldLayoutChg chg="add">
+          <pc:chgData name="Mattia Micheli" userId="9230a64d-4596-4adf-a715-5ed28f577a01" providerId="ADAL" clId="{7028311B-C411-4A5B-978F-CDAEBBA96ABB}" dt="2022-12-11T14:54:39.669" v="5" actId="26606"/>
+          <pc:sldLayoutMkLst>
+            <pc:docMk/>
+            <pc:sldMasterMk cId="2952249128" sldId="2147483712"/>
+            <pc:sldLayoutMk cId="2114894761" sldId="2147483711"/>
+          </pc:sldLayoutMkLst>
+        </pc:sldLayoutChg>
+      </pc:sldMasterChg>
+    </pc:docChg>
+  </pc:docChgLst>
+  <pc:docChgLst>
     <pc:chgData name="Edoardo Passarino" userId="S::edoardo.passarino@itstechtalentfactory.it::07fba810-4bbe-430b-bfe8-f8d54a9e1a4c" providerId="AD" clId="Web-{F5A70C3D-A4F9-492C-9B26-5F6BF2159C4F}"/>
     <pc:docChg chg="modSld">
       <pc:chgData name="Edoardo Passarino" userId="S::edoardo.passarino@itstechtalentfactory.it::07fba810-4bbe-430b-bfe8-f8d54a9e1a4c" providerId="AD" clId="Web-{F5A70C3D-A4F9-492C-9B26-5F6BF2159C4F}" dt="2022-12-12T13:04:18.320" v="13" actId="20577"/>
@@ -1601,1149 +2744,6 @@
           </ac:spMkLst>
         </pc:spChg>
       </pc:sldChg>
-    </pc:docChg>
-  </pc:docChgLst>
-  <pc:docChgLst>
-    <pc:chgData name="Mattia Micheli" userId="9230a64d-4596-4adf-a715-5ed28f577a01" providerId="ADAL" clId="{7028311B-C411-4A5B-978F-CDAEBBA96ABB}"/>
-    <pc:docChg chg="undo custSel addSld delSld modSld addMainMaster delMainMaster">
-      <pc:chgData name="Mattia Micheli" userId="9230a64d-4596-4adf-a715-5ed28f577a01" providerId="ADAL" clId="{7028311B-C411-4A5B-978F-CDAEBBA96ABB}" dt="2022-12-11T15:26:21.043" v="179" actId="27636"/>
-      <pc:docMkLst>
-        <pc:docMk/>
-      </pc:docMkLst>
-      <pc:sldChg chg="addSp delSp modSp mod setBg modClrScheme delDesignElem chgLayout">
-        <pc:chgData name="Mattia Micheli" userId="9230a64d-4596-4adf-a715-5ed28f577a01" providerId="ADAL" clId="{7028311B-C411-4A5B-978F-CDAEBBA96ABB}" dt="2022-12-11T15:15:03.126" v="110" actId="2711"/>
-        <pc:sldMkLst>
-          <pc:docMk/>
-          <pc:sldMk cId="322803886" sldId="256"/>
-        </pc:sldMkLst>
-        <pc:spChg chg="del">
-          <ac:chgData name="Mattia Micheli" userId="9230a64d-4596-4adf-a715-5ed28f577a01" providerId="ADAL" clId="{7028311B-C411-4A5B-978F-CDAEBBA96ABB}" dt="2022-12-11T14:53:16.833" v="0" actId="478"/>
-          <ac:spMkLst>
-            <pc:docMk/>
-            <pc:sldMk cId="322803886" sldId="256"/>
-            <ac:spMk id="2" creationId="{34CF7589-775F-D292-AA4E-6EAFD6EF1562}"/>
-          </ac:spMkLst>
-        </pc:spChg>
-        <pc:spChg chg="mod ord">
-          <ac:chgData name="Mattia Micheli" userId="9230a64d-4596-4adf-a715-5ed28f577a01" providerId="ADAL" clId="{7028311B-C411-4A5B-978F-CDAEBBA96ABB}" dt="2022-12-11T15:15:03.126" v="110" actId="2711"/>
-          <ac:spMkLst>
-            <pc:docMk/>
-            <pc:sldMk cId="322803886" sldId="256"/>
-            <ac:spMk id="3" creationId="{2F1093C1-E10B-213C-5A37-AE8056C1BB6E}"/>
-          </ac:spMkLst>
-        </pc:spChg>
-        <pc:spChg chg="add del">
-          <ac:chgData name="Mattia Micheli" userId="9230a64d-4596-4adf-a715-5ed28f577a01" providerId="ADAL" clId="{7028311B-C411-4A5B-978F-CDAEBBA96ABB}" dt="2022-12-11T14:54:31.923" v="2" actId="26606"/>
-          <ac:spMkLst>
-            <pc:docMk/>
-            <pc:sldMk cId="322803886" sldId="256"/>
-            <ac:spMk id="13" creationId="{55B419A7-F817-4767-8CCB-FB0E189C4ACD}"/>
-          </ac:spMkLst>
-        </pc:spChg>
-        <pc:spChg chg="add del">
-          <ac:chgData name="Mattia Micheli" userId="9230a64d-4596-4adf-a715-5ed28f577a01" providerId="ADAL" clId="{7028311B-C411-4A5B-978F-CDAEBBA96ABB}" dt="2022-12-11T14:54:31.923" v="2" actId="26606"/>
-          <ac:spMkLst>
-            <pc:docMk/>
-            <pc:sldMk cId="322803886" sldId="256"/>
-            <ac:spMk id="17" creationId="{ADA271CD-3011-4A05-B4A3-80F1794684F2}"/>
-          </ac:spMkLst>
-        </pc:spChg>
-        <pc:spChg chg="add del">
-          <ac:chgData name="Mattia Micheli" userId="9230a64d-4596-4adf-a715-5ed28f577a01" providerId="ADAL" clId="{7028311B-C411-4A5B-978F-CDAEBBA96ABB}" dt="2022-12-11T14:54:39.629" v="4" actId="26606"/>
-          <ac:spMkLst>
-            <pc:docMk/>
-            <pc:sldMk cId="322803886" sldId="256"/>
-            <ac:spMk id="19" creationId="{03C2051E-A88D-48E5-BACF-AAED17892722}"/>
-          </ac:spMkLst>
-        </pc:spChg>
-        <pc:spChg chg="add del">
-          <ac:chgData name="Mattia Micheli" userId="9230a64d-4596-4adf-a715-5ed28f577a01" providerId="ADAL" clId="{7028311B-C411-4A5B-978F-CDAEBBA96ABB}" dt="2022-12-11T14:54:39.629" v="4" actId="26606"/>
-          <ac:spMkLst>
-            <pc:docMk/>
-            <pc:sldMk cId="322803886" sldId="256"/>
-            <ac:spMk id="20" creationId="{362D44EE-C852-4460-B8B5-C4F2BC20510C}"/>
-          </ac:spMkLst>
-        </pc:spChg>
-        <pc:spChg chg="add del">
-          <ac:chgData name="Mattia Micheli" userId="9230a64d-4596-4adf-a715-5ed28f577a01" providerId="ADAL" clId="{7028311B-C411-4A5B-978F-CDAEBBA96ABB}" dt="2022-12-11T14:54:39.629" v="4" actId="26606"/>
-          <ac:spMkLst>
-            <pc:docMk/>
-            <pc:sldMk cId="322803886" sldId="256"/>
-            <ac:spMk id="21" creationId="{7821A508-2985-4905-874A-527429BAABFA}"/>
-          </ac:spMkLst>
-        </pc:spChg>
-        <pc:spChg chg="add del">
-          <ac:chgData name="Mattia Micheli" userId="9230a64d-4596-4adf-a715-5ed28f577a01" providerId="ADAL" clId="{7028311B-C411-4A5B-978F-CDAEBBA96ABB}" dt="2022-12-11T14:54:39.629" v="4" actId="26606"/>
-          <ac:spMkLst>
-            <pc:docMk/>
-            <pc:sldMk cId="322803886" sldId="256"/>
-            <ac:spMk id="22" creationId="{658970D8-8D1D-4B5C-894B-E871CC86543D}"/>
-          </ac:spMkLst>
-        </pc:spChg>
-        <pc:spChg chg="add del">
-          <ac:chgData name="Mattia Micheli" userId="9230a64d-4596-4adf-a715-5ed28f577a01" providerId="ADAL" clId="{7028311B-C411-4A5B-978F-CDAEBBA96ABB}" dt="2022-12-11T14:54:39.629" v="4" actId="26606"/>
-          <ac:spMkLst>
-            <pc:docMk/>
-            <pc:sldMk cId="322803886" sldId="256"/>
-            <ac:spMk id="23" creationId="{D2929CB1-0E3C-4B2D-ADC5-0154FB33BA44}"/>
-          </ac:spMkLst>
-        </pc:spChg>
-        <pc:spChg chg="add del">
-          <ac:chgData name="Mattia Micheli" userId="9230a64d-4596-4adf-a715-5ed28f577a01" providerId="ADAL" clId="{7028311B-C411-4A5B-978F-CDAEBBA96ABB}" dt="2022-12-11T14:54:39.629" v="4" actId="26606"/>
-          <ac:spMkLst>
-            <pc:docMk/>
-            <pc:sldMk cId="322803886" sldId="256"/>
-            <ac:spMk id="24" creationId="{F227E5B6-9132-43CA-B503-37A18562ADF2}"/>
-          </ac:spMkLst>
-        </pc:spChg>
-        <pc:spChg chg="add del">
-          <ac:chgData name="Mattia Micheli" userId="9230a64d-4596-4adf-a715-5ed28f577a01" providerId="ADAL" clId="{7028311B-C411-4A5B-978F-CDAEBBA96ABB}" dt="2022-12-11T14:54:39.629" v="4" actId="26606"/>
-          <ac:spMkLst>
-            <pc:docMk/>
-            <pc:sldMk cId="322803886" sldId="256"/>
-            <ac:spMk id="25" creationId="{5F2F0C84-BE8C-4DC2-A6D3-30349A801D5C}"/>
-          </ac:spMkLst>
-        </pc:spChg>
-        <pc:spChg chg="add">
-          <ac:chgData name="Mattia Micheli" userId="9230a64d-4596-4adf-a715-5ed28f577a01" providerId="ADAL" clId="{7028311B-C411-4A5B-978F-CDAEBBA96ABB}" dt="2022-12-11T14:54:39.669" v="5" actId="26606"/>
-          <ac:spMkLst>
-            <pc:docMk/>
-            <pc:sldMk cId="322803886" sldId="256"/>
-            <ac:spMk id="27" creationId="{7A18C9FB-EC4C-4DAE-8F7D-C6E5AF607958}"/>
-          </ac:spMkLst>
-        </pc:spChg>
-        <pc:spChg chg="add">
-          <ac:chgData name="Mattia Micheli" userId="9230a64d-4596-4adf-a715-5ed28f577a01" providerId="ADAL" clId="{7028311B-C411-4A5B-978F-CDAEBBA96ABB}" dt="2022-12-11T14:54:39.669" v="5" actId="26606"/>
-          <ac:spMkLst>
-            <pc:docMk/>
-            <pc:sldMk cId="322803886" sldId="256"/>
-            <ac:spMk id="28" creationId="{CBD8B1E7-EF0A-4118-A804-D7F559784B00}"/>
-          </ac:spMkLst>
-        </pc:spChg>
-        <pc:spChg chg="add">
-          <ac:chgData name="Mattia Micheli" userId="9230a64d-4596-4adf-a715-5ed28f577a01" providerId="ADAL" clId="{7028311B-C411-4A5B-978F-CDAEBBA96ABB}" dt="2022-12-11T14:54:39.669" v="5" actId="26606"/>
-          <ac:spMkLst>
-            <pc:docMk/>
-            <pc:sldMk cId="322803886" sldId="256"/>
-            <ac:spMk id="29" creationId="{3B2B1500-BB55-471C-8A9E-67288297ECE1}"/>
-          </ac:spMkLst>
-        </pc:spChg>
-        <pc:spChg chg="add">
-          <ac:chgData name="Mattia Micheli" userId="9230a64d-4596-4adf-a715-5ed28f577a01" providerId="ADAL" clId="{7028311B-C411-4A5B-978F-CDAEBBA96ABB}" dt="2022-12-11T14:54:39.669" v="5" actId="26606"/>
-          <ac:spMkLst>
-            <pc:docMk/>
-            <pc:sldMk cId="322803886" sldId="256"/>
-            <ac:spMk id="30" creationId="{3045E22C-A99D-41BB-AF14-EF1B1E745A70}"/>
-          </ac:spMkLst>
-        </pc:spChg>
-        <pc:spChg chg="add del">
-          <ac:chgData name="Mattia Micheli" userId="9230a64d-4596-4adf-a715-5ed28f577a01" providerId="ADAL" clId="{7028311B-C411-4A5B-978F-CDAEBBA96ABB}" dt="2022-12-11T14:59:59.912" v="31"/>
-          <ac:spMkLst>
-            <pc:docMk/>
-            <pc:sldMk cId="322803886" sldId="256"/>
-            <ac:spMk id="35" creationId="{1DB043B4-68C6-45B9-82AC-A5800EADB8DB}"/>
-          </ac:spMkLst>
-        </pc:spChg>
-        <pc:spChg chg="add del">
-          <ac:chgData name="Mattia Micheli" userId="9230a64d-4596-4adf-a715-5ed28f577a01" providerId="ADAL" clId="{7028311B-C411-4A5B-978F-CDAEBBA96ABB}" dt="2022-12-11T14:59:59.912" v="31"/>
-          <ac:spMkLst>
-            <pc:docMk/>
-            <pc:sldMk cId="322803886" sldId="256"/>
-            <ac:spMk id="37" creationId="{61B0F92C-925A-4D2E-839E-EB381378C315}"/>
-          </ac:spMkLst>
-        </pc:spChg>
-        <pc:picChg chg="mod">
-          <ac:chgData name="Mattia Micheli" userId="9230a64d-4596-4adf-a715-5ed28f577a01" providerId="ADAL" clId="{7028311B-C411-4A5B-978F-CDAEBBA96ABB}" dt="2022-12-11T15:00:27.102" v="35" actId="1076"/>
-          <ac:picMkLst>
-            <pc:docMk/>
-            <pc:sldMk cId="322803886" sldId="256"/>
-            <ac:picMk id="8" creationId="{12901770-D8C6-5CD5-F32A-A520A35A2431}"/>
-          </ac:picMkLst>
-        </pc:picChg>
-        <pc:cxnChg chg="add del">
-          <ac:chgData name="Mattia Micheli" userId="9230a64d-4596-4adf-a715-5ed28f577a01" providerId="ADAL" clId="{7028311B-C411-4A5B-978F-CDAEBBA96ABB}" dt="2022-12-11T14:54:31.923" v="2" actId="26606"/>
-          <ac:cxnSpMkLst>
-            <pc:docMk/>
-            <pc:sldMk cId="322803886" sldId="256"/>
-            <ac:cxnSpMk id="15" creationId="{0552FC00-E6D3-45AF-BE3D-0368141142EE}"/>
-          </ac:cxnSpMkLst>
-        </pc:cxnChg>
-      </pc:sldChg>
-      <pc:sldChg chg="addSp delSp modSp new mod setClrOvrMap">
-        <pc:chgData name="Mattia Micheli" userId="9230a64d-4596-4adf-a715-5ed28f577a01" providerId="ADAL" clId="{7028311B-C411-4A5B-978F-CDAEBBA96ABB}" dt="2022-12-11T15:20:17.710" v="121" actId="255"/>
-        <pc:sldMkLst>
-          <pc:docMk/>
-          <pc:sldMk cId="1511362492" sldId="257"/>
-        </pc:sldMkLst>
-        <pc:spChg chg="mod">
-          <ac:chgData name="Mattia Micheli" userId="9230a64d-4596-4adf-a715-5ed28f577a01" providerId="ADAL" clId="{7028311B-C411-4A5B-978F-CDAEBBA96ABB}" dt="2022-12-11T15:06:01.253" v="51" actId="26606"/>
-          <ac:spMkLst>
-            <pc:docMk/>
-            <pc:sldMk cId="1511362492" sldId="257"/>
-            <ac:spMk id="2" creationId="{82FC2FD5-9BA6-5EFF-9882-258E1386273C}"/>
-          </ac:spMkLst>
-        </pc:spChg>
-        <pc:spChg chg="add del mod">
-          <ac:chgData name="Mattia Micheli" userId="9230a64d-4596-4adf-a715-5ed28f577a01" providerId="ADAL" clId="{7028311B-C411-4A5B-978F-CDAEBBA96ABB}" dt="2022-12-11T15:15:39.515" v="114" actId="115"/>
-          <ac:spMkLst>
-            <pc:docMk/>
-            <pc:sldMk cId="1511362492" sldId="257"/>
-            <ac:spMk id="3" creationId="{03804A59-0C9F-36FA-5259-EC5D6FD4DFAB}"/>
-          </ac:spMkLst>
-        </pc:spChg>
-        <pc:spChg chg="add mod">
-          <ac:chgData name="Mattia Micheli" userId="9230a64d-4596-4adf-a715-5ed28f577a01" providerId="ADAL" clId="{7028311B-C411-4A5B-978F-CDAEBBA96ABB}" dt="2022-12-11T15:20:17.710" v="121" actId="255"/>
-          <ac:spMkLst>
-            <pc:docMk/>
-            <pc:sldMk cId="1511362492" sldId="257"/>
-            <ac:spMk id="5" creationId="{7A5E8BC5-077D-F1D2-B9C0-CC3D4310A478}"/>
-          </ac:spMkLst>
-        </pc:spChg>
-        <pc:spChg chg="add del mod">
-          <ac:chgData name="Mattia Micheli" userId="9230a64d-4596-4adf-a715-5ed28f577a01" providerId="ADAL" clId="{7028311B-C411-4A5B-978F-CDAEBBA96ABB}" dt="2022-12-11T15:07:56.876" v="75"/>
-          <ac:spMkLst>
-            <pc:docMk/>
-            <pc:sldMk cId="1511362492" sldId="257"/>
-            <ac:spMk id="6" creationId="{064E5E05-A0D8-D1E6-B00A-6839569299FE}"/>
-          </ac:spMkLst>
-        </pc:spChg>
-        <pc:spChg chg="add mod">
-          <ac:chgData name="Mattia Micheli" userId="9230a64d-4596-4adf-a715-5ed28f577a01" providerId="ADAL" clId="{7028311B-C411-4A5B-978F-CDAEBBA96ABB}" dt="2022-12-11T15:15:28.685" v="112" actId="115"/>
-          <ac:spMkLst>
-            <pc:docMk/>
-            <pc:sldMk cId="1511362492" sldId="257"/>
-            <ac:spMk id="7" creationId="{434390F7-1CB8-56C4-493B-901290065724}"/>
-          </ac:spMkLst>
-        </pc:spChg>
-        <pc:spChg chg="add del">
-          <ac:chgData name="Mattia Micheli" userId="9230a64d-4596-4adf-a715-5ed28f577a01" providerId="ADAL" clId="{7028311B-C411-4A5B-978F-CDAEBBA96ABB}" dt="2022-12-11T15:03:24.190" v="42" actId="26606"/>
-          <ac:spMkLst>
-            <pc:docMk/>
-            <pc:sldMk cId="1511362492" sldId="257"/>
-            <ac:spMk id="8" creationId="{2AEFFFF2-9EB4-4B6C-B9F8-2BA3EF89A21C}"/>
-          </ac:spMkLst>
-        </pc:spChg>
-        <pc:spChg chg="add mod">
-          <ac:chgData name="Mattia Micheli" userId="9230a64d-4596-4adf-a715-5ed28f577a01" providerId="ADAL" clId="{7028311B-C411-4A5B-978F-CDAEBBA96ABB}" dt="2022-12-11T15:15:32.579" v="113" actId="115"/>
-          <ac:spMkLst>
-            <pc:docMk/>
-            <pc:sldMk cId="1511362492" sldId="257"/>
-            <ac:spMk id="9" creationId="{F2DBCC72-B772-C35D-DADC-CA5121A6CCA5}"/>
-          </ac:spMkLst>
-        </pc:spChg>
-        <pc:spChg chg="add del">
-          <ac:chgData name="Mattia Micheli" userId="9230a64d-4596-4adf-a715-5ed28f577a01" providerId="ADAL" clId="{7028311B-C411-4A5B-978F-CDAEBBA96ABB}" dt="2022-12-11T15:03:24.190" v="42" actId="26606"/>
-          <ac:spMkLst>
-            <pc:docMk/>
-            <pc:sldMk cId="1511362492" sldId="257"/>
-            <ac:spMk id="10" creationId="{0D65299F-028F-4AFC-B46A-8DB33E20FE4A}"/>
-          </ac:spMkLst>
-        </pc:spChg>
-        <pc:spChg chg="add del">
-          <ac:chgData name="Mattia Micheli" userId="9230a64d-4596-4adf-a715-5ed28f577a01" providerId="ADAL" clId="{7028311B-C411-4A5B-978F-CDAEBBA96ABB}" dt="2022-12-11T15:03:24.190" v="42" actId="26606"/>
-          <ac:spMkLst>
-            <pc:docMk/>
-            <pc:sldMk cId="1511362492" sldId="257"/>
-            <ac:spMk id="12" creationId="{BAC87F6E-526A-49B5-995D-42DB656594C9}"/>
-          </ac:spMkLst>
-        </pc:spChg>
-        <pc:spChg chg="add del">
-          <ac:chgData name="Mattia Micheli" userId="9230a64d-4596-4adf-a715-5ed28f577a01" providerId="ADAL" clId="{7028311B-C411-4A5B-978F-CDAEBBA96ABB}" dt="2022-12-11T15:03:24.190" v="42" actId="26606"/>
-          <ac:spMkLst>
-            <pc:docMk/>
-            <pc:sldMk cId="1511362492" sldId="257"/>
-            <ac:spMk id="15" creationId="{0AF33C27-9C85-4B30-9AD7-879D48AFE4FF}"/>
-          </ac:spMkLst>
-        </pc:spChg>
-        <pc:spChg chg="add del">
-          <ac:chgData name="Mattia Micheli" userId="9230a64d-4596-4adf-a715-5ed28f577a01" providerId="ADAL" clId="{7028311B-C411-4A5B-978F-CDAEBBA96ABB}" dt="2022-12-11T15:03:24.190" v="42" actId="26606"/>
-          <ac:spMkLst>
-            <pc:docMk/>
-            <pc:sldMk cId="1511362492" sldId="257"/>
-            <ac:spMk id="16" creationId="{6D5089DD-882D-4413-B8BF-4798BFD84A98}"/>
-          </ac:spMkLst>
-        </pc:spChg>
-        <pc:spChg chg="add del">
-          <ac:chgData name="Mattia Micheli" userId="9230a64d-4596-4adf-a715-5ed28f577a01" providerId="ADAL" clId="{7028311B-C411-4A5B-978F-CDAEBBA96ABB}" dt="2022-12-11T15:03:16.235" v="40" actId="26606"/>
-          <ac:spMkLst>
-            <pc:docMk/>
-            <pc:sldMk cId="1511362492" sldId="257"/>
-            <ac:spMk id="18" creationId="{4E866FF9-A729-45F0-A163-10E89E871602}"/>
-          </ac:spMkLst>
-        </pc:spChg>
-        <pc:spChg chg="add del">
-          <ac:chgData name="Mattia Micheli" userId="9230a64d-4596-4adf-a715-5ed28f577a01" providerId="ADAL" clId="{7028311B-C411-4A5B-978F-CDAEBBA96ABB}" dt="2022-12-11T15:06:01.253" v="51" actId="26606"/>
-          <ac:spMkLst>
-            <pc:docMk/>
-            <pc:sldMk cId="1511362492" sldId="257"/>
-            <ac:spMk id="19" creationId="{93F0ADB5-A0B4-4B01-A8C4-FDC34CE22BD4}"/>
-          </ac:spMkLst>
-        </pc:spChg>
-        <pc:spChg chg="add del">
-          <ac:chgData name="Mattia Micheli" userId="9230a64d-4596-4adf-a715-5ed28f577a01" providerId="ADAL" clId="{7028311B-C411-4A5B-978F-CDAEBBA96ABB}" dt="2022-12-11T15:03:16.235" v="40" actId="26606"/>
-          <ac:spMkLst>
-            <pc:docMk/>
-            <pc:sldMk cId="1511362492" sldId="257"/>
-            <ac:spMk id="20" creationId="{A804366F-2366-4688-98E7-B101C7BC6146}"/>
-          </ac:spMkLst>
-        </pc:spChg>
-        <pc:spChg chg="add del">
-          <ac:chgData name="Mattia Micheli" userId="9230a64d-4596-4adf-a715-5ed28f577a01" providerId="ADAL" clId="{7028311B-C411-4A5B-978F-CDAEBBA96ABB}" dt="2022-12-11T15:06:01.253" v="51" actId="26606"/>
-          <ac:spMkLst>
-            <pc:docMk/>
-            <pc:sldMk cId="1511362492" sldId="257"/>
-            <ac:spMk id="21" creationId="{AA6D0FDE-0241-4C21-A720-A69475358235}"/>
-          </ac:spMkLst>
-        </pc:spChg>
-        <pc:graphicFrameChg chg="add del">
-          <ac:chgData name="Mattia Micheli" userId="9230a64d-4596-4adf-a715-5ed28f577a01" providerId="ADAL" clId="{7028311B-C411-4A5B-978F-CDAEBBA96ABB}" dt="2022-12-11T15:03:16.235" v="40" actId="26606"/>
-          <ac:graphicFrameMkLst>
-            <pc:docMk/>
-            <pc:sldMk cId="1511362492" sldId="257"/>
-            <ac:graphicFrameMk id="14" creationId="{33050BD3-3040-062D-03D5-A055D1C7DD1F}"/>
-          </ac:graphicFrameMkLst>
-        </pc:graphicFrameChg>
-        <pc:graphicFrameChg chg="add del">
-          <ac:chgData name="Mattia Micheli" userId="9230a64d-4596-4adf-a715-5ed28f577a01" providerId="ADAL" clId="{7028311B-C411-4A5B-978F-CDAEBBA96ABB}" dt="2022-12-11T15:03:24.190" v="42" actId="26606"/>
-          <ac:graphicFrameMkLst>
-            <pc:docMk/>
-            <pc:sldMk cId="1511362492" sldId="257"/>
-            <ac:graphicFrameMk id="17" creationId="{9AE0D0F0-2EDF-A43D-C908-1D3F8A72B428}"/>
-          </ac:graphicFrameMkLst>
-        </pc:graphicFrameChg>
-        <pc:graphicFrameChg chg="mod">
-          <ac:chgData name="Mattia Micheli" userId="9230a64d-4596-4adf-a715-5ed28f577a01" providerId="ADAL" clId="{7028311B-C411-4A5B-978F-CDAEBBA96ABB}" dt="2022-12-11T15:05:26.770" v="49"/>
-          <ac:graphicFrameMkLst>
-            <pc:docMk/>
-            <pc:sldMk cId="1511362492" sldId="257"/>
-            <ac:graphicFrameMk id="22" creationId="{A9F60E50-54B0-F5A4-8F4F-8E8340805BB7}"/>
-          </ac:graphicFrameMkLst>
-        </pc:graphicFrameChg>
-      </pc:sldChg>
-      <pc:sldChg chg="addSp delSp modSp new del mod setBg delDesignElem">
-        <pc:chgData name="Mattia Micheli" userId="9230a64d-4596-4adf-a715-5ed28f577a01" providerId="ADAL" clId="{7028311B-C411-4A5B-978F-CDAEBBA96ABB}" dt="2022-12-11T14:59:27.486" v="28" actId="2696"/>
-        <pc:sldMkLst>
-          <pc:docMk/>
-          <pc:sldMk cId="3622633156" sldId="257"/>
-        </pc:sldMkLst>
-        <pc:spChg chg="mod">
-          <ac:chgData name="Mattia Micheli" userId="9230a64d-4596-4adf-a715-5ed28f577a01" providerId="ADAL" clId="{7028311B-C411-4A5B-978F-CDAEBBA96ABB}" dt="2022-12-11T14:58:10.299" v="18" actId="26606"/>
-          <ac:spMkLst>
-            <pc:docMk/>
-            <pc:sldMk cId="3622633156" sldId="257"/>
-            <ac:spMk id="2" creationId="{A52AB8FD-EC87-10EA-77A2-8221B4EC95BE}"/>
-          </ac:spMkLst>
-        </pc:spChg>
-        <pc:spChg chg="add del">
-          <ac:chgData name="Mattia Micheli" userId="9230a64d-4596-4adf-a715-5ed28f577a01" providerId="ADAL" clId="{7028311B-C411-4A5B-978F-CDAEBBA96ABB}" dt="2022-12-11T14:58:10.299" v="18" actId="26606"/>
-          <ac:spMkLst>
-            <pc:docMk/>
-            <pc:sldMk cId="3622633156" sldId="257"/>
-            <ac:spMk id="3" creationId="{47804C9D-8448-5015-11EA-2F2115EA0B01}"/>
-          </ac:spMkLst>
-        </pc:spChg>
-        <pc:spChg chg="add del">
-          <ac:chgData name="Mattia Micheli" userId="9230a64d-4596-4adf-a715-5ed28f577a01" providerId="ADAL" clId="{7028311B-C411-4A5B-978F-CDAEBBA96ABB}" dt="2022-12-11T14:58:06.633" v="11" actId="26606"/>
-          <ac:spMkLst>
-            <pc:docMk/>
-            <pc:sldMk cId="3622633156" sldId="257"/>
-            <ac:spMk id="8" creationId="{82184FF4-7029-4ED7-813A-192E60608764}"/>
-          </ac:spMkLst>
-        </pc:spChg>
-        <pc:spChg chg="add del">
-          <ac:chgData name="Mattia Micheli" userId="9230a64d-4596-4adf-a715-5ed28f577a01" providerId="ADAL" clId="{7028311B-C411-4A5B-978F-CDAEBBA96ABB}" dt="2022-12-11T14:58:06.633" v="11" actId="26606"/>
-          <ac:spMkLst>
-            <pc:docMk/>
-            <pc:sldMk cId="3622633156" sldId="257"/>
-            <ac:spMk id="10" creationId="{AAA7AB09-557C-41AD-9113-FF9F68FA1035}"/>
-          </ac:spMkLst>
-        </pc:spChg>
-        <pc:spChg chg="add del">
-          <ac:chgData name="Mattia Micheli" userId="9230a64d-4596-4adf-a715-5ed28f577a01" providerId="ADAL" clId="{7028311B-C411-4A5B-978F-CDAEBBA96ABB}" dt="2022-12-11T14:58:06.633" v="11" actId="26606"/>
-          <ac:spMkLst>
-            <pc:docMk/>
-            <pc:sldMk cId="3622633156" sldId="257"/>
-            <ac:spMk id="12" creationId="{EF99ECAA-1F11-4937-BBA6-51935AB44C9D}"/>
-          </ac:spMkLst>
-        </pc:spChg>
-        <pc:spChg chg="add del">
-          <ac:chgData name="Mattia Micheli" userId="9230a64d-4596-4adf-a715-5ed28f577a01" providerId="ADAL" clId="{7028311B-C411-4A5B-978F-CDAEBBA96ABB}" dt="2022-12-11T14:58:10.294" v="17" actId="26606"/>
-          <ac:spMkLst>
-            <pc:docMk/>
-            <pc:sldMk cId="3622633156" sldId="257"/>
-            <ac:spMk id="16" creationId="{6B180A47-07F3-45CF-91AB-5F26C83AB7A0}"/>
-          </ac:spMkLst>
-        </pc:spChg>
-        <pc:spChg chg="add del">
-          <ac:chgData name="Mattia Micheli" userId="9230a64d-4596-4adf-a715-5ed28f577a01" providerId="ADAL" clId="{7028311B-C411-4A5B-978F-CDAEBBA96ABB}" dt="2022-12-11T14:58:10.294" v="17" actId="26606"/>
-          <ac:spMkLst>
-            <pc:docMk/>
-            <pc:sldMk cId="3622633156" sldId="257"/>
-            <ac:spMk id="18" creationId="{7A7405C2-5931-4635-A369-516BE02E3FDF}"/>
-          </ac:spMkLst>
-        </pc:spChg>
-        <pc:spChg chg="add del">
-          <ac:chgData name="Mattia Micheli" userId="9230a64d-4596-4adf-a715-5ed28f577a01" providerId="ADAL" clId="{7028311B-C411-4A5B-978F-CDAEBBA96ABB}" dt="2022-12-11T14:58:06.633" v="11" actId="26606"/>
-          <ac:spMkLst>
-            <pc:docMk/>
-            <pc:sldMk cId="3622633156" sldId="257"/>
-            <ac:spMk id="20" creationId="{1997061E-3447-40AF-B361-EE5D7E386419}"/>
-          </ac:spMkLst>
-        </pc:spChg>
-        <pc:spChg chg="add del">
-          <ac:chgData name="Mattia Micheli" userId="9230a64d-4596-4adf-a715-5ed28f577a01" providerId="ADAL" clId="{7028311B-C411-4A5B-978F-CDAEBBA96ABB}" dt="2022-12-11T14:58:06.633" v="11" actId="26606"/>
-          <ac:spMkLst>
-            <pc:docMk/>
-            <pc:sldMk cId="3622633156" sldId="257"/>
-            <ac:spMk id="27" creationId="{9659A3D4-9896-4F11-9112-6C5E0390CEF0}"/>
-          </ac:spMkLst>
-        </pc:spChg>
-        <pc:spChg chg="add del">
-          <ac:chgData name="Mattia Micheli" userId="9230a64d-4596-4adf-a715-5ed28f577a01" providerId="ADAL" clId="{7028311B-C411-4A5B-978F-CDAEBBA96ABB}" dt="2022-12-11T14:58:08.069" v="13" actId="26606"/>
-          <ac:spMkLst>
-            <pc:docMk/>
-            <pc:sldMk cId="3622633156" sldId="257"/>
-            <ac:spMk id="35" creationId="{A5931BE0-4B93-4D6C-878E-ACC59D6B4587}"/>
-          </ac:spMkLst>
-        </pc:spChg>
-        <pc:spChg chg="add del">
-          <ac:chgData name="Mattia Micheli" userId="9230a64d-4596-4adf-a715-5ed28f577a01" providerId="ADAL" clId="{7028311B-C411-4A5B-978F-CDAEBBA96ABB}" dt="2022-12-11T14:58:08.069" v="13" actId="26606"/>
-          <ac:spMkLst>
-            <pc:docMk/>
-            <pc:sldMk cId="3622633156" sldId="257"/>
-            <ac:spMk id="36" creationId="{504E6BD3-B518-46A4-9CC0-30D09555230F}"/>
-          </ac:spMkLst>
-        </pc:spChg>
-        <pc:spChg chg="add del">
-          <ac:chgData name="Mattia Micheli" userId="9230a64d-4596-4adf-a715-5ed28f577a01" providerId="ADAL" clId="{7028311B-C411-4A5B-978F-CDAEBBA96ABB}" dt="2022-12-11T14:58:08.069" v="13" actId="26606"/>
-          <ac:spMkLst>
-            <pc:docMk/>
-            <pc:sldMk cId="3622633156" sldId="257"/>
-            <ac:spMk id="39" creationId="{A0DAEA90-11E9-4069-BC2C-6F65C6C1C3E8}"/>
-          </ac:spMkLst>
-        </pc:spChg>
-        <pc:spChg chg="add del">
-          <ac:chgData name="Mattia Micheli" userId="9230a64d-4596-4adf-a715-5ed28f577a01" providerId="ADAL" clId="{7028311B-C411-4A5B-978F-CDAEBBA96ABB}" dt="2022-12-11T14:58:08.069" v="13" actId="26606"/>
-          <ac:spMkLst>
-            <pc:docMk/>
-            <pc:sldMk cId="3622633156" sldId="257"/>
-            <ac:spMk id="40" creationId="{E0E8189B-747E-48AE-99A9-1BEE68012551}"/>
-          </ac:spMkLst>
-        </pc:spChg>
-        <pc:spChg chg="add del">
-          <ac:chgData name="Mattia Micheli" userId="9230a64d-4596-4adf-a715-5ed28f577a01" providerId="ADAL" clId="{7028311B-C411-4A5B-978F-CDAEBBA96ABB}" dt="2022-12-11T14:58:08.069" v="13" actId="26606"/>
-          <ac:spMkLst>
-            <pc:docMk/>
-            <pc:sldMk cId="3622633156" sldId="257"/>
-            <ac:spMk id="41" creationId="{47804C9D-8448-5015-11EA-2F2115EA0B01}"/>
-          </ac:spMkLst>
-        </pc:spChg>
-        <pc:spChg chg="add del">
-          <ac:chgData name="Mattia Micheli" userId="9230a64d-4596-4adf-a715-5ed28f577a01" providerId="ADAL" clId="{7028311B-C411-4A5B-978F-CDAEBBA96ABB}" dt="2022-12-11T14:58:08.069" v="13" actId="26606"/>
-          <ac:spMkLst>
-            <pc:docMk/>
-            <pc:sldMk cId="3622633156" sldId="257"/>
-            <ac:spMk id="42" creationId="{D9DE43D0-73AC-46B4-A39F-E66967A1F9B4}"/>
-          </ac:spMkLst>
-        </pc:spChg>
-        <pc:spChg chg="add del">
-          <ac:chgData name="Mattia Micheli" userId="9230a64d-4596-4adf-a715-5ed28f577a01" providerId="ADAL" clId="{7028311B-C411-4A5B-978F-CDAEBBA96ABB}" dt="2022-12-11T14:58:08.069" v="13" actId="26606"/>
-          <ac:spMkLst>
-            <pc:docMk/>
-            <pc:sldMk cId="3622633156" sldId="257"/>
-            <ac:spMk id="43" creationId="{803C343E-7EAC-4512-955A-33B1833F2D76}"/>
-          </ac:spMkLst>
-        </pc:spChg>
-        <pc:spChg chg="add del">
-          <ac:chgData name="Mattia Micheli" userId="9230a64d-4596-4adf-a715-5ed28f577a01" providerId="ADAL" clId="{7028311B-C411-4A5B-978F-CDAEBBA96ABB}" dt="2022-12-11T14:58:09.112" v="15" actId="26606"/>
-          <ac:spMkLst>
-            <pc:docMk/>
-            <pc:sldMk cId="3622633156" sldId="257"/>
-            <ac:spMk id="45" creationId="{A5931BE0-4B93-4D6C-878E-ACC59D6B4587}"/>
-          </ac:spMkLst>
-        </pc:spChg>
-        <pc:spChg chg="add del">
-          <ac:chgData name="Mattia Micheli" userId="9230a64d-4596-4adf-a715-5ed28f577a01" providerId="ADAL" clId="{7028311B-C411-4A5B-978F-CDAEBBA96ABB}" dt="2022-12-11T14:58:09.112" v="15" actId="26606"/>
-          <ac:spMkLst>
-            <pc:docMk/>
-            <pc:sldMk cId="3622633156" sldId="257"/>
-            <ac:spMk id="46" creationId="{6959C3E7-D59B-44C4-9BBD-3BC2A41A0CB1}"/>
-          </ac:spMkLst>
-        </pc:spChg>
-        <pc:spChg chg="add del">
-          <ac:chgData name="Mattia Micheli" userId="9230a64d-4596-4adf-a715-5ed28f577a01" providerId="ADAL" clId="{7028311B-C411-4A5B-978F-CDAEBBA96ABB}" dt="2022-12-11T14:58:09.112" v="15" actId="26606"/>
-          <ac:spMkLst>
-            <pc:docMk/>
-            <pc:sldMk cId="3622633156" sldId="257"/>
-            <ac:spMk id="50" creationId="{47804C9D-8448-5015-11EA-2F2115EA0B01}"/>
-          </ac:spMkLst>
-        </pc:spChg>
-        <pc:spChg chg="add del">
-          <ac:chgData name="Mattia Micheli" userId="9230a64d-4596-4adf-a715-5ed28f577a01" providerId="ADAL" clId="{7028311B-C411-4A5B-978F-CDAEBBA96ABB}" dt="2022-12-11T14:58:10.294" v="17" actId="26606"/>
-          <ac:spMkLst>
-            <pc:docMk/>
-            <pc:sldMk cId="3622633156" sldId="257"/>
-            <ac:spMk id="52" creationId="{A5931BE0-4B93-4D6C-878E-ACC59D6B4587}"/>
-          </ac:spMkLst>
-        </pc:spChg>
-        <pc:spChg chg="add del">
-          <ac:chgData name="Mattia Micheli" userId="9230a64d-4596-4adf-a715-5ed28f577a01" providerId="ADAL" clId="{7028311B-C411-4A5B-978F-CDAEBBA96ABB}" dt="2022-12-11T14:58:10.294" v="17" actId="26606"/>
-          <ac:spMkLst>
-            <pc:docMk/>
-            <pc:sldMk cId="3622633156" sldId="257"/>
-            <ac:spMk id="53" creationId="{4EC6425F-E8EE-490A-BF3A-601C9A5EFD35}"/>
-          </ac:spMkLst>
-        </pc:spChg>
-        <pc:spChg chg="add del">
-          <ac:chgData name="Mattia Micheli" userId="9230a64d-4596-4adf-a715-5ed28f577a01" providerId="ADAL" clId="{7028311B-C411-4A5B-978F-CDAEBBA96ABB}" dt="2022-12-11T14:58:10.294" v="17" actId="26606"/>
-          <ac:spMkLst>
-            <pc:docMk/>
-            <pc:sldMk cId="3622633156" sldId="257"/>
-            <ac:spMk id="54" creationId="{C493A507-59A1-4B5A-A52D-933516EEC3CD}"/>
-          </ac:spMkLst>
-        </pc:spChg>
-        <pc:spChg chg="add del">
-          <ac:chgData name="Mattia Micheli" userId="9230a64d-4596-4adf-a715-5ed28f577a01" providerId="ADAL" clId="{7028311B-C411-4A5B-978F-CDAEBBA96ABB}" dt="2022-12-11T14:58:10.294" v="17" actId="26606"/>
-          <ac:spMkLst>
-            <pc:docMk/>
-            <pc:sldMk cId="3622633156" sldId="257"/>
-            <ac:spMk id="55" creationId="{2EF1810E-C1C8-44A5-ADCF-24B4EAA1DDD9}"/>
-          </ac:spMkLst>
-        </pc:spChg>
-        <pc:spChg chg="add del">
-          <ac:chgData name="Mattia Micheli" userId="9230a64d-4596-4adf-a715-5ed28f577a01" providerId="ADAL" clId="{7028311B-C411-4A5B-978F-CDAEBBA96ABB}" dt="2022-12-11T14:58:10.294" v="17" actId="26606"/>
-          <ac:spMkLst>
-            <pc:docMk/>
-            <pc:sldMk cId="3622633156" sldId="257"/>
-            <ac:spMk id="56" creationId="{47804C9D-8448-5015-11EA-2F2115EA0B01}"/>
-          </ac:spMkLst>
-        </pc:spChg>
-        <pc:spChg chg="add del">
-          <ac:chgData name="Mattia Micheli" userId="9230a64d-4596-4adf-a715-5ed28f577a01" providerId="ADAL" clId="{7028311B-C411-4A5B-978F-CDAEBBA96ABB}" dt="2022-12-11T14:59:07.496" v="26"/>
-          <ac:spMkLst>
-            <pc:docMk/>
-            <pc:sldMk cId="3622633156" sldId="257"/>
-            <ac:spMk id="58" creationId="{A5931BE0-4B93-4D6C-878E-ACC59D6B4587}"/>
-          </ac:spMkLst>
-        </pc:spChg>
-        <pc:spChg chg="add">
-          <ac:chgData name="Mattia Micheli" userId="9230a64d-4596-4adf-a715-5ed28f577a01" providerId="ADAL" clId="{7028311B-C411-4A5B-978F-CDAEBBA96ABB}" dt="2022-12-11T14:58:10.299" v="18" actId="26606"/>
-          <ac:spMkLst>
-            <pc:docMk/>
-            <pc:sldMk cId="3622633156" sldId="257"/>
-            <ac:spMk id="59" creationId="{47804C9D-8448-5015-11EA-2F2115EA0B01}"/>
-          </ac:spMkLst>
-        </pc:spChg>
-        <pc:spChg chg="add del">
-          <ac:chgData name="Mattia Micheli" userId="9230a64d-4596-4adf-a715-5ed28f577a01" providerId="ADAL" clId="{7028311B-C411-4A5B-978F-CDAEBBA96ABB}" dt="2022-12-11T14:59:07.496" v="26"/>
-          <ac:spMkLst>
-            <pc:docMk/>
-            <pc:sldMk cId="3622633156" sldId="257"/>
-            <ac:spMk id="60" creationId="{D3262674-A504-4C90-BBBB-94D20F92A2B6}"/>
-          </ac:spMkLst>
-        </pc:spChg>
-        <pc:grpChg chg="add del">
-          <ac:chgData name="Mattia Micheli" userId="9230a64d-4596-4adf-a715-5ed28f577a01" providerId="ADAL" clId="{7028311B-C411-4A5B-978F-CDAEBBA96ABB}" dt="2022-12-11T14:58:06.633" v="11" actId="26606"/>
-          <ac:grpSpMkLst>
-            <pc:docMk/>
-            <pc:sldMk cId="3622633156" sldId="257"/>
-            <ac:grpSpMk id="14" creationId="{79DE9FAB-6BBA-4CFE-B67D-77B47F01ECA4}"/>
-          </ac:grpSpMkLst>
-        </pc:grpChg>
-        <pc:grpChg chg="add del">
-          <ac:chgData name="Mattia Micheli" userId="9230a64d-4596-4adf-a715-5ed28f577a01" providerId="ADAL" clId="{7028311B-C411-4A5B-978F-CDAEBBA96ABB}" dt="2022-12-11T14:58:06.633" v="11" actId="26606"/>
-          <ac:grpSpMkLst>
-            <pc:docMk/>
-            <pc:sldMk cId="3622633156" sldId="257"/>
-            <ac:grpSpMk id="22" creationId="{29852CF9-0BB2-4896-8B33-ADF9E59B496C}"/>
-          </ac:grpSpMkLst>
-        </pc:grpChg>
-        <pc:grpChg chg="add del">
-          <ac:chgData name="Mattia Micheli" userId="9230a64d-4596-4adf-a715-5ed28f577a01" providerId="ADAL" clId="{7028311B-C411-4A5B-978F-CDAEBBA96ABB}" dt="2022-12-11T14:58:06.633" v="11" actId="26606"/>
-          <ac:grpSpMkLst>
-            <pc:docMk/>
-            <pc:sldMk cId="3622633156" sldId="257"/>
-            <ac:grpSpMk id="29" creationId="{50D25812-D4C9-48D5-8E64-65C4BB4218AB}"/>
-          </ac:grpSpMkLst>
-        </pc:grpChg>
-        <pc:grpChg chg="add del">
-          <ac:chgData name="Mattia Micheli" userId="9230a64d-4596-4adf-a715-5ed28f577a01" providerId="ADAL" clId="{7028311B-C411-4A5B-978F-CDAEBBA96ABB}" dt="2022-12-11T14:58:08.069" v="13" actId="26606"/>
-          <ac:grpSpMkLst>
-            <pc:docMk/>
-            <pc:sldMk cId="3622633156" sldId="257"/>
-            <ac:grpSpMk id="37" creationId="{A31FBE92-3FC2-48E4-874B-A5273A042528}"/>
-          </ac:grpSpMkLst>
-        </pc:grpChg>
-        <pc:grpChg chg="add del">
-          <ac:chgData name="Mattia Micheli" userId="9230a64d-4596-4adf-a715-5ed28f577a01" providerId="ADAL" clId="{7028311B-C411-4A5B-978F-CDAEBBA96ABB}" dt="2022-12-11T14:58:09.112" v="15" actId="26606"/>
-          <ac:grpSpMkLst>
-            <pc:docMk/>
-            <pc:sldMk cId="3622633156" sldId="257"/>
-            <ac:grpSpMk id="47" creationId="{3654876B-FB01-4E58-9C9F-3D510011B13A}"/>
-          </ac:grpSpMkLst>
-        </pc:grpChg>
-      </pc:sldChg>
-      <pc:sldChg chg="modSp new del">
-        <pc:chgData name="Mattia Micheli" userId="9230a64d-4596-4adf-a715-5ed28f577a01" providerId="ADAL" clId="{7028311B-C411-4A5B-978F-CDAEBBA96ABB}" dt="2022-12-11T14:59:12.233" v="27" actId="2696"/>
-        <pc:sldMkLst>
-          <pc:docMk/>
-          <pc:sldMk cId="1951691171" sldId="258"/>
-        </pc:sldMkLst>
-        <pc:spChg chg="mod">
-          <ac:chgData name="Mattia Micheli" userId="9230a64d-4596-4adf-a715-5ed28f577a01" providerId="ADAL" clId="{7028311B-C411-4A5B-978F-CDAEBBA96ABB}" dt="2022-12-11T14:59:07.496" v="26"/>
-          <ac:spMkLst>
-            <pc:docMk/>
-            <pc:sldMk cId="1951691171" sldId="258"/>
-            <ac:spMk id="2" creationId="{9414F842-3975-F9DD-4ADC-46F6CC4B7B55}"/>
-          </ac:spMkLst>
-        </pc:spChg>
-        <pc:spChg chg="mod">
-          <ac:chgData name="Mattia Micheli" userId="9230a64d-4596-4adf-a715-5ed28f577a01" providerId="ADAL" clId="{7028311B-C411-4A5B-978F-CDAEBBA96ABB}" dt="2022-12-11T14:59:07.496" v="26"/>
-          <ac:spMkLst>
-            <pc:docMk/>
-            <pc:sldMk cId="1951691171" sldId="258"/>
-            <ac:spMk id="3" creationId="{F1170A20-9918-4235-A5A2-5878F7D03E8D}"/>
-          </ac:spMkLst>
-        </pc:spChg>
-      </pc:sldChg>
-      <pc:sldChg chg="addSp modSp new mod setBg">
-        <pc:chgData name="Mattia Micheli" userId="9230a64d-4596-4adf-a715-5ed28f577a01" providerId="ADAL" clId="{7028311B-C411-4A5B-978F-CDAEBBA96ABB}" dt="2022-12-11T15:24:05.093" v="173" actId="1076"/>
-        <pc:sldMkLst>
-          <pc:docMk/>
-          <pc:sldMk cId="2968549875" sldId="258"/>
-        </pc:sldMkLst>
-        <pc:spChg chg="mod">
-          <ac:chgData name="Mattia Micheli" userId="9230a64d-4596-4adf-a715-5ed28f577a01" providerId="ADAL" clId="{7028311B-C411-4A5B-978F-CDAEBBA96ABB}" dt="2022-12-11T15:02:02.362" v="37" actId="26606"/>
-          <ac:spMkLst>
-            <pc:docMk/>
-            <pc:sldMk cId="2968549875" sldId="258"/>
-            <ac:spMk id="2" creationId="{759156BB-8533-863F-0333-FAB761AE1498}"/>
-          </ac:spMkLst>
-        </pc:spChg>
-        <pc:spChg chg="mod">
-          <ac:chgData name="Mattia Micheli" userId="9230a64d-4596-4adf-a715-5ed28f577a01" providerId="ADAL" clId="{7028311B-C411-4A5B-978F-CDAEBBA96ABB}" dt="2022-12-11T15:23:55.461" v="171" actId="1076"/>
-          <ac:spMkLst>
-            <pc:docMk/>
-            <pc:sldMk cId="2968549875" sldId="258"/>
-            <ac:spMk id="3" creationId="{E93FBDB0-CC3D-C1C3-1789-1E0FD49AE7CC}"/>
-          </ac:spMkLst>
-        </pc:spChg>
-        <pc:spChg chg="add mod">
-          <ac:chgData name="Mattia Micheli" userId="9230a64d-4596-4adf-a715-5ed28f577a01" providerId="ADAL" clId="{7028311B-C411-4A5B-978F-CDAEBBA96ABB}" dt="2022-12-11T15:24:05.093" v="173" actId="1076"/>
-          <ac:spMkLst>
-            <pc:docMk/>
-            <pc:sldMk cId="2968549875" sldId="258"/>
-            <ac:spMk id="4" creationId="{AC7FC32B-62B7-A001-1860-AE7665281366}"/>
-          </ac:spMkLst>
-        </pc:spChg>
-        <pc:spChg chg="add mod">
-          <ac:chgData name="Mattia Micheli" userId="9230a64d-4596-4adf-a715-5ed28f577a01" providerId="ADAL" clId="{7028311B-C411-4A5B-978F-CDAEBBA96ABB}" dt="2022-12-11T15:24:01.309" v="172" actId="1076"/>
-          <ac:spMkLst>
-            <pc:docMk/>
-            <pc:sldMk cId="2968549875" sldId="258"/>
-            <ac:spMk id="5" creationId="{642F5C51-21AC-AD8D-4881-9541874EA121}"/>
-          </ac:spMkLst>
-        </pc:spChg>
-        <pc:spChg chg="add">
-          <ac:chgData name="Mattia Micheli" userId="9230a64d-4596-4adf-a715-5ed28f577a01" providerId="ADAL" clId="{7028311B-C411-4A5B-978F-CDAEBBA96ABB}" dt="2022-12-11T15:02:02.362" v="37" actId="26606"/>
-          <ac:spMkLst>
-            <pc:docMk/>
-            <pc:sldMk cId="2968549875" sldId="258"/>
-            <ac:spMk id="8" creationId="{2AEFFFF2-9EB4-4B6C-B9F8-2BA3EF89A21C}"/>
-          </ac:spMkLst>
-        </pc:spChg>
-        <pc:spChg chg="add">
-          <ac:chgData name="Mattia Micheli" userId="9230a64d-4596-4adf-a715-5ed28f577a01" providerId="ADAL" clId="{7028311B-C411-4A5B-978F-CDAEBBA96ABB}" dt="2022-12-11T15:02:02.362" v="37" actId="26606"/>
-          <ac:spMkLst>
-            <pc:docMk/>
-            <pc:sldMk cId="2968549875" sldId="258"/>
-            <ac:spMk id="10" creationId="{0D65299F-028F-4AFC-B46A-8DB33E20FE4A}"/>
-          </ac:spMkLst>
-        </pc:spChg>
-        <pc:spChg chg="add">
-          <ac:chgData name="Mattia Micheli" userId="9230a64d-4596-4adf-a715-5ed28f577a01" providerId="ADAL" clId="{7028311B-C411-4A5B-978F-CDAEBBA96ABB}" dt="2022-12-11T15:02:02.362" v="37" actId="26606"/>
-          <ac:spMkLst>
-            <pc:docMk/>
-            <pc:sldMk cId="2968549875" sldId="258"/>
-            <ac:spMk id="12" creationId="{BAC87F6E-526A-49B5-995D-42DB656594C9}"/>
-          </ac:spMkLst>
-        </pc:spChg>
-      </pc:sldChg>
-      <pc:sldChg chg="addSp delSp modSp mod setBg">
-        <pc:chgData name="Mattia Micheli" userId="9230a64d-4596-4adf-a715-5ed28f577a01" providerId="ADAL" clId="{7028311B-C411-4A5B-978F-CDAEBBA96ABB}" dt="2022-12-11T15:26:21.043" v="179" actId="27636"/>
-        <pc:sldMkLst>
-          <pc:docMk/>
-          <pc:sldMk cId="69192253" sldId="259"/>
-        </pc:sldMkLst>
-        <pc:spChg chg="mod ord">
-          <ac:chgData name="Mattia Micheli" userId="9230a64d-4596-4adf-a715-5ed28f577a01" providerId="ADAL" clId="{7028311B-C411-4A5B-978F-CDAEBBA96ABB}" dt="2022-12-11T15:26:21.027" v="178" actId="26606"/>
-          <ac:spMkLst>
-            <pc:docMk/>
-            <pc:sldMk cId="69192253" sldId="259"/>
-            <ac:spMk id="2" creationId="{45C2418C-EA23-BAE1-6752-AB0620E43A58}"/>
-          </ac:spMkLst>
-        </pc:spChg>
-        <pc:spChg chg="del">
-          <ac:chgData name="Mattia Micheli" userId="9230a64d-4596-4adf-a715-5ed28f577a01" providerId="ADAL" clId="{7028311B-C411-4A5B-978F-CDAEBBA96ABB}" dt="2022-12-11T15:25:29.992" v="174" actId="26606"/>
-          <ac:spMkLst>
-            <pc:docMk/>
-            <pc:sldMk cId="69192253" sldId="259"/>
-            <ac:spMk id="27" creationId="{2AEFFFF2-9EB4-4B6C-B9F8-2BA3EF89A21C}"/>
-          </ac:spMkLst>
-        </pc:spChg>
-        <pc:spChg chg="del">
-          <ac:chgData name="Mattia Micheli" userId="9230a64d-4596-4adf-a715-5ed28f577a01" providerId="ADAL" clId="{7028311B-C411-4A5B-978F-CDAEBBA96ABB}" dt="2022-12-11T15:25:29.992" v="174" actId="26606"/>
-          <ac:spMkLst>
-            <pc:docMk/>
-            <pc:sldMk cId="69192253" sldId="259"/>
-            <ac:spMk id="28" creationId="{0D65299F-028F-4AFC-B46A-8DB33E20FE4A}"/>
-          </ac:spMkLst>
-        </pc:spChg>
-        <pc:spChg chg="del">
-          <ac:chgData name="Mattia Micheli" userId="9230a64d-4596-4adf-a715-5ed28f577a01" providerId="ADAL" clId="{7028311B-C411-4A5B-978F-CDAEBBA96ABB}" dt="2022-12-11T15:25:29.992" v="174" actId="26606"/>
-          <ac:spMkLst>
-            <pc:docMk/>
-            <pc:sldMk cId="69192253" sldId="259"/>
-            <ac:spMk id="29" creationId="{BAC87F6E-526A-49B5-995D-42DB656594C9}"/>
-          </ac:spMkLst>
-        </pc:spChg>
-        <pc:spChg chg="mod">
-          <ac:chgData name="Mattia Micheli" userId="9230a64d-4596-4adf-a715-5ed28f577a01" providerId="ADAL" clId="{7028311B-C411-4A5B-978F-CDAEBBA96ABB}" dt="2022-12-11T15:26:21.043" v="179" actId="27636"/>
-          <ac:spMkLst>
-            <pc:docMk/>
-            <pc:sldMk cId="69192253" sldId="259"/>
-            <ac:spMk id="30" creationId="{4A25DDD0-D0AB-7D31-9438-EB1C2B25F8B6}"/>
-          </ac:spMkLst>
-        </pc:spChg>
-        <pc:spChg chg="add del">
-          <ac:chgData name="Mattia Micheli" userId="9230a64d-4596-4adf-a715-5ed28f577a01" providerId="ADAL" clId="{7028311B-C411-4A5B-978F-CDAEBBA96ABB}" dt="2022-12-11T15:26:21.027" v="178" actId="26606"/>
-          <ac:spMkLst>
-            <pc:docMk/>
-            <pc:sldMk cId="69192253" sldId="259"/>
-            <ac:spMk id="35" creationId="{C33976D1-3430-450C-A978-87A9A6E8E71F}"/>
-          </ac:spMkLst>
-        </pc:spChg>
-        <pc:spChg chg="add del">
-          <ac:chgData name="Mattia Micheli" userId="9230a64d-4596-4adf-a715-5ed28f577a01" providerId="ADAL" clId="{7028311B-C411-4A5B-978F-CDAEBBA96ABB}" dt="2022-12-11T15:26:21.027" v="178" actId="26606"/>
-          <ac:spMkLst>
-            <pc:docMk/>
-            <pc:sldMk cId="69192253" sldId="259"/>
-            <ac:spMk id="37" creationId="{7D6AAC78-7D86-415A-ADC1-2B474807960C}"/>
-          </ac:spMkLst>
-        </pc:spChg>
-        <pc:spChg chg="add del">
-          <ac:chgData name="Mattia Micheli" userId="9230a64d-4596-4adf-a715-5ed28f577a01" providerId="ADAL" clId="{7028311B-C411-4A5B-978F-CDAEBBA96ABB}" dt="2022-12-11T15:26:21.027" v="178" actId="26606"/>
-          <ac:spMkLst>
-            <pc:docMk/>
-            <pc:sldMk cId="69192253" sldId="259"/>
-            <ac:spMk id="39" creationId="{F2A658D9-F185-44F1-BA33-D50320D1D078}"/>
-          </ac:spMkLst>
-        </pc:spChg>
-        <pc:spChg chg="add">
-          <ac:chgData name="Mattia Micheli" userId="9230a64d-4596-4adf-a715-5ed28f577a01" providerId="ADAL" clId="{7028311B-C411-4A5B-978F-CDAEBBA96ABB}" dt="2022-12-11T15:26:21.027" v="178" actId="26606"/>
-          <ac:spMkLst>
-            <pc:docMk/>
-            <pc:sldMk cId="69192253" sldId="259"/>
-            <ac:spMk id="44" creationId="{23530FE0-C542-45A1-BCD8-935787009C64}"/>
-          </ac:spMkLst>
-        </pc:spChg>
-        <pc:spChg chg="add">
-          <ac:chgData name="Mattia Micheli" userId="9230a64d-4596-4adf-a715-5ed28f577a01" providerId="ADAL" clId="{7028311B-C411-4A5B-978F-CDAEBBA96ABB}" dt="2022-12-11T15:26:21.027" v="178" actId="26606"/>
-          <ac:spMkLst>
-            <pc:docMk/>
-            <pc:sldMk cId="69192253" sldId="259"/>
-            <ac:spMk id="46" creationId="{F2A658D9-F185-44F1-BA33-D50320D1D078}"/>
-          </ac:spMkLst>
-        </pc:spChg>
-        <pc:spChg chg="add">
-          <ac:chgData name="Mattia Micheli" userId="9230a64d-4596-4adf-a715-5ed28f577a01" providerId="ADAL" clId="{7028311B-C411-4A5B-978F-CDAEBBA96ABB}" dt="2022-12-11T15:26:21.027" v="178" actId="26606"/>
-          <ac:spMkLst>
-            <pc:docMk/>
-            <pc:sldMk cId="69192253" sldId="259"/>
-            <ac:spMk id="48" creationId="{BAC87F6E-526A-49B5-995D-42DB656594C9}"/>
-          </ac:spMkLst>
-        </pc:spChg>
-      </pc:sldChg>
-      <pc:sldMasterChg chg="add del addSldLayout delSldLayout">
-        <pc:chgData name="Mattia Micheli" userId="9230a64d-4596-4adf-a715-5ed28f577a01" providerId="ADAL" clId="{7028311B-C411-4A5B-978F-CDAEBBA96ABB}" dt="2022-12-11T14:54:39.669" v="5" actId="26606"/>
-        <pc:sldMasterMkLst>
-          <pc:docMk/>
-          <pc:sldMasterMk cId="3960587763" sldId="2147483648"/>
-        </pc:sldMasterMkLst>
-        <pc:sldLayoutChg chg="add del">
-          <pc:chgData name="Mattia Micheli" userId="9230a64d-4596-4adf-a715-5ed28f577a01" providerId="ADAL" clId="{7028311B-C411-4A5B-978F-CDAEBBA96ABB}" dt="2022-12-11T14:54:39.669" v="5" actId="26606"/>
-          <pc:sldLayoutMkLst>
-            <pc:docMk/>
-            <pc:sldMasterMk cId="3960587763" sldId="2147483648"/>
-            <pc:sldLayoutMk cId="928233142" sldId="2147483649"/>
-          </pc:sldLayoutMkLst>
-        </pc:sldLayoutChg>
-        <pc:sldLayoutChg chg="add del">
-          <pc:chgData name="Mattia Micheli" userId="9230a64d-4596-4adf-a715-5ed28f577a01" providerId="ADAL" clId="{7028311B-C411-4A5B-978F-CDAEBBA96ABB}" dt="2022-12-11T14:54:39.669" v="5" actId="26606"/>
-          <pc:sldLayoutMkLst>
-            <pc:docMk/>
-            <pc:sldMasterMk cId="3960587763" sldId="2147483648"/>
-            <pc:sldLayoutMk cId="3188990353" sldId="2147483650"/>
-          </pc:sldLayoutMkLst>
-        </pc:sldLayoutChg>
-        <pc:sldLayoutChg chg="add del">
-          <pc:chgData name="Mattia Micheli" userId="9230a64d-4596-4adf-a715-5ed28f577a01" providerId="ADAL" clId="{7028311B-C411-4A5B-978F-CDAEBBA96ABB}" dt="2022-12-11T14:54:39.669" v="5" actId="26606"/>
-          <pc:sldLayoutMkLst>
-            <pc:docMk/>
-            <pc:sldMasterMk cId="3960587763" sldId="2147483648"/>
-            <pc:sldLayoutMk cId="1093159921" sldId="2147483651"/>
-          </pc:sldLayoutMkLst>
-        </pc:sldLayoutChg>
-        <pc:sldLayoutChg chg="add del">
-          <pc:chgData name="Mattia Micheli" userId="9230a64d-4596-4adf-a715-5ed28f577a01" providerId="ADAL" clId="{7028311B-C411-4A5B-978F-CDAEBBA96ABB}" dt="2022-12-11T14:54:39.669" v="5" actId="26606"/>
-          <pc:sldLayoutMkLst>
-            <pc:docMk/>
-            <pc:sldMasterMk cId="3960587763" sldId="2147483648"/>
-            <pc:sldLayoutMk cId="95026411" sldId="2147483652"/>
-          </pc:sldLayoutMkLst>
-        </pc:sldLayoutChg>
-        <pc:sldLayoutChg chg="add del">
-          <pc:chgData name="Mattia Micheli" userId="9230a64d-4596-4adf-a715-5ed28f577a01" providerId="ADAL" clId="{7028311B-C411-4A5B-978F-CDAEBBA96ABB}" dt="2022-12-11T14:54:39.669" v="5" actId="26606"/>
-          <pc:sldLayoutMkLst>
-            <pc:docMk/>
-            <pc:sldMasterMk cId="3960587763" sldId="2147483648"/>
-            <pc:sldLayoutMk cId="757235942" sldId="2147483653"/>
-          </pc:sldLayoutMkLst>
-        </pc:sldLayoutChg>
-        <pc:sldLayoutChg chg="add del">
-          <pc:chgData name="Mattia Micheli" userId="9230a64d-4596-4adf-a715-5ed28f577a01" providerId="ADAL" clId="{7028311B-C411-4A5B-978F-CDAEBBA96ABB}" dt="2022-12-11T14:54:39.669" v="5" actId="26606"/>
-          <pc:sldLayoutMkLst>
-            <pc:docMk/>
-            <pc:sldMasterMk cId="3960587763" sldId="2147483648"/>
-            <pc:sldLayoutMk cId="3969809803" sldId="2147483654"/>
-          </pc:sldLayoutMkLst>
-        </pc:sldLayoutChg>
-        <pc:sldLayoutChg chg="add del">
-          <pc:chgData name="Mattia Micheli" userId="9230a64d-4596-4adf-a715-5ed28f577a01" providerId="ADAL" clId="{7028311B-C411-4A5B-978F-CDAEBBA96ABB}" dt="2022-12-11T14:54:39.669" v="5" actId="26606"/>
-          <pc:sldLayoutMkLst>
-            <pc:docMk/>
-            <pc:sldMasterMk cId="3960587763" sldId="2147483648"/>
-            <pc:sldLayoutMk cId="3257817360" sldId="2147483655"/>
-          </pc:sldLayoutMkLst>
-        </pc:sldLayoutChg>
-        <pc:sldLayoutChg chg="add del">
-          <pc:chgData name="Mattia Micheli" userId="9230a64d-4596-4adf-a715-5ed28f577a01" providerId="ADAL" clId="{7028311B-C411-4A5B-978F-CDAEBBA96ABB}" dt="2022-12-11T14:54:39.669" v="5" actId="26606"/>
-          <pc:sldLayoutMkLst>
-            <pc:docMk/>
-            <pc:sldMasterMk cId="3960587763" sldId="2147483648"/>
-            <pc:sldLayoutMk cId="1857118796" sldId="2147483656"/>
-          </pc:sldLayoutMkLst>
-        </pc:sldLayoutChg>
-        <pc:sldLayoutChg chg="add del">
-          <pc:chgData name="Mattia Micheli" userId="9230a64d-4596-4adf-a715-5ed28f577a01" providerId="ADAL" clId="{7028311B-C411-4A5B-978F-CDAEBBA96ABB}" dt="2022-12-11T14:54:39.669" v="5" actId="26606"/>
-          <pc:sldLayoutMkLst>
-            <pc:docMk/>
-            <pc:sldMasterMk cId="3960587763" sldId="2147483648"/>
-            <pc:sldLayoutMk cId="2842524700" sldId="2147483657"/>
-          </pc:sldLayoutMkLst>
-        </pc:sldLayoutChg>
-        <pc:sldLayoutChg chg="add del">
-          <pc:chgData name="Mattia Micheli" userId="9230a64d-4596-4adf-a715-5ed28f577a01" providerId="ADAL" clId="{7028311B-C411-4A5B-978F-CDAEBBA96ABB}" dt="2022-12-11T14:54:39.669" v="5" actId="26606"/>
-          <pc:sldLayoutMkLst>
-            <pc:docMk/>
-            <pc:sldMasterMk cId="3960587763" sldId="2147483648"/>
-            <pc:sldLayoutMk cId="1613631144" sldId="2147483658"/>
-          </pc:sldLayoutMkLst>
-        </pc:sldLayoutChg>
-        <pc:sldLayoutChg chg="add del">
-          <pc:chgData name="Mattia Micheli" userId="9230a64d-4596-4adf-a715-5ed28f577a01" providerId="ADAL" clId="{7028311B-C411-4A5B-978F-CDAEBBA96ABB}" dt="2022-12-11T14:54:39.669" v="5" actId="26606"/>
-          <pc:sldLayoutMkLst>
-            <pc:docMk/>
-            <pc:sldMasterMk cId="3960587763" sldId="2147483648"/>
-            <pc:sldLayoutMk cId="3908909143" sldId="2147483659"/>
-          </pc:sldLayoutMkLst>
-        </pc:sldLayoutChg>
-      </pc:sldMasterChg>
-      <pc:sldMasterChg chg="add del replId addSldLayout delSldLayout">
-        <pc:chgData name="Mattia Micheli" userId="9230a64d-4596-4adf-a715-5ed28f577a01" providerId="ADAL" clId="{7028311B-C411-4A5B-978F-CDAEBBA96ABB}" dt="2022-12-11T14:54:39.629" v="4" actId="26606"/>
-        <pc:sldMasterMkLst>
-          <pc:docMk/>
-          <pc:sldMasterMk cId="2349972511" sldId="2147483660"/>
-        </pc:sldMasterMkLst>
-        <pc:sldLayoutChg chg="add del">
-          <pc:chgData name="Mattia Micheli" userId="9230a64d-4596-4adf-a715-5ed28f577a01" providerId="ADAL" clId="{7028311B-C411-4A5B-978F-CDAEBBA96ABB}" dt="2022-12-11T14:54:39.629" v="4" actId="26606"/>
-          <pc:sldLayoutMkLst>
-            <pc:docMk/>
-            <pc:sldMasterMk cId="2349972511" sldId="2147483660"/>
-            <pc:sldLayoutMk cId="868822584" sldId="2147483661"/>
-          </pc:sldLayoutMkLst>
-        </pc:sldLayoutChg>
-        <pc:sldLayoutChg chg="add del replId">
-          <pc:chgData name="Mattia Micheli" userId="9230a64d-4596-4adf-a715-5ed28f577a01" providerId="ADAL" clId="{7028311B-C411-4A5B-978F-CDAEBBA96ABB}" dt="2022-12-11T14:54:39.629" v="4" actId="26606"/>
-          <pc:sldLayoutMkLst>
-            <pc:docMk/>
-            <pc:sldMasterMk cId="2349972511" sldId="2147483660"/>
-            <pc:sldLayoutMk cId="2465604589" sldId="2147483662"/>
-          </pc:sldLayoutMkLst>
-        </pc:sldLayoutChg>
-        <pc:sldLayoutChg chg="add del replId">
-          <pc:chgData name="Mattia Micheli" userId="9230a64d-4596-4adf-a715-5ed28f577a01" providerId="ADAL" clId="{7028311B-C411-4A5B-978F-CDAEBBA96ABB}" dt="2022-12-11T14:54:39.629" v="4" actId="26606"/>
-          <pc:sldLayoutMkLst>
-            <pc:docMk/>
-            <pc:sldMasterMk cId="2349972511" sldId="2147483660"/>
-            <pc:sldLayoutMk cId="297458697" sldId="2147483663"/>
-          </pc:sldLayoutMkLst>
-        </pc:sldLayoutChg>
-        <pc:sldLayoutChg chg="add del replId">
-          <pc:chgData name="Mattia Micheli" userId="9230a64d-4596-4adf-a715-5ed28f577a01" providerId="ADAL" clId="{7028311B-C411-4A5B-978F-CDAEBBA96ABB}" dt="2022-12-11T14:54:39.629" v="4" actId="26606"/>
-          <pc:sldLayoutMkLst>
-            <pc:docMk/>
-            <pc:sldMasterMk cId="2349972511" sldId="2147483660"/>
-            <pc:sldLayoutMk cId="2474174309" sldId="2147483664"/>
-          </pc:sldLayoutMkLst>
-        </pc:sldLayoutChg>
-        <pc:sldLayoutChg chg="add del replId">
-          <pc:chgData name="Mattia Micheli" userId="9230a64d-4596-4adf-a715-5ed28f577a01" providerId="ADAL" clId="{7028311B-C411-4A5B-978F-CDAEBBA96ABB}" dt="2022-12-11T14:54:39.629" v="4" actId="26606"/>
-          <pc:sldLayoutMkLst>
-            <pc:docMk/>
-            <pc:sldMasterMk cId="2349972511" sldId="2147483660"/>
-            <pc:sldLayoutMk cId="1122209285" sldId="2147483665"/>
-          </pc:sldLayoutMkLst>
-        </pc:sldLayoutChg>
-        <pc:sldLayoutChg chg="add del replId">
-          <pc:chgData name="Mattia Micheli" userId="9230a64d-4596-4adf-a715-5ed28f577a01" providerId="ADAL" clId="{7028311B-C411-4A5B-978F-CDAEBBA96ABB}" dt="2022-12-11T14:54:39.629" v="4" actId="26606"/>
-          <pc:sldLayoutMkLst>
-            <pc:docMk/>
-            <pc:sldMasterMk cId="2349972511" sldId="2147483660"/>
-            <pc:sldLayoutMk cId="3377953616" sldId="2147483666"/>
-          </pc:sldLayoutMkLst>
-        </pc:sldLayoutChg>
-        <pc:sldLayoutChg chg="add del replId">
-          <pc:chgData name="Mattia Micheli" userId="9230a64d-4596-4adf-a715-5ed28f577a01" providerId="ADAL" clId="{7028311B-C411-4A5B-978F-CDAEBBA96ABB}" dt="2022-12-11T14:54:39.629" v="4" actId="26606"/>
-          <pc:sldLayoutMkLst>
-            <pc:docMk/>
-            <pc:sldMasterMk cId="2349972511" sldId="2147483660"/>
-            <pc:sldLayoutMk cId="2983685530" sldId="2147483667"/>
-          </pc:sldLayoutMkLst>
-        </pc:sldLayoutChg>
-        <pc:sldLayoutChg chg="add del replId">
-          <pc:chgData name="Mattia Micheli" userId="9230a64d-4596-4adf-a715-5ed28f577a01" providerId="ADAL" clId="{7028311B-C411-4A5B-978F-CDAEBBA96ABB}" dt="2022-12-11T14:54:39.629" v="4" actId="26606"/>
-          <pc:sldLayoutMkLst>
-            <pc:docMk/>
-            <pc:sldMasterMk cId="2349972511" sldId="2147483660"/>
-            <pc:sldLayoutMk cId="1116840018" sldId="2147483668"/>
-          </pc:sldLayoutMkLst>
-        </pc:sldLayoutChg>
-        <pc:sldLayoutChg chg="add del replId">
-          <pc:chgData name="Mattia Micheli" userId="9230a64d-4596-4adf-a715-5ed28f577a01" providerId="ADAL" clId="{7028311B-C411-4A5B-978F-CDAEBBA96ABB}" dt="2022-12-11T14:54:39.629" v="4" actId="26606"/>
-          <pc:sldLayoutMkLst>
-            <pc:docMk/>
-            <pc:sldMasterMk cId="2349972511" sldId="2147483660"/>
-            <pc:sldLayoutMk cId="1553189693" sldId="2147483669"/>
-          </pc:sldLayoutMkLst>
-        </pc:sldLayoutChg>
-        <pc:sldLayoutChg chg="add del replId">
-          <pc:chgData name="Mattia Micheli" userId="9230a64d-4596-4adf-a715-5ed28f577a01" providerId="ADAL" clId="{7028311B-C411-4A5B-978F-CDAEBBA96ABB}" dt="2022-12-11T14:54:39.629" v="4" actId="26606"/>
-          <pc:sldLayoutMkLst>
-            <pc:docMk/>
-            <pc:sldMasterMk cId="2349972511" sldId="2147483660"/>
-            <pc:sldLayoutMk cId="2211993062" sldId="2147483670"/>
-          </pc:sldLayoutMkLst>
-        </pc:sldLayoutChg>
-        <pc:sldLayoutChg chg="add del replId">
-          <pc:chgData name="Mattia Micheli" userId="9230a64d-4596-4adf-a715-5ed28f577a01" providerId="ADAL" clId="{7028311B-C411-4A5B-978F-CDAEBBA96ABB}" dt="2022-12-11T14:54:39.629" v="4" actId="26606"/>
-          <pc:sldLayoutMkLst>
-            <pc:docMk/>
-            <pc:sldMasterMk cId="2349972511" sldId="2147483660"/>
-            <pc:sldLayoutMk cId="299325982" sldId="2147483671"/>
-          </pc:sldLayoutMkLst>
-        </pc:sldLayoutChg>
-      </pc:sldMasterChg>
-      <pc:sldMasterChg chg="add del addSldLayout delSldLayout">
-        <pc:chgData name="Mattia Micheli" userId="9230a64d-4596-4adf-a715-5ed28f577a01" providerId="ADAL" clId="{7028311B-C411-4A5B-978F-CDAEBBA96ABB}" dt="2022-12-11T14:54:31.923" v="2" actId="26606"/>
-        <pc:sldMasterMkLst>
-          <pc:docMk/>
-          <pc:sldMasterMk cId="1819520686" sldId="2147483673"/>
-        </pc:sldMasterMkLst>
-        <pc:sldLayoutChg chg="add del">
-          <pc:chgData name="Mattia Micheli" userId="9230a64d-4596-4adf-a715-5ed28f577a01" providerId="ADAL" clId="{7028311B-C411-4A5B-978F-CDAEBBA96ABB}" dt="2022-12-11T14:54:31.923" v="2" actId="26606"/>
-          <pc:sldLayoutMkLst>
-            <pc:docMk/>
-            <pc:sldMasterMk cId="1819520686" sldId="2147483673"/>
-            <pc:sldLayoutMk cId="1800616104" sldId="2147483662"/>
-          </pc:sldLayoutMkLst>
-        </pc:sldLayoutChg>
-        <pc:sldLayoutChg chg="add del">
-          <pc:chgData name="Mattia Micheli" userId="9230a64d-4596-4adf-a715-5ed28f577a01" providerId="ADAL" clId="{7028311B-C411-4A5B-978F-CDAEBBA96ABB}" dt="2022-12-11T14:54:31.923" v="2" actId="26606"/>
-          <pc:sldLayoutMkLst>
-            <pc:docMk/>
-            <pc:sldMasterMk cId="1819520686" sldId="2147483673"/>
-            <pc:sldLayoutMk cId="3627774038" sldId="2147483663"/>
-          </pc:sldLayoutMkLst>
-        </pc:sldLayoutChg>
-        <pc:sldLayoutChg chg="add del">
-          <pc:chgData name="Mattia Micheli" userId="9230a64d-4596-4adf-a715-5ed28f577a01" providerId="ADAL" clId="{7028311B-C411-4A5B-978F-CDAEBBA96ABB}" dt="2022-12-11T14:54:31.923" v="2" actId="26606"/>
-          <pc:sldLayoutMkLst>
-            <pc:docMk/>
-            <pc:sldMasterMk cId="1819520686" sldId="2147483673"/>
-            <pc:sldLayoutMk cId="2114518214" sldId="2147483664"/>
-          </pc:sldLayoutMkLst>
-        </pc:sldLayoutChg>
-        <pc:sldLayoutChg chg="add del">
-          <pc:chgData name="Mattia Micheli" userId="9230a64d-4596-4adf-a715-5ed28f577a01" providerId="ADAL" clId="{7028311B-C411-4A5B-978F-CDAEBBA96ABB}" dt="2022-12-11T14:54:31.923" v="2" actId="26606"/>
-          <pc:sldLayoutMkLst>
-            <pc:docMk/>
-            <pc:sldMasterMk cId="1819520686" sldId="2147483673"/>
-            <pc:sldLayoutMk cId="1980170072" sldId="2147483665"/>
-          </pc:sldLayoutMkLst>
-        </pc:sldLayoutChg>
-        <pc:sldLayoutChg chg="add del">
-          <pc:chgData name="Mattia Micheli" userId="9230a64d-4596-4adf-a715-5ed28f577a01" providerId="ADAL" clId="{7028311B-C411-4A5B-978F-CDAEBBA96ABB}" dt="2022-12-11T14:54:31.923" v="2" actId="26606"/>
-          <pc:sldLayoutMkLst>
-            <pc:docMk/>
-            <pc:sldMasterMk cId="1819520686" sldId="2147483673"/>
-            <pc:sldLayoutMk cId="59126477" sldId="2147483666"/>
-          </pc:sldLayoutMkLst>
-        </pc:sldLayoutChg>
-        <pc:sldLayoutChg chg="add del">
-          <pc:chgData name="Mattia Micheli" userId="9230a64d-4596-4adf-a715-5ed28f577a01" providerId="ADAL" clId="{7028311B-C411-4A5B-978F-CDAEBBA96ABB}" dt="2022-12-11T14:54:31.923" v="2" actId="26606"/>
-          <pc:sldLayoutMkLst>
-            <pc:docMk/>
-            <pc:sldMasterMk cId="1819520686" sldId="2147483673"/>
-            <pc:sldLayoutMk cId="1320350743" sldId="2147483667"/>
-          </pc:sldLayoutMkLst>
-        </pc:sldLayoutChg>
-        <pc:sldLayoutChg chg="add del">
-          <pc:chgData name="Mattia Micheli" userId="9230a64d-4596-4adf-a715-5ed28f577a01" providerId="ADAL" clId="{7028311B-C411-4A5B-978F-CDAEBBA96ABB}" dt="2022-12-11T14:54:31.923" v="2" actId="26606"/>
-          <pc:sldLayoutMkLst>
-            <pc:docMk/>
-            <pc:sldMasterMk cId="1819520686" sldId="2147483673"/>
-            <pc:sldLayoutMk cId="3681994025" sldId="2147483668"/>
-          </pc:sldLayoutMkLst>
-        </pc:sldLayoutChg>
-        <pc:sldLayoutChg chg="add del">
-          <pc:chgData name="Mattia Micheli" userId="9230a64d-4596-4adf-a715-5ed28f577a01" providerId="ADAL" clId="{7028311B-C411-4A5B-978F-CDAEBBA96ABB}" dt="2022-12-11T14:54:31.923" v="2" actId="26606"/>
-          <pc:sldLayoutMkLst>
-            <pc:docMk/>
-            <pc:sldMasterMk cId="1819520686" sldId="2147483673"/>
-            <pc:sldLayoutMk cId="1863965753" sldId="2147483669"/>
-          </pc:sldLayoutMkLst>
-        </pc:sldLayoutChg>
-        <pc:sldLayoutChg chg="add del">
-          <pc:chgData name="Mattia Micheli" userId="9230a64d-4596-4adf-a715-5ed28f577a01" providerId="ADAL" clId="{7028311B-C411-4A5B-978F-CDAEBBA96ABB}" dt="2022-12-11T14:54:31.923" v="2" actId="26606"/>
-          <pc:sldLayoutMkLst>
-            <pc:docMk/>
-            <pc:sldMasterMk cId="1819520686" sldId="2147483673"/>
-            <pc:sldLayoutMk cId="1505789130" sldId="2147483670"/>
-          </pc:sldLayoutMkLst>
-        </pc:sldLayoutChg>
-        <pc:sldLayoutChg chg="add del">
-          <pc:chgData name="Mattia Micheli" userId="9230a64d-4596-4adf-a715-5ed28f577a01" providerId="ADAL" clId="{7028311B-C411-4A5B-978F-CDAEBBA96ABB}" dt="2022-12-11T14:54:31.923" v="2" actId="26606"/>
-          <pc:sldLayoutMkLst>
-            <pc:docMk/>
-            <pc:sldMasterMk cId="1819520686" sldId="2147483673"/>
-            <pc:sldLayoutMk cId="2078441407" sldId="2147483671"/>
-          </pc:sldLayoutMkLst>
-        </pc:sldLayoutChg>
-        <pc:sldLayoutChg chg="add del">
-          <pc:chgData name="Mattia Micheli" userId="9230a64d-4596-4adf-a715-5ed28f577a01" providerId="ADAL" clId="{7028311B-C411-4A5B-978F-CDAEBBA96ABB}" dt="2022-12-11T14:54:31.923" v="2" actId="26606"/>
-          <pc:sldLayoutMkLst>
-            <pc:docMk/>
-            <pc:sldMasterMk cId="1819520686" sldId="2147483673"/>
-            <pc:sldLayoutMk cId="2180308126" sldId="2147483672"/>
-          </pc:sldLayoutMkLst>
-        </pc:sldLayoutChg>
-      </pc:sldMasterChg>
-      <pc:sldMasterChg chg="add addSldLayout">
-        <pc:chgData name="Mattia Micheli" userId="9230a64d-4596-4adf-a715-5ed28f577a01" providerId="ADAL" clId="{7028311B-C411-4A5B-978F-CDAEBBA96ABB}" dt="2022-12-11T14:54:39.669" v="5" actId="26606"/>
-        <pc:sldMasterMkLst>
-          <pc:docMk/>
-          <pc:sldMasterMk cId="2952249128" sldId="2147483712"/>
-        </pc:sldMasterMkLst>
-        <pc:sldLayoutChg chg="add">
-          <pc:chgData name="Mattia Micheli" userId="9230a64d-4596-4adf-a715-5ed28f577a01" providerId="ADAL" clId="{7028311B-C411-4A5B-978F-CDAEBBA96ABB}" dt="2022-12-11T14:54:39.669" v="5" actId="26606"/>
-          <pc:sldLayoutMkLst>
-            <pc:docMk/>
-            <pc:sldMasterMk cId="2952249128" sldId="2147483712"/>
-            <pc:sldLayoutMk cId="3264393234" sldId="2147483701"/>
-          </pc:sldLayoutMkLst>
-        </pc:sldLayoutChg>
-        <pc:sldLayoutChg chg="add">
-          <pc:chgData name="Mattia Micheli" userId="9230a64d-4596-4adf-a715-5ed28f577a01" providerId="ADAL" clId="{7028311B-C411-4A5B-978F-CDAEBBA96ABB}" dt="2022-12-11T14:54:39.669" v="5" actId="26606"/>
-          <pc:sldLayoutMkLst>
-            <pc:docMk/>
-            <pc:sldMasterMk cId="2952249128" sldId="2147483712"/>
-            <pc:sldLayoutMk cId="2530473953" sldId="2147483702"/>
-          </pc:sldLayoutMkLst>
-        </pc:sldLayoutChg>
-        <pc:sldLayoutChg chg="add">
-          <pc:chgData name="Mattia Micheli" userId="9230a64d-4596-4adf-a715-5ed28f577a01" providerId="ADAL" clId="{7028311B-C411-4A5B-978F-CDAEBBA96ABB}" dt="2022-12-11T14:54:39.669" v="5" actId="26606"/>
-          <pc:sldLayoutMkLst>
-            <pc:docMk/>
-            <pc:sldMasterMk cId="2952249128" sldId="2147483712"/>
-            <pc:sldLayoutMk cId="2606419940" sldId="2147483703"/>
-          </pc:sldLayoutMkLst>
-        </pc:sldLayoutChg>
-        <pc:sldLayoutChg chg="add">
-          <pc:chgData name="Mattia Micheli" userId="9230a64d-4596-4adf-a715-5ed28f577a01" providerId="ADAL" clId="{7028311B-C411-4A5B-978F-CDAEBBA96ABB}" dt="2022-12-11T14:54:39.669" v="5" actId="26606"/>
-          <pc:sldLayoutMkLst>
-            <pc:docMk/>
-            <pc:sldMasterMk cId="2952249128" sldId="2147483712"/>
-            <pc:sldLayoutMk cId="2069368232" sldId="2147483704"/>
-          </pc:sldLayoutMkLst>
-        </pc:sldLayoutChg>
-        <pc:sldLayoutChg chg="add">
-          <pc:chgData name="Mattia Micheli" userId="9230a64d-4596-4adf-a715-5ed28f577a01" providerId="ADAL" clId="{7028311B-C411-4A5B-978F-CDAEBBA96ABB}" dt="2022-12-11T14:54:39.669" v="5" actId="26606"/>
-          <pc:sldLayoutMkLst>
-            <pc:docMk/>
-            <pc:sldMasterMk cId="2952249128" sldId="2147483712"/>
-            <pc:sldLayoutMk cId="4070310156" sldId="2147483705"/>
-          </pc:sldLayoutMkLst>
-        </pc:sldLayoutChg>
-        <pc:sldLayoutChg chg="add">
-          <pc:chgData name="Mattia Micheli" userId="9230a64d-4596-4adf-a715-5ed28f577a01" providerId="ADAL" clId="{7028311B-C411-4A5B-978F-CDAEBBA96ABB}" dt="2022-12-11T14:54:39.669" v="5" actId="26606"/>
-          <pc:sldLayoutMkLst>
-            <pc:docMk/>
-            <pc:sldMasterMk cId="2952249128" sldId="2147483712"/>
-            <pc:sldLayoutMk cId="2055427753" sldId="2147483706"/>
-          </pc:sldLayoutMkLst>
-        </pc:sldLayoutChg>
-        <pc:sldLayoutChg chg="add">
-          <pc:chgData name="Mattia Micheli" userId="9230a64d-4596-4adf-a715-5ed28f577a01" providerId="ADAL" clId="{7028311B-C411-4A5B-978F-CDAEBBA96ABB}" dt="2022-12-11T14:54:39.669" v="5" actId="26606"/>
-          <pc:sldLayoutMkLst>
-            <pc:docMk/>
-            <pc:sldMasterMk cId="2952249128" sldId="2147483712"/>
-            <pc:sldLayoutMk cId="68326332" sldId="2147483707"/>
-          </pc:sldLayoutMkLst>
-        </pc:sldLayoutChg>
-        <pc:sldLayoutChg chg="add">
-          <pc:chgData name="Mattia Micheli" userId="9230a64d-4596-4adf-a715-5ed28f577a01" providerId="ADAL" clId="{7028311B-C411-4A5B-978F-CDAEBBA96ABB}" dt="2022-12-11T14:54:39.669" v="5" actId="26606"/>
-          <pc:sldLayoutMkLst>
-            <pc:docMk/>
-            <pc:sldMasterMk cId="2952249128" sldId="2147483712"/>
-            <pc:sldLayoutMk cId="52938521" sldId="2147483708"/>
-          </pc:sldLayoutMkLst>
-        </pc:sldLayoutChg>
-        <pc:sldLayoutChg chg="add">
-          <pc:chgData name="Mattia Micheli" userId="9230a64d-4596-4adf-a715-5ed28f577a01" providerId="ADAL" clId="{7028311B-C411-4A5B-978F-CDAEBBA96ABB}" dt="2022-12-11T14:54:39.669" v="5" actId="26606"/>
-          <pc:sldLayoutMkLst>
-            <pc:docMk/>
-            <pc:sldMasterMk cId="2952249128" sldId="2147483712"/>
-            <pc:sldLayoutMk cId="3872602566" sldId="2147483709"/>
-          </pc:sldLayoutMkLst>
-        </pc:sldLayoutChg>
-        <pc:sldLayoutChg chg="add">
-          <pc:chgData name="Mattia Micheli" userId="9230a64d-4596-4adf-a715-5ed28f577a01" providerId="ADAL" clId="{7028311B-C411-4A5B-978F-CDAEBBA96ABB}" dt="2022-12-11T14:54:39.669" v="5" actId="26606"/>
-          <pc:sldLayoutMkLst>
-            <pc:docMk/>
-            <pc:sldMasterMk cId="2952249128" sldId="2147483712"/>
-            <pc:sldLayoutMk cId="3155305321" sldId="2147483710"/>
-          </pc:sldLayoutMkLst>
-        </pc:sldLayoutChg>
-        <pc:sldLayoutChg chg="add">
-          <pc:chgData name="Mattia Micheli" userId="9230a64d-4596-4adf-a715-5ed28f577a01" providerId="ADAL" clId="{7028311B-C411-4A5B-978F-CDAEBBA96ABB}" dt="2022-12-11T14:54:39.669" v="5" actId="26606"/>
-          <pc:sldLayoutMkLst>
-            <pc:docMk/>
-            <pc:sldMasterMk cId="2952249128" sldId="2147483712"/>
-            <pc:sldLayoutMk cId="2114894761" sldId="2147483711"/>
-          </pc:sldLayoutMkLst>
-        </pc:sldLayoutChg>
-      </pc:sldMasterChg>
     </pc:docChg>
   </pc:docChgLst>
   <pc:docChgLst>
@@ -17268,18 +17268,9 @@
   <p:clrMapOvr>
     <a:masterClrMapping/>
   </p:clrMapOvr>
-  <mc:AlternateContent xmlns:mc="http://schemas.openxmlformats.org/markup-compatibility/2006" xmlns:p14="http://schemas.microsoft.com/office/powerpoint/2010/main">
-    <mc:Choice Requires="p14">
-      <p:transition spd="med" p14:dur="700">
-        <p:fade/>
-      </p:transition>
-    </mc:Choice>
-    <mc:Fallback xmlns="">
-      <p:transition spd="med">
-        <p:fade/>
-      </p:transition>
-    </mc:Fallback>
-  </mc:AlternateContent>
+  <p:transition spd="slow">
+    <p:push dir="u"/>
+  </p:transition>
 </p:sld>
 </file>
 
@@ -25163,7 +25154,7 @@
           <a:lstStyle/>
           <a:p>
             <a:r>
-              <a:rPr lang="en-US">
+              <a:rPr lang="en-US" dirty="0">
                 <a:solidFill>
                   <a:srgbClr val="F24162"/>
                 </a:solidFill>
@@ -25173,7 +25164,7 @@
               <a:t>Mattia</a:t>
             </a:r>
             <a:r>
-              <a:rPr lang="en-US">
+              <a:rPr lang="en-US" dirty="0">
                 <a:solidFill>
                   <a:srgbClr val="F24162"/>
                 </a:solidFill>
@@ -25181,7 +25172,7 @@
               <a:t> </a:t>
             </a:r>
             <a:r>
-              <a:rPr lang="en-US">
+              <a:rPr lang="en-US" dirty="0">
                 <a:solidFill>
                   <a:srgbClr val="F24162"/>
                 </a:solidFill>
@@ -25191,14 +25182,14 @@
               <a:t>Micheli</a:t>
             </a:r>
             <a:r>
-              <a:rPr lang="en-US">
+              <a:rPr lang="en-US" dirty="0">
                 <a:latin typeface="Rubik Medium" pitchFamily="2" charset="-79"/>
                 <a:cs typeface="Rubik Medium" pitchFamily="2" charset="-79"/>
               </a:rPr>
               <a:t> </a:t>
             </a:r>
             <a:r>
-              <a:rPr lang="en-US" u="sng">
+              <a:rPr lang="en-US" u="sng" dirty="0">
                 <a:latin typeface="Rubik Medium" pitchFamily="2" charset="-79"/>
                 <a:cs typeface="Rubik Medium" pitchFamily="2" charset="-79"/>
               </a:rPr>
@@ -25206,7 +25197,7 @@
             </a:r>
           </a:p>
           <a:p>
-            <a:endParaRPr lang="it-IT"/>
+            <a:endParaRPr lang="it-IT" dirty="0"/>
           </a:p>
         </p:txBody>
       </p:sp>
@@ -25288,9 +25279,18 @@
   <p:clrMapOvr>
     <a:masterClrMapping/>
   </p:clrMapOvr>
-  <p:transition spd="slow">
-    <p:push dir="u"/>
-  </p:transition>
+  <mc:AlternateContent xmlns:mc="http://schemas.openxmlformats.org/markup-compatibility/2006">
+    <mc:Choice xmlns:p14="http://schemas.microsoft.com/office/powerpoint/2010/main" Requires="p14">
+      <p:transition spd="slow" p14:dur="1300">
+        <p14:pan dir="u"/>
+      </p:transition>
+    </mc:Choice>
+    <mc:Fallback>
+      <p:transition spd="slow">
+        <p:fade/>
+      </p:transition>
+    </mc:Fallback>
+  </mc:AlternateContent>
 </p:sld>
 </file>
 
@@ -25747,9 +25747,18 @@
   <p:clrMapOvr>
     <a:masterClrMapping/>
   </p:clrMapOvr>
-  <p:transition spd="slow">
-    <p:push dir="u"/>
-  </p:transition>
+  <mc:AlternateContent xmlns:mc="http://schemas.openxmlformats.org/markup-compatibility/2006">
+    <mc:Choice xmlns:p14="http://schemas.microsoft.com/office/powerpoint/2010/main" Requires="p14">
+      <p:transition spd="slow" p14:dur="1300">
+        <p14:pan dir="u"/>
+      </p:transition>
+    </mc:Choice>
+    <mc:Fallback>
+      <p:transition spd="slow">
+        <p:fade/>
+      </p:transition>
+    </mc:Fallback>
+  </mc:AlternateContent>
 </p:sld>
 </file>
 
@@ -28271,23 +28280,6 @@
 </file>
 
 <file path=customXml/item1.xml><?xml version="1.0" encoding="utf-8"?>
-<p:properties xmlns:p="http://schemas.microsoft.com/office/2006/metadata/properties" xmlns:xsi="http://www.w3.org/2001/XMLSchema-instance" xmlns:pc="http://schemas.microsoft.com/office/infopath/2007/PartnerControls">
-  <documentManagement>
-    <_activity xmlns="b8089c54-133a-4c97-a02f-e7f07812f79e" xsi:nil="true"/>
-  </documentManagement>
-</p:properties>
-</file>
-
-<file path=customXml/item2.xml><?xml version="1.0" encoding="utf-8"?>
-<?mso-contentType ?>
-<FormTemplates xmlns="http://schemas.microsoft.com/sharepoint/v3/contenttype/forms">
-  <Display>DocumentLibraryForm</Display>
-  <Edit>DocumentLibraryForm</Edit>
-  <New>DocumentLibraryForm</New>
-</FormTemplates>
-</file>
-
-<file path=customXml/item3.xml><?xml version="1.0" encoding="utf-8"?>
 <ct:contentTypeSchema xmlns:ct="http://schemas.microsoft.com/office/2006/metadata/contentType" xmlns:ma="http://schemas.microsoft.com/office/2006/metadata/properties/metaAttributes" ct:_="" ma:_="" ma:contentTypeName="Documento" ma:contentTypeID="0x0101002F3C0293AB6FA44389C4C6E659FCCD58" ma:contentTypeVersion="10" ma:contentTypeDescription="Creare un nuovo documento." ma:contentTypeScope="" ma:versionID="68172710f24de4bc7c04be446b2713e5">
   <xsd:schema xmlns:xsd="http://www.w3.org/2001/XMLSchema" xmlns:xs="http://www.w3.org/2001/XMLSchema" xmlns:p="http://schemas.microsoft.com/office/2006/metadata/properties" xmlns:ns3="72152f1b-5227-4514-bd7b-998a9820cf2a" xmlns:ns4="b8089c54-133a-4c97-a02f-e7f07812f79e" targetNamespace="http://schemas.microsoft.com/office/2006/metadata/properties" ma:root="true" ma:fieldsID="877c09e9cd1afc83390a18fdfda44e49" ns3:_="" ns4:_="">
     <xsd:import namespace="72152f1b-5227-4514-bd7b-998a9820cf2a"/>
@@ -28490,32 +28482,24 @@
 </ct:contentTypeSchema>
 </file>
 
-<file path=customXml/itemProps1.xml><?xml version="1.0" encoding="utf-8"?>
-<ds:datastoreItem xmlns:ds="http://schemas.openxmlformats.org/officeDocument/2006/customXml" ds:itemID="{5711E17F-5C4A-457B-A22B-BEA401E8FE9B}">
-  <ds:schemaRefs>
-    <ds:schemaRef ds:uri="72152f1b-5227-4514-bd7b-998a9820cf2a"/>
-    <ds:schemaRef ds:uri="b8089c54-133a-4c97-a02f-e7f07812f79e"/>
-    <ds:schemaRef ds:uri="http://purl.org/dc/dcmitype/"/>
-    <ds:schemaRef ds:uri="http://purl.org/dc/elements/1.1/"/>
-    <ds:schemaRef ds:uri="http://purl.org/dc/terms/"/>
-    <ds:schemaRef ds:uri="http://schemas.microsoft.com/office/2006/documentManagement/types"/>
-    <ds:schemaRef ds:uri="http://schemas.microsoft.com/office/2006/metadata/properties"/>
-    <ds:schemaRef ds:uri="http://schemas.microsoft.com/office/infopath/2007/PartnerControls"/>
-    <ds:schemaRef ds:uri="http://schemas.openxmlformats.org/package/2006/metadata/core-properties"/>
-    <ds:schemaRef ds:uri="http://www.w3.org/XML/1998/namespace"/>
-  </ds:schemaRefs>
-</ds:datastoreItem>
+<file path=customXml/item2.xml><?xml version="1.0" encoding="utf-8"?>
+<?mso-contentType ?>
+<FormTemplates xmlns="http://schemas.microsoft.com/sharepoint/v3/contenttype/forms">
+  <Display>DocumentLibraryForm</Display>
+  <Edit>DocumentLibraryForm</Edit>
+  <New>DocumentLibraryForm</New>
+</FormTemplates>
 </file>
 
-<file path=customXml/itemProps2.xml><?xml version="1.0" encoding="utf-8"?>
-<ds:datastoreItem xmlns:ds="http://schemas.openxmlformats.org/officeDocument/2006/customXml" ds:itemID="{F0F7E25A-12A7-462E-B7BA-6FE2009F0293}">
-  <ds:schemaRefs>
-    <ds:schemaRef ds:uri="http://schemas.microsoft.com/sharepoint/v3/contenttype/forms"/>
-  </ds:schemaRefs>
-</ds:datastoreItem>
+<file path=customXml/item3.xml><?xml version="1.0" encoding="utf-8"?>
+<p:properties xmlns:p="http://schemas.microsoft.com/office/2006/metadata/properties" xmlns:xsi="http://www.w3.org/2001/XMLSchema-instance" xmlns:pc="http://schemas.microsoft.com/office/infopath/2007/PartnerControls">
+  <documentManagement>
+    <_activity xmlns="b8089c54-133a-4c97-a02f-e7f07812f79e" xsi:nil="true"/>
+  </documentManagement>
+</p:properties>
 </file>
 
-<file path=customXml/itemProps3.xml><?xml version="1.0" encoding="utf-8"?>
+<file path=customXml/itemProps1.xml><?xml version="1.0" encoding="utf-8"?>
 <ds:datastoreItem xmlns:ds="http://schemas.openxmlformats.org/officeDocument/2006/customXml" ds:itemID="{FE65109F-BC37-4260-AD33-A6ECF3CC26B7}">
   <ds:schemaRefs>
     <ds:schemaRef ds:uri="72152f1b-5227-4514-bd7b-998a9820cf2a"/>
@@ -28532,4 +28516,29 @@
     <ds:schemaRef ds:uri="http://www.w3.org/2001/XMLSchema"/>
   </ds:schemaRefs>
 </ds:datastoreItem>
+</file>
+
+<file path=customXml/itemProps2.xml><?xml version="1.0" encoding="utf-8"?>
+<ds:datastoreItem xmlns:ds="http://schemas.openxmlformats.org/officeDocument/2006/customXml" ds:itemID="{F0F7E25A-12A7-462E-B7BA-6FE2009F0293}">
+  <ds:schemaRefs>
+    <ds:schemaRef ds:uri="http://schemas.microsoft.com/sharepoint/v3/contenttype/forms"/>
+  </ds:schemaRefs>
+</ds:datastoreItem>
+</file>
+
+<file path=customXml/itemProps3.xml><?xml version="1.0" encoding="utf-8"?>
+<ds:datastoreItem xmlns:ds="http://schemas.openxmlformats.org/officeDocument/2006/customXml" ds:itemID="{5711E17F-5C4A-457B-A22B-BEA401E8FE9B}">
+  <ds:schemaRefs>
+    <ds:schemaRef ds:uri="72152f1b-5227-4514-bd7b-998a9820cf2a"/>
+    <ds:schemaRef ds:uri="b8089c54-133a-4c97-a02f-e7f07812f79e"/>
+    <ds:schemaRef ds:uri="http://purl.org/dc/dcmitype/"/>
+    <ds:schemaRef ds:uri="http://purl.org/dc/elements/1.1/"/>
+    <ds:schemaRef ds:uri="http://purl.org/dc/terms/"/>
+    <ds:schemaRef ds:uri="http://schemas.microsoft.com/office/2006/documentManagement/types"/>
+    <ds:schemaRef ds:uri="http://schemas.microsoft.com/office/2006/metadata/properties"/>
+    <ds:schemaRef ds:uri="http://schemas.microsoft.com/office/infopath/2007/PartnerControls"/>
+    <ds:schemaRef ds:uri="http://schemas.openxmlformats.org/package/2006/metadata/core-properties"/>
+    <ds:schemaRef ds:uri="http://www.w3.org/XML/1998/namespace"/>
+  </ds:schemaRefs>
+</ds:datastoreItem>
 </file>